--- a/Thesis/figs/figs.pptx
+++ b/Thesis/figs/figs.pptx
@@ -6,19 +6,20 @@
   </p:sldMasterIdLst>
   <p:sldIdLst>
     <p:sldId id="256" r:id="rId2"/>
-    <p:sldId id="260" r:id="rId3"/>
-    <p:sldId id="270" r:id="rId4"/>
-    <p:sldId id="261" r:id="rId5"/>
-    <p:sldId id="271" r:id="rId6"/>
-    <p:sldId id="257" r:id="rId7"/>
-    <p:sldId id="258" r:id="rId8"/>
-    <p:sldId id="259" r:id="rId9"/>
-    <p:sldId id="262" r:id="rId10"/>
-    <p:sldId id="264" r:id="rId11"/>
-    <p:sldId id="266" r:id="rId12"/>
-    <p:sldId id="273" r:id="rId13"/>
-    <p:sldId id="269" r:id="rId14"/>
-    <p:sldId id="272" r:id="rId15"/>
+    <p:sldId id="274" r:id="rId3"/>
+    <p:sldId id="260" r:id="rId4"/>
+    <p:sldId id="270" r:id="rId5"/>
+    <p:sldId id="261" r:id="rId6"/>
+    <p:sldId id="271" r:id="rId7"/>
+    <p:sldId id="257" r:id="rId8"/>
+    <p:sldId id="258" r:id="rId9"/>
+    <p:sldId id="259" r:id="rId10"/>
+    <p:sldId id="262" r:id="rId11"/>
+    <p:sldId id="264" r:id="rId12"/>
+    <p:sldId id="266" r:id="rId13"/>
+    <p:sldId id="273" r:id="rId14"/>
+    <p:sldId id="269" r:id="rId15"/>
+    <p:sldId id="272" r:id="rId16"/>
   </p:sldIdLst>
   <p:sldSz cx="12192000" cy="6858000"/>
   <p:notesSz cx="6858000" cy="9144000"/>
@@ -256,7 +257,7 @@
           <a:p>
             <a:fld id="{5A779009-EA30-43A9-A43B-F006CC3D9B84}" type="datetimeFigureOut">
               <a:rPr lang="en-US" smtClean="0"/>
-              <a:t>10/26/2017</a:t>
+              <a:t>6/19/2018</a:t>
             </a:fld>
             <a:endParaRPr lang="en-US"/>
           </a:p>
@@ -426,7 +427,7 @@
           <a:p>
             <a:fld id="{5A779009-EA30-43A9-A43B-F006CC3D9B84}" type="datetimeFigureOut">
               <a:rPr lang="en-US" smtClean="0"/>
-              <a:t>10/26/2017</a:t>
+              <a:t>6/19/2018</a:t>
             </a:fld>
             <a:endParaRPr lang="en-US"/>
           </a:p>
@@ -606,7 +607,7 @@
           <a:p>
             <a:fld id="{5A779009-EA30-43A9-A43B-F006CC3D9B84}" type="datetimeFigureOut">
               <a:rPr lang="en-US" smtClean="0"/>
-              <a:t>10/26/2017</a:t>
+              <a:t>6/19/2018</a:t>
             </a:fld>
             <a:endParaRPr lang="en-US"/>
           </a:p>
@@ -776,7 +777,7 @@
           <a:p>
             <a:fld id="{5A779009-EA30-43A9-A43B-F006CC3D9B84}" type="datetimeFigureOut">
               <a:rPr lang="en-US" smtClean="0"/>
-              <a:t>10/26/2017</a:t>
+              <a:t>6/19/2018</a:t>
             </a:fld>
             <a:endParaRPr lang="en-US"/>
           </a:p>
@@ -1022,7 +1023,7 @@
           <a:p>
             <a:fld id="{5A779009-EA30-43A9-A43B-F006CC3D9B84}" type="datetimeFigureOut">
               <a:rPr lang="en-US" smtClean="0"/>
-              <a:t>10/26/2017</a:t>
+              <a:t>6/19/2018</a:t>
             </a:fld>
             <a:endParaRPr lang="en-US"/>
           </a:p>
@@ -1254,7 +1255,7 @@
           <a:p>
             <a:fld id="{5A779009-EA30-43A9-A43B-F006CC3D9B84}" type="datetimeFigureOut">
               <a:rPr lang="en-US" smtClean="0"/>
-              <a:t>10/26/2017</a:t>
+              <a:t>6/19/2018</a:t>
             </a:fld>
             <a:endParaRPr lang="en-US"/>
           </a:p>
@@ -1621,7 +1622,7 @@
           <a:p>
             <a:fld id="{5A779009-EA30-43A9-A43B-F006CC3D9B84}" type="datetimeFigureOut">
               <a:rPr lang="en-US" smtClean="0"/>
-              <a:t>10/26/2017</a:t>
+              <a:t>6/19/2018</a:t>
             </a:fld>
             <a:endParaRPr lang="en-US"/>
           </a:p>
@@ -1739,7 +1740,7 @@
           <a:p>
             <a:fld id="{5A779009-EA30-43A9-A43B-F006CC3D9B84}" type="datetimeFigureOut">
               <a:rPr lang="en-US" smtClean="0"/>
-              <a:t>10/26/2017</a:t>
+              <a:t>6/19/2018</a:t>
             </a:fld>
             <a:endParaRPr lang="en-US"/>
           </a:p>
@@ -1834,7 +1835,7 @@
           <a:p>
             <a:fld id="{5A779009-EA30-43A9-A43B-F006CC3D9B84}" type="datetimeFigureOut">
               <a:rPr lang="en-US" smtClean="0"/>
-              <a:t>10/26/2017</a:t>
+              <a:t>6/19/2018</a:t>
             </a:fld>
             <a:endParaRPr lang="en-US"/>
           </a:p>
@@ -2111,7 +2112,7 @@
           <a:p>
             <a:fld id="{5A779009-EA30-43A9-A43B-F006CC3D9B84}" type="datetimeFigureOut">
               <a:rPr lang="en-US" smtClean="0"/>
-              <a:t>10/26/2017</a:t>
+              <a:t>6/19/2018</a:t>
             </a:fld>
             <a:endParaRPr lang="en-US"/>
           </a:p>
@@ -2364,7 +2365,7 @@
           <a:p>
             <a:fld id="{5A779009-EA30-43A9-A43B-F006CC3D9B84}" type="datetimeFigureOut">
               <a:rPr lang="en-US" smtClean="0"/>
-              <a:t>10/26/2017</a:t>
+              <a:t>6/19/2018</a:t>
             </a:fld>
             <a:endParaRPr lang="en-US"/>
           </a:p>
@@ -2577,7 +2578,7 @@
           <a:p>
             <a:fld id="{5A779009-EA30-43A9-A43B-F006CC3D9B84}" type="datetimeFigureOut">
               <a:rPr lang="en-US" smtClean="0"/>
-              <a:t>10/26/2017</a:t>
+              <a:t>6/19/2018</a:t>
             </a:fld>
             <a:endParaRPr lang="en-US"/>
           </a:p>
@@ -3052,6 +3053,522 @@
       </p:grpSpPr>
       <p:grpSp>
         <p:nvGrpSpPr>
+          <p:cNvPr id="2" name="Group 1"/>
+          <p:cNvGrpSpPr/>
+          <p:nvPr/>
+        </p:nvGrpSpPr>
+        <p:grpSpPr>
+          <a:xfrm>
+            <a:off x="-359246" y="0"/>
+            <a:ext cx="12156799" cy="7356968"/>
+            <a:chOff x="35201" y="0"/>
+            <a:chExt cx="12156799" cy="7356968"/>
+          </a:xfrm>
+          <a:noFill/>
+        </p:grpSpPr>
+        <p:pic>
+          <p:nvPicPr>
+            <p:cNvPr id="5" name="Picture 4"/>
+            <p:cNvPicPr>
+              <a:picLocks noChangeAspect="1"/>
+            </p:cNvPicPr>
+            <p:nvPr/>
+          </p:nvPicPr>
+          <p:blipFill rotWithShape="1">
+            <a:blip r:embed="rId2" cstate="print">
+              <a:extLst>
+                <a:ext uri="{28A0092B-C50C-407E-A947-70E740481C1C}">
+                  <a14:useLocalDpi xmlns:a14="http://schemas.microsoft.com/office/drawing/2010/main" val="0"/>
+                </a:ext>
+              </a:extLst>
+            </a:blip>
+            <a:srcRect l="1905" r="1513" b="3215"/>
+            <a:stretch/>
+          </p:blipFill>
+          <p:spPr>
+            <a:xfrm>
+              <a:off x="6202390" y="0"/>
+              <a:ext cx="5697896" cy="3541059"/>
+            </a:xfrm>
+            <a:prstGeom prst="rect">
+              <a:avLst/>
+            </a:prstGeom>
+            <a:grpFill/>
+            <a:ln w="6350">
+              <a:noFill/>
+            </a:ln>
+          </p:spPr>
+        </p:pic>
+        <p:pic>
+          <p:nvPicPr>
+            <p:cNvPr id="6" name="Picture 5"/>
+            <p:cNvPicPr>
+              <a:picLocks noChangeAspect="1"/>
+            </p:cNvPicPr>
+            <p:nvPr/>
+          </p:nvPicPr>
+          <p:blipFill rotWithShape="1">
+            <a:blip r:embed="rId3" cstate="print">
+              <a:extLst>
+                <a:ext uri="{28A0092B-C50C-407E-A947-70E740481C1C}">
+                  <a14:useLocalDpi xmlns:a14="http://schemas.microsoft.com/office/drawing/2010/main" val="0"/>
+                </a:ext>
+              </a:extLst>
+            </a:blip>
+            <a:srcRect l="2650" t="744" r="1748" b="2666"/>
+            <a:stretch/>
+          </p:blipFill>
+          <p:spPr>
+            <a:xfrm>
+              <a:off x="367553" y="44824"/>
+              <a:ext cx="5773271" cy="3487270"/>
+            </a:xfrm>
+            <a:prstGeom prst="rect">
+              <a:avLst/>
+            </a:prstGeom>
+            <a:grpFill/>
+            <a:ln w="6350">
+              <a:noFill/>
+            </a:ln>
+          </p:spPr>
+        </p:pic>
+        <p:pic>
+          <p:nvPicPr>
+            <p:cNvPr id="7" name="Picture 6"/>
+            <p:cNvPicPr>
+              <a:picLocks noChangeAspect="1"/>
+            </p:cNvPicPr>
+            <p:nvPr/>
+          </p:nvPicPr>
+          <p:blipFill rotWithShape="1">
+            <a:blip r:embed="rId4" cstate="print">
+              <a:extLst>
+                <a:ext uri="{28A0092B-C50C-407E-A947-70E740481C1C}">
+                  <a14:useLocalDpi xmlns:a14="http://schemas.microsoft.com/office/drawing/2010/main" val="0"/>
+                </a:ext>
+              </a:extLst>
+            </a:blip>
+            <a:srcRect l="2194" r="1162" b="3063"/>
+            <a:stretch/>
+          </p:blipFill>
+          <p:spPr>
+            <a:xfrm>
+              <a:off x="6279080" y="3806115"/>
+              <a:ext cx="5624992" cy="3550853"/>
+            </a:xfrm>
+            <a:prstGeom prst="rect">
+              <a:avLst/>
+            </a:prstGeom>
+            <a:grpFill/>
+            <a:ln w="6350">
+              <a:noFill/>
+            </a:ln>
+          </p:spPr>
+        </p:pic>
+        <p:pic>
+          <p:nvPicPr>
+            <p:cNvPr id="8" name="Picture 7"/>
+            <p:cNvPicPr>
+              <a:picLocks noChangeAspect="1"/>
+            </p:cNvPicPr>
+            <p:nvPr/>
+          </p:nvPicPr>
+          <p:blipFill rotWithShape="1">
+            <a:blip r:embed="rId5" cstate="print">
+              <a:extLst>
+                <a:ext uri="{28A0092B-C50C-407E-A947-70E740481C1C}">
+                  <a14:useLocalDpi xmlns:a14="http://schemas.microsoft.com/office/drawing/2010/main" val="0"/>
+                </a:ext>
+              </a:extLst>
+            </a:blip>
+            <a:srcRect l="1761" r="1682" b="2468"/>
+            <a:stretch/>
+          </p:blipFill>
+          <p:spPr>
+            <a:xfrm>
+              <a:off x="314844" y="3794108"/>
+              <a:ext cx="5813967" cy="3550853"/>
+            </a:xfrm>
+            <a:prstGeom prst="rect">
+              <a:avLst/>
+            </a:prstGeom>
+            <a:grpFill/>
+            <a:ln w="6350">
+              <a:noFill/>
+            </a:ln>
+          </p:spPr>
+        </p:pic>
+        <p:pic>
+          <p:nvPicPr>
+            <p:cNvPr id="11" name="Picture 10"/>
+            <p:cNvPicPr>
+              <a:picLocks noChangeAspect="1"/>
+            </p:cNvPicPr>
+            <p:nvPr/>
+          </p:nvPicPr>
+          <p:blipFill>
+            <a:blip r:embed="rId6"/>
+            <a:stretch>
+              <a:fillRect/>
+            </a:stretch>
+          </p:blipFill>
+          <p:spPr>
+            <a:xfrm>
+              <a:off x="6500364" y="17929"/>
+              <a:ext cx="3352800" cy="1133475"/>
+            </a:xfrm>
+            <a:prstGeom prst="rect">
+              <a:avLst/>
+            </a:prstGeom>
+            <a:grpFill/>
+          </p:spPr>
+        </p:pic>
+        <p:pic>
+          <p:nvPicPr>
+            <p:cNvPr id="12" name="Picture 11"/>
+            <p:cNvPicPr>
+              <a:picLocks noChangeAspect="1"/>
+            </p:cNvPicPr>
+            <p:nvPr/>
+          </p:nvPicPr>
+          <p:blipFill>
+            <a:blip r:embed="rId7"/>
+            <a:stretch>
+              <a:fillRect/>
+            </a:stretch>
+          </p:blipFill>
+          <p:spPr>
+            <a:xfrm>
+              <a:off x="594841" y="36979"/>
+              <a:ext cx="3267075" cy="1114425"/>
+            </a:xfrm>
+            <a:prstGeom prst="rect">
+              <a:avLst/>
+            </a:prstGeom>
+            <a:grpFill/>
+          </p:spPr>
+        </p:pic>
+        <p:pic>
+          <p:nvPicPr>
+            <p:cNvPr id="13" name="Picture 12"/>
+            <p:cNvPicPr>
+              <a:picLocks noChangeAspect="1"/>
+            </p:cNvPicPr>
+            <p:nvPr/>
+          </p:nvPicPr>
+          <p:blipFill>
+            <a:blip r:embed="rId8"/>
+            <a:stretch>
+              <a:fillRect/>
+            </a:stretch>
+          </p:blipFill>
+          <p:spPr>
+            <a:xfrm>
+              <a:off x="6536096" y="3806115"/>
+              <a:ext cx="3371850" cy="1209675"/>
+            </a:xfrm>
+            <a:prstGeom prst="rect">
+              <a:avLst/>
+            </a:prstGeom>
+            <a:grpFill/>
+          </p:spPr>
+        </p:pic>
+        <p:pic>
+          <p:nvPicPr>
+            <p:cNvPr id="14" name="Picture 13"/>
+            <p:cNvPicPr>
+              <a:picLocks noChangeAspect="1"/>
+            </p:cNvPicPr>
+            <p:nvPr/>
+          </p:nvPicPr>
+          <p:blipFill>
+            <a:blip r:embed="rId9"/>
+            <a:stretch>
+              <a:fillRect/>
+            </a:stretch>
+          </p:blipFill>
+          <p:spPr>
+            <a:xfrm>
+              <a:off x="585316" y="3794108"/>
+              <a:ext cx="3276600" cy="1095375"/>
+            </a:xfrm>
+            <a:prstGeom prst="rect">
+              <a:avLst/>
+            </a:prstGeom>
+            <a:grpFill/>
+          </p:spPr>
+        </p:pic>
+        <p:sp>
+          <p:nvSpPr>
+            <p:cNvPr id="15" name="Rectangle 14"/>
+            <p:cNvSpPr/>
+            <p:nvPr/>
+          </p:nvSpPr>
+          <p:spPr>
+            <a:xfrm rot="16200000">
+              <a:off x="11629987" y="3076653"/>
+              <a:ext cx="816249" cy="307777"/>
+            </a:xfrm>
+            <a:prstGeom prst="rect">
+              <a:avLst/>
+            </a:prstGeom>
+            <a:grpFill/>
+          </p:spPr>
+          <p:txBody>
+            <a:bodyPr wrap="none">
+              <a:spAutoFit/>
+            </a:bodyPr>
+            <a:lstStyle/>
+            <a:p>
+              <a:r>
+                <a:rPr lang="en-US" sz="1400" dirty="0" smtClean="0"/>
+                <a:t>#of  IVCs</a:t>
+              </a:r>
+              <a:endParaRPr lang="en-US" sz="1400" dirty="0"/>
+            </a:p>
+          </p:txBody>
+        </p:sp>
+        <p:cxnSp>
+          <p:nvCxnSpPr>
+            <p:cNvPr id="17" name="Straight Arrow Connector 16"/>
+            <p:cNvCxnSpPr/>
+            <p:nvPr/>
+          </p:nvCxnSpPr>
+          <p:spPr>
+            <a:xfrm flipV="1">
+              <a:off x="11884222" y="1811401"/>
+              <a:ext cx="18856" cy="2696800"/>
+            </a:xfrm>
+            <a:prstGeom prst="straightConnector1">
+              <a:avLst/>
+            </a:prstGeom>
+            <a:grpFill/>
+            <a:ln>
+              <a:solidFill>
+                <a:schemeClr val="tx1"/>
+              </a:solidFill>
+              <a:tailEnd type="triangle"/>
+            </a:ln>
+          </p:spPr>
+          <p:style>
+            <a:lnRef idx="1">
+              <a:schemeClr val="accent1"/>
+            </a:lnRef>
+            <a:fillRef idx="0">
+              <a:schemeClr val="accent1"/>
+            </a:fillRef>
+            <a:effectRef idx="0">
+              <a:schemeClr val="accent1"/>
+            </a:effectRef>
+            <a:fontRef idx="minor">
+              <a:schemeClr val="tx1"/>
+            </a:fontRef>
+          </p:style>
+        </p:cxnSp>
+        <p:cxnSp>
+          <p:nvCxnSpPr>
+            <p:cNvPr id="18" name="Straight Arrow Connector 17"/>
+            <p:cNvCxnSpPr/>
+            <p:nvPr/>
+          </p:nvCxnSpPr>
+          <p:spPr>
+            <a:xfrm flipV="1">
+              <a:off x="6481314" y="3618582"/>
+              <a:ext cx="1811546" cy="1898"/>
+            </a:xfrm>
+            <a:prstGeom prst="straightConnector1">
+              <a:avLst/>
+            </a:prstGeom>
+            <a:grpFill/>
+            <a:ln>
+              <a:solidFill>
+                <a:schemeClr val="tx1"/>
+              </a:solidFill>
+              <a:tailEnd type="triangle"/>
+            </a:ln>
+          </p:spPr>
+          <p:style>
+            <a:lnRef idx="1">
+              <a:schemeClr val="accent1"/>
+            </a:lnRef>
+            <a:fillRef idx="0">
+              <a:schemeClr val="accent1"/>
+            </a:fillRef>
+            <a:effectRef idx="0">
+              <a:schemeClr val="accent1"/>
+            </a:effectRef>
+            <a:fontRef idx="minor">
+              <a:schemeClr val="tx1"/>
+            </a:fontRef>
+          </p:style>
+        </p:cxnSp>
+        <p:sp>
+          <p:nvSpPr>
+            <p:cNvPr id="22" name="Rectangle 21"/>
+            <p:cNvSpPr/>
+            <p:nvPr/>
+          </p:nvSpPr>
+          <p:spPr>
+            <a:xfrm>
+              <a:off x="5734364" y="3451004"/>
+              <a:ext cx="729687" cy="307777"/>
+            </a:xfrm>
+            <a:prstGeom prst="rect">
+              <a:avLst/>
+            </a:prstGeom>
+            <a:grpFill/>
+          </p:spPr>
+          <p:txBody>
+            <a:bodyPr wrap="none">
+              <a:spAutoFit/>
+            </a:bodyPr>
+            <a:lstStyle/>
+            <a:p>
+              <a:r>
+                <a:rPr lang="en-US" sz="1400" dirty="0" smtClean="0"/>
+                <a:t>Models</a:t>
+              </a:r>
+              <a:endParaRPr lang="en-US" sz="1400" dirty="0"/>
+            </a:p>
+          </p:txBody>
+        </p:sp>
+        <p:cxnSp>
+          <p:nvCxnSpPr>
+            <p:cNvPr id="24" name="Straight Arrow Connector 23"/>
+            <p:cNvCxnSpPr/>
+            <p:nvPr/>
+          </p:nvCxnSpPr>
+          <p:spPr>
+            <a:xfrm flipV="1">
+              <a:off x="3861916" y="3623146"/>
+              <a:ext cx="1811546" cy="1898"/>
+            </a:xfrm>
+            <a:prstGeom prst="straightConnector1">
+              <a:avLst/>
+            </a:prstGeom>
+            <a:grpFill/>
+            <a:ln>
+              <a:solidFill>
+                <a:schemeClr val="tx1"/>
+              </a:solidFill>
+              <a:tailEnd type="triangle"/>
+            </a:ln>
+          </p:spPr>
+          <p:style>
+            <a:lnRef idx="1">
+              <a:schemeClr val="accent1"/>
+            </a:lnRef>
+            <a:fillRef idx="0">
+              <a:schemeClr val="accent1"/>
+            </a:fillRef>
+            <a:effectRef idx="0">
+              <a:schemeClr val="accent1"/>
+            </a:effectRef>
+            <a:fontRef idx="minor">
+              <a:schemeClr val="tx1"/>
+            </a:fontRef>
+          </p:style>
+        </p:cxnSp>
+        <p:sp>
+          <p:nvSpPr>
+            <p:cNvPr id="26" name="Rectangle 25"/>
+            <p:cNvSpPr/>
+            <p:nvPr/>
+          </p:nvSpPr>
+          <p:spPr>
+            <a:xfrm rot="16200000">
+              <a:off x="-405753" y="3076652"/>
+              <a:ext cx="1189685" cy="307777"/>
+            </a:xfrm>
+            <a:prstGeom prst="rect">
+              <a:avLst/>
+            </a:prstGeom>
+            <a:grpFill/>
+          </p:spPr>
+          <p:txBody>
+            <a:bodyPr wrap="none">
+              <a:spAutoFit/>
+            </a:bodyPr>
+            <a:lstStyle/>
+            <a:p>
+              <a:r>
+                <a:rPr lang="en-US" sz="1400" dirty="0" smtClean="0"/>
+                <a:t>Runtime (sec)</a:t>
+              </a:r>
+              <a:endParaRPr lang="en-US" sz="1400" dirty="0"/>
+            </a:p>
+          </p:txBody>
+        </p:sp>
+        <p:cxnSp>
+          <p:nvCxnSpPr>
+            <p:cNvPr id="27" name="Straight Arrow Connector 26"/>
+            <p:cNvCxnSpPr/>
+            <p:nvPr/>
+          </p:nvCxnSpPr>
+          <p:spPr>
+            <a:xfrm flipV="1">
+              <a:off x="314844" y="1811401"/>
+              <a:ext cx="18856" cy="2696800"/>
+            </a:xfrm>
+            <a:prstGeom prst="straightConnector1">
+              <a:avLst/>
+            </a:prstGeom>
+            <a:grpFill/>
+            <a:ln>
+              <a:solidFill>
+                <a:schemeClr val="tx1"/>
+              </a:solidFill>
+              <a:tailEnd type="triangle"/>
+            </a:ln>
+          </p:spPr>
+          <p:style>
+            <a:lnRef idx="1">
+              <a:schemeClr val="accent1"/>
+            </a:lnRef>
+            <a:fillRef idx="0">
+              <a:schemeClr val="accent1"/>
+            </a:fillRef>
+            <a:effectRef idx="0">
+              <a:schemeClr val="accent1"/>
+            </a:effectRef>
+            <a:fontRef idx="minor">
+              <a:schemeClr val="tx1"/>
+            </a:fontRef>
+          </p:style>
+        </p:cxnSp>
+      </p:grpSp>
+    </p:spTree>
+    <p:extLst>
+      <p:ext uri="{BB962C8B-B14F-4D97-AF65-F5344CB8AC3E}">
+        <p14:creationId xmlns:p14="http://schemas.microsoft.com/office/powerpoint/2010/main" val="1293658443"/>
+      </p:ext>
+    </p:extLst>
+  </p:cSld>
+  <p:clrMapOvr>
+    <a:masterClrMapping/>
+  </p:clrMapOvr>
+</p:sld>
+</file>
+
+<file path=ppt/slides/slide11.xml><?xml version="1.0" encoding="utf-8"?>
+<p:sld xmlns:a="http://schemas.openxmlformats.org/drawingml/2006/main" xmlns:r="http://schemas.openxmlformats.org/officeDocument/2006/relationships" xmlns:p="http://schemas.openxmlformats.org/presentationml/2006/main">
+  <p:cSld>
+    <p:spTree>
+      <p:nvGrpSpPr>
+        <p:cNvPr id="1" name=""/>
+        <p:cNvGrpSpPr/>
+        <p:nvPr/>
+      </p:nvGrpSpPr>
+      <p:grpSpPr>
+        <a:xfrm>
+          <a:off x="0" y="0"/>
+          <a:ext cx="0" cy="0"/>
+          <a:chOff x="0" y="0"/>
+          <a:chExt cx="0" cy="0"/>
+        </a:xfrm>
+      </p:grpSpPr>
+      <p:grpSp>
+        <p:nvGrpSpPr>
           <p:cNvPr id="5" name="Group 4"/>
           <p:cNvGrpSpPr/>
           <p:nvPr/>
@@ -3286,7 +3803,7 @@
 </p:sld>
 </file>
 
-<file path=ppt/slides/slide11.xml><?xml version="1.0" encoding="utf-8"?>
+<file path=ppt/slides/slide12.xml><?xml version="1.0" encoding="utf-8"?>
 <p:sld xmlns:a="http://schemas.openxmlformats.org/drawingml/2006/main" xmlns:r="http://schemas.openxmlformats.org/officeDocument/2006/relationships" xmlns:p="http://schemas.openxmlformats.org/presentationml/2006/main">
   <p:cSld>
     <p:spTree>
@@ -3429,7 +3946,7 @@
 </p:sld>
 </file>
 
-<file path=ppt/slides/slide12.xml><?xml version="1.0" encoding="utf-8"?>
+<file path=ppt/slides/slide13.xml><?xml version="1.0" encoding="utf-8"?>
 <p:sld xmlns:a="http://schemas.openxmlformats.org/drawingml/2006/main" xmlns:r="http://schemas.openxmlformats.org/officeDocument/2006/relationships" xmlns:p="http://schemas.openxmlformats.org/presentationml/2006/main">
   <p:cSld>
     <p:spTree>
@@ -3572,7 +4089,7 @@
 </p:sld>
 </file>
 
-<file path=ppt/slides/slide13.xml><?xml version="1.0" encoding="utf-8"?>
+<file path=ppt/slides/slide14.xml><?xml version="1.0" encoding="utf-8"?>
 <p:sld xmlns:a="http://schemas.openxmlformats.org/drawingml/2006/main" xmlns:r="http://schemas.openxmlformats.org/officeDocument/2006/relationships" xmlns:p="http://schemas.openxmlformats.org/presentationml/2006/main">
   <p:cSld>
     <p:spTree>
@@ -3722,7 +4239,7 @@
 </p:sld>
 </file>
 
-<file path=ppt/slides/slide14.xml><?xml version="1.0" encoding="utf-8"?>
+<file path=ppt/slides/slide15.xml><?xml version="1.0" encoding="utf-8"?>
 <p:sld xmlns:a="http://schemas.openxmlformats.org/drawingml/2006/main" xmlns:r="http://schemas.openxmlformats.org/officeDocument/2006/relationships" xmlns:p="http://schemas.openxmlformats.org/presentationml/2006/main">
   <p:cSld>
     <p:spTree>
@@ -3873,6 +4390,246 @@
 </file>
 
 <file path=ppt/slides/slide2.xml><?xml version="1.0" encoding="utf-8"?>
+<p:sld xmlns:a="http://schemas.openxmlformats.org/drawingml/2006/main" xmlns:r="http://schemas.openxmlformats.org/officeDocument/2006/relationships" xmlns:p="http://schemas.openxmlformats.org/presentationml/2006/main">
+  <p:cSld>
+    <p:spTree>
+      <p:nvGrpSpPr>
+        <p:cNvPr id="1" name=""/>
+        <p:cNvGrpSpPr/>
+        <p:nvPr/>
+      </p:nvGrpSpPr>
+      <p:grpSpPr>
+        <a:xfrm>
+          <a:off x="0" y="0"/>
+          <a:ext cx="0" cy="0"/>
+          <a:chOff x="0" y="0"/>
+          <a:chExt cx="0" cy="0"/>
+        </a:xfrm>
+      </p:grpSpPr>
+      <p:grpSp>
+        <p:nvGrpSpPr>
+          <p:cNvPr id="15" name="Group 14"/>
+          <p:cNvGrpSpPr/>
+          <p:nvPr/>
+        </p:nvGrpSpPr>
+        <p:grpSpPr>
+          <a:xfrm>
+            <a:off x="-6368888" y="-4563585"/>
+            <a:ext cx="14360928" cy="25504596"/>
+            <a:chOff x="-6368888" y="-4563585"/>
+            <a:chExt cx="14360928" cy="25504596"/>
+          </a:xfrm>
+        </p:grpSpPr>
+        <p:pic>
+          <p:nvPicPr>
+            <p:cNvPr id="5" name="Picture 4"/>
+            <p:cNvPicPr>
+              <a:picLocks noChangeAspect="1"/>
+            </p:cNvPicPr>
+            <p:nvPr/>
+          </p:nvPicPr>
+          <p:blipFill>
+            <a:blip r:embed="rId2">
+              <a:extLst>
+                <a:ext uri="{28A0092B-C50C-407E-A947-70E740481C1C}">
+                  <a14:useLocalDpi xmlns:a14="http://schemas.microsoft.com/office/drawing/2010/main" val="0"/>
+                </a:ext>
+              </a:extLst>
+            </a:blip>
+            <a:stretch>
+              <a:fillRect/>
+            </a:stretch>
+          </p:blipFill>
+          <p:spPr>
+            <a:xfrm>
+              <a:off x="-6280184" y="-4563585"/>
+              <a:ext cx="14183521" cy="7922219"/>
+            </a:xfrm>
+            <a:prstGeom prst="rect">
+              <a:avLst/>
+            </a:prstGeom>
+          </p:spPr>
+        </p:pic>
+        <p:pic>
+          <p:nvPicPr>
+            <p:cNvPr id="6" name="Picture 5"/>
+            <p:cNvPicPr>
+              <a:picLocks noChangeAspect="1"/>
+            </p:cNvPicPr>
+            <p:nvPr/>
+          </p:nvPicPr>
+          <p:blipFill>
+            <a:blip r:embed="rId3">
+              <a:extLst>
+                <a:ext uri="{28A0092B-C50C-407E-A947-70E740481C1C}">
+                  <a14:useLocalDpi xmlns:a14="http://schemas.microsoft.com/office/drawing/2010/main" val="0"/>
+                </a:ext>
+              </a:extLst>
+            </a:blip>
+            <a:stretch>
+              <a:fillRect/>
+            </a:stretch>
+          </p:blipFill>
+          <p:spPr>
+            <a:xfrm>
+              <a:off x="-6368888" y="4012828"/>
+              <a:ext cx="14360928" cy="8021310"/>
+            </a:xfrm>
+            <a:prstGeom prst="rect">
+              <a:avLst/>
+            </a:prstGeom>
+          </p:spPr>
+        </p:pic>
+        <p:pic>
+          <p:nvPicPr>
+            <p:cNvPr id="7" name="Picture 6"/>
+            <p:cNvPicPr>
+              <a:picLocks noChangeAspect="1"/>
+            </p:cNvPicPr>
+            <p:nvPr/>
+          </p:nvPicPr>
+          <p:blipFill>
+            <a:blip r:embed="rId4">
+              <a:extLst>
+                <a:ext uri="{28A0092B-C50C-407E-A947-70E740481C1C}">
+                  <a14:useLocalDpi xmlns:a14="http://schemas.microsoft.com/office/drawing/2010/main" val="0"/>
+                </a:ext>
+              </a:extLst>
+            </a:blip>
+            <a:stretch>
+              <a:fillRect/>
+            </a:stretch>
+          </p:blipFill>
+          <p:spPr>
+            <a:xfrm>
+              <a:off x="-6368888" y="12688332"/>
+              <a:ext cx="14271918" cy="7878869"/>
+            </a:xfrm>
+            <a:prstGeom prst="rect">
+              <a:avLst/>
+            </a:prstGeom>
+          </p:spPr>
+        </p:pic>
+        <p:sp>
+          <p:nvSpPr>
+            <p:cNvPr id="8" name="Rectangle 7"/>
+            <p:cNvSpPr/>
+            <p:nvPr/>
+          </p:nvSpPr>
+          <p:spPr>
+            <a:xfrm>
+              <a:off x="722873" y="3358634"/>
+              <a:ext cx="564578" cy="369332"/>
+            </a:xfrm>
+            <a:prstGeom prst="rect">
+              <a:avLst/>
+            </a:prstGeom>
+          </p:spPr>
+          <p:txBody>
+            <a:bodyPr wrap="none">
+              <a:spAutoFit/>
+            </a:bodyPr>
+            <a:lstStyle/>
+            <a:p>
+              <a:r>
+                <a:rPr lang="en-US" dirty="0" smtClean="0">
+                  <a:latin typeface="Consolas" panose="020B0609020204030204" pitchFamily="49" charset="0"/>
+                  <a:cs typeface="Courier New" panose="02070309020205020404" pitchFamily="49" charset="0"/>
+                </a:rPr>
+                <a:t>(a)</a:t>
+              </a:r>
+              <a:endParaRPr lang="en-US" dirty="0">
+                <a:latin typeface="Consolas" panose="020B0609020204030204" pitchFamily="49" charset="0"/>
+                <a:cs typeface="Courier New" panose="02070309020205020404" pitchFamily="49" charset="0"/>
+              </a:endParaRPr>
+            </a:p>
+          </p:txBody>
+        </p:sp>
+        <p:sp>
+          <p:nvSpPr>
+            <p:cNvPr id="13" name="Rectangle 12"/>
+            <p:cNvSpPr/>
+            <p:nvPr/>
+          </p:nvSpPr>
+          <p:spPr>
+            <a:xfrm>
+              <a:off x="1005162" y="12134334"/>
+              <a:ext cx="1000552" cy="369332"/>
+            </a:xfrm>
+            <a:prstGeom prst="rect">
+              <a:avLst/>
+            </a:prstGeom>
+          </p:spPr>
+          <p:txBody>
+            <a:bodyPr wrap="square">
+              <a:spAutoFit/>
+            </a:bodyPr>
+            <a:lstStyle/>
+            <a:p>
+              <a:r>
+                <a:rPr lang="en-US" dirty="0" smtClean="0">
+                  <a:latin typeface="Consolas" panose="020B0609020204030204" pitchFamily="49" charset="0"/>
+                  <a:cs typeface="Courier New" panose="02070309020205020404" pitchFamily="49" charset="0"/>
+                </a:rPr>
+                <a:t>(b)</a:t>
+              </a:r>
+              <a:endParaRPr lang="en-US" dirty="0">
+                <a:latin typeface="Consolas" panose="020B0609020204030204" pitchFamily="49" charset="0"/>
+                <a:cs typeface="Courier New" panose="02070309020205020404" pitchFamily="49" charset="0"/>
+              </a:endParaRPr>
+            </a:p>
+          </p:txBody>
+        </p:sp>
+        <p:sp>
+          <p:nvSpPr>
+            <p:cNvPr id="14" name="Rectangle 13"/>
+            <p:cNvSpPr/>
+            <p:nvPr/>
+          </p:nvSpPr>
+          <p:spPr>
+            <a:xfrm>
+              <a:off x="811576" y="20571679"/>
+              <a:ext cx="1606670" cy="369332"/>
+            </a:xfrm>
+            <a:prstGeom prst="rect">
+              <a:avLst/>
+            </a:prstGeom>
+          </p:spPr>
+          <p:txBody>
+            <a:bodyPr wrap="square">
+              <a:spAutoFit/>
+            </a:bodyPr>
+            <a:lstStyle/>
+            <a:p>
+              <a:r>
+                <a:rPr lang="en-US" dirty="0" smtClean="0">
+                  <a:latin typeface="Consolas" panose="020B0609020204030204" pitchFamily="49" charset="0"/>
+                  <a:cs typeface="Courier New" panose="02070309020205020404" pitchFamily="49" charset="0"/>
+                </a:rPr>
+                <a:t>(c)</a:t>
+              </a:r>
+              <a:endParaRPr lang="en-US" dirty="0">
+                <a:latin typeface="Consolas" panose="020B0609020204030204" pitchFamily="49" charset="0"/>
+                <a:cs typeface="Courier New" panose="02070309020205020404" pitchFamily="49" charset="0"/>
+              </a:endParaRPr>
+            </a:p>
+          </p:txBody>
+        </p:sp>
+      </p:grpSp>
+    </p:spTree>
+    <p:extLst>
+      <p:ext uri="{BB962C8B-B14F-4D97-AF65-F5344CB8AC3E}">
+        <p14:creationId xmlns:p14="http://schemas.microsoft.com/office/powerpoint/2010/main" val="3151278773"/>
+      </p:ext>
+    </p:extLst>
+  </p:cSld>
+  <p:clrMapOvr>
+    <a:masterClrMapping/>
+  </p:clrMapOvr>
+</p:sld>
+</file>
+
+<file path=ppt/slides/slide3.xml><?xml version="1.0" encoding="utf-8"?>
 <p:sld xmlns:a="http://schemas.openxmlformats.org/drawingml/2006/main" xmlns:r="http://schemas.openxmlformats.org/officeDocument/2006/relationships" xmlns:p="http://schemas.openxmlformats.org/presentationml/2006/main">
   <p:cSld>
     <p:spTree>
@@ -4484,7 +5241,7 @@
 </p:sld>
 </file>
 
-<file path=ppt/slides/slide3.xml><?xml version="1.0" encoding="utf-8"?>
+<file path=ppt/slides/slide4.xml><?xml version="1.0" encoding="utf-8"?>
 <p:sld xmlns:a="http://schemas.openxmlformats.org/drawingml/2006/main" xmlns:r="http://schemas.openxmlformats.org/officeDocument/2006/relationships" xmlns:p="http://schemas.openxmlformats.org/presentationml/2006/main">
   <p:cSld>
     <p:spTree>
@@ -5280,7 +6037,7 @@
 </p:sld>
 </file>
 
-<file path=ppt/slides/slide4.xml><?xml version="1.0" encoding="utf-8"?>
+<file path=ppt/slides/slide5.xml><?xml version="1.0" encoding="utf-8"?>
 <p:sld xmlns:a="http://schemas.openxmlformats.org/drawingml/2006/main" xmlns:r="http://schemas.openxmlformats.org/officeDocument/2006/relationships" xmlns:p="http://schemas.openxmlformats.org/presentationml/2006/main">
   <p:cSld>
     <p:spTree>
@@ -7032,7 +7789,7 @@
 </p:sld>
 </file>
 
-<file path=ppt/slides/slide5.xml><?xml version="1.0" encoding="utf-8"?>
+<file path=ppt/slides/slide6.xml><?xml version="1.0" encoding="utf-8"?>
 <p:sld xmlns:a="http://schemas.openxmlformats.org/drawingml/2006/main" xmlns:r="http://schemas.openxmlformats.org/officeDocument/2006/relationships" xmlns:p="http://schemas.openxmlformats.org/presentationml/2006/main">
   <p:cSld>
     <p:spTree>
@@ -8985,7 +9742,7 @@
 </p:sld>
 </file>
 
-<file path=ppt/slides/slide6.xml><?xml version="1.0" encoding="utf-8"?>
+<file path=ppt/slides/slide7.xml><?xml version="1.0" encoding="utf-8"?>
 <p:sld xmlns:a="http://schemas.openxmlformats.org/drawingml/2006/main" xmlns:r="http://schemas.openxmlformats.org/officeDocument/2006/relationships" xmlns:p="http://schemas.openxmlformats.org/presentationml/2006/main">
   <p:cSld>
     <p:spTree>
@@ -10253,7 +11010,7 @@
 </p:sld>
 </file>
 
-<file path=ppt/slides/slide7.xml><?xml version="1.0" encoding="utf-8"?>
+<file path=ppt/slides/slide8.xml><?xml version="1.0" encoding="utf-8"?>
 <p:sld xmlns:a="http://schemas.openxmlformats.org/drawingml/2006/main" xmlns:r="http://schemas.openxmlformats.org/officeDocument/2006/relationships" xmlns:p="http://schemas.openxmlformats.org/presentationml/2006/main">
   <p:cSld>
     <p:spTree>
@@ -11765,7 +12522,7 @@
 </p:sld>
 </file>
 
-<file path=ppt/slides/slide8.xml><?xml version="1.0" encoding="utf-8"?>
+<file path=ppt/slides/slide9.xml><?xml version="1.0" encoding="utf-8"?>
 <p:sld xmlns:a="http://schemas.openxmlformats.org/drawingml/2006/main" xmlns:r="http://schemas.openxmlformats.org/officeDocument/2006/relationships" xmlns:p="http://schemas.openxmlformats.org/presentationml/2006/main">
   <p:cSld>
     <p:spTree>
@@ -12696,522 +13453,6 @@
     <p:extLst>
       <p:ext uri="{BB962C8B-B14F-4D97-AF65-F5344CB8AC3E}">
         <p14:creationId xmlns:p14="http://schemas.microsoft.com/office/powerpoint/2010/main" val="1337452540"/>
-      </p:ext>
-    </p:extLst>
-  </p:cSld>
-  <p:clrMapOvr>
-    <a:masterClrMapping/>
-  </p:clrMapOvr>
-</p:sld>
-</file>
-
-<file path=ppt/slides/slide9.xml><?xml version="1.0" encoding="utf-8"?>
-<p:sld xmlns:a="http://schemas.openxmlformats.org/drawingml/2006/main" xmlns:r="http://schemas.openxmlformats.org/officeDocument/2006/relationships" xmlns:p="http://schemas.openxmlformats.org/presentationml/2006/main">
-  <p:cSld>
-    <p:spTree>
-      <p:nvGrpSpPr>
-        <p:cNvPr id="1" name=""/>
-        <p:cNvGrpSpPr/>
-        <p:nvPr/>
-      </p:nvGrpSpPr>
-      <p:grpSpPr>
-        <a:xfrm>
-          <a:off x="0" y="0"/>
-          <a:ext cx="0" cy="0"/>
-          <a:chOff x="0" y="0"/>
-          <a:chExt cx="0" cy="0"/>
-        </a:xfrm>
-      </p:grpSpPr>
-      <p:grpSp>
-        <p:nvGrpSpPr>
-          <p:cNvPr id="2" name="Group 1"/>
-          <p:cNvGrpSpPr/>
-          <p:nvPr/>
-        </p:nvGrpSpPr>
-        <p:grpSpPr>
-          <a:xfrm>
-            <a:off x="-359246" y="0"/>
-            <a:ext cx="12156799" cy="7356968"/>
-            <a:chOff x="35201" y="0"/>
-            <a:chExt cx="12156799" cy="7356968"/>
-          </a:xfrm>
-          <a:noFill/>
-        </p:grpSpPr>
-        <p:pic>
-          <p:nvPicPr>
-            <p:cNvPr id="5" name="Picture 4"/>
-            <p:cNvPicPr>
-              <a:picLocks noChangeAspect="1"/>
-            </p:cNvPicPr>
-            <p:nvPr/>
-          </p:nvPicPr>
-          <p:blipFill rotWithShape="1">
-            <a:blip r:embed="rId2" cstate="print">
-              <a:extLst>
-                <a:ext uri="{28A0092B-C50C-407E-A947-70E740481C1C}">
-                  <a14:useLocalDpi xmlns:a14="http://schemas.microsoft.com/office/drawing/2010/main" val="0"/>
-                </a:ext>
-              </a:extLst>
-            </a:blip>
-            <a:srcRect l="1905" r="1513" b="3215"/>
-            <a:stretch/>
-          </p:blipFill>
-          <p:spPr>
-            <a:xfrm>
-              <a:off x="6202390" y="0"/>
-              <a:ext cx="5697896" cy="3541059"/>
-            </a:xfrm>
-            <a:prstGeom prst="rect">
-              <a:avLst/>
-            </a:prstGeom>
-            <a:grpFill/>
-            <a:ln w="6350">
-              <a:noFill/>
-            </a:ln>
-          </p:spPr>
-        </p:pic>
-        <p:pic>
-          <p:nvPicPr>
-            <p:cNvPr id="6" name="Picture 5"/>
-            <p:cNvPicPr>
-              <a:picLocks noChangeAspect="1"/>
-            </p:cNvPicPr>
-            <p:nvPr/>
-          </p:nvPicPr>
-          <p:blipFill rotWithShape="1">
-            <a:blip r:embed="rId3" cstate="print">
-              <a:extLst>
-                <a:ext uri="{28A0092B-C50C-407E-A947-70E740481C1C}">
-                  <a14:useLocalDpi xmlns:a14="http://schemas.microsoft.com/office/drawing/2010/main" val="0"/>
-                </a:ext>
-              </a:extLst>
-            </a:blip>
-            <a:srcRect l="2650" t="744" r="1748" b="2666"/>
-            <a:stretch/>
-          </p:blipFill>
-          <p:spPr>
-            <a:xfrm>
-              <a:off x="367553" y="44824"/>
-              <a:ext cx="5773271" cy="3487270"/>
-            </a:xfrm>
-            <a:prstGeom prst="rect">
-              <a:avLst/>
-            </a:prstGeom>
-            <a:grpFill/>
-            <a:ln w="6350">
-              <a:noFill/>
-            </a:ln>
-          </p:spPr>
-        </p:pic>
-        <p:pic>
-          <p:nvPicPr>
-            <p:cNvPr id="7" name="Picture 6"/>
-            <p:cNvPicPr>
-              <a:picLocks noChangeAspect="1"/>
-            </p:cNvPicPr>
-            <p:nvPr/>
-          </p:nvPicPr>
-          <p:blipFill rotWithShape="1">
-            <a:blip r:embed="rId4" cstate="print">
-              <a:extLst>
-                <a:ext uri="{28A0092B-C50C-407E-A947-70E740481C1C}">
-                  <a14:useLocalDpi xmlns:a14="http://schemas.microsoft.com/office/drawing/2010/main" val="0"/>
-                </a:ext>
-              </a:extLst>
-            </a:blip>
-            <a:srcRect l="2194" r="1162" b="3063"/>
-            <a:stretch/>
-          </p:blipFill>
-          <p:spPr>
-            <a:xfrm>
-              <a:off x="6279080" y="3806115"/>
-              <a:ext cx="5624992" cy="3550853"/>
-            </a:xfrm>
-            <a:prstGeom prst="rect">
-              <a:avLst/>
-            </a:prstGeom>
-            <a:grpFill/>
-            <a:ln w="6350">
-              <a:noFill/>
-            </a:ln>
-          </p:spPr>
-        </p:pic>
-        <p:pic>
-          <p:nvPicPr>
-            <p:cNvPr id="8" name="Picture 7"/>
-            <p:cNvPicPr>
-              <a:picLocks noChangeAspect="1"/>
-            </p:cNvPicPr>
-            <p:nvPr/>
-          </p:nvPicPr>
-          <p:blipFill rotWithShape="1">
-            <a:blip r:embed="rId5" cstate="print">
-              <a:extLst>
-                <a:ext uri="{28A0092B-C50C-407E-A947-70E740481C1C}">
-                  <a14:useLocalDpi xmlns:a14="http://schemas.microsoft.com/office/drawing/2010/main" val="0"/>
-                </a:ext>
-              </a:extLst>
-            </a:blip>
-            <a:srcRect l="1761" r="1682" b="2468"/>
-            <a:stretch/>
-          </p:blipFill>
-          <p:spPr>
-            <a:xfrm>
-              <a:off x="314844" y="3794108"/>
-              <a:ext cx="5813967" cy="3550853"/>
-            </a:xfrm>
-            <a:prstGeom prst="rect">
-              <a:avLst/>
-            </a:prstGeom>
-            <a:grpFill/>
-            <a:ln w="6350">
-              <a:noFill/>
-            </a:ln>
-          </p:spPr>
-        </p:pic>
-        <p:pic>
-          <p:nvPicPr>
-            <p:cNvPr id="11" name="Picture 10"/>
-            <p:cNvPicPr>
-              <a:picLocks noChangeAspect="1"/>
-            </p:cNvPicPr>
-            <p:nvPr/>
-          </p:nvPicPr>
-          <p:blipFill>
-            <a:blip r:embed="rId6"/>
-            <a:stretch>
-              <a:fillRect/>
-            </a:stretch>
-          </p:blipFill>
-          <p:spPr>
-            <a:xfrm>
-              <a:off x="6500364" y="17929"/>
-              <a:ext cx="3352800" cy="1133475"/>
-            </a:xfrm>
-            <a:prstGeom prst="rect">
-              <a:avLst/>
-            </a:prstGeom>
-            <a:grpFill/>
-          </p:spPr>
-        </p:pic>
-        <p:pic>
-          <p:nvPicPr>
-            <p:cNvPr id="12" name="Picture 11"/>
-            <p:cNvPicPr>
-              <a:picLocks noChangeAspect="1"/>
-            </p:cNvPicPr>
-            <p:nvPr/>
-          </p:nvPicPr>
-          <p:blipFill>
-            <a:blip r:embed="rId7"/>
-            <a:stretch>
-              <a:fillRect/>
-            </a:stretch>
-          </p:blipFill>
-          <p:spPr>
-            <a:xfrm>
-              <a:off x="594841" y="36979"/>
-              <a:ext cx="3267075" cy="1114425"/>
-            </a:xfrm>
-            <a:prstGeom prst="rect">
-              <a:avLst/>
-            </a:prstGeom>
-            <a:grpFill/>
-          </p:spPr>
-        </p:pic>
-        <p:pic>
-          <p:nvPicPr>
-            <p:cNvPr id="13" name="Picture 12"/>
-            <p:cNvPicPr>
-              <a:picLocks noChangeAspect="1"/>
-            </p:cNvPicPr>
-            <p:nvPr/>
-          </p:nvPicPr>
-          <p:blipFill>
-            <a:blip r:embed="rId8"/>
-            <a:stretch>
-              <a:fillRect/>
-            </a:stretch>
-          </p:blipFill>
-          <p:spPr>
-            <a:xfrm>
-              <a:off x="6536096" y="3806115"/>
-              <a:ext cx="3371850" cy="1209675"/>
-            </a:xfrm>
-            <a:prstGeom prst="rect">
-              <a:avLst/>
-            </a:prstGeom>
-            <a:grpFill/>
-          </p:spPr>
-        </p:pic>
-        <p:pic>
-          <p:nvPicPr>
-            <p:cNvPr id="14" name="Picture 13"/>
-            <p:cNvPicPr>
-              <a:picLocks noChangeAspect="1"/>
-            </p:cNvPicPr>
-            <p:nvPr/>
-          </p:nvPicPr>
-          <p:blipFill>
-            <a:blip r:embed="rId9"/>
-            <a:stretch>
-              <a:fillRect/>
-            </a:stretch>
-          </p:blipFill>
-          <p:spPr>
-            <a:xfrm>
-              <a:off x="585316" y="3794108"/>
-              <a:ext cx="3276600" cy="1095375"/>
-            </a:xfrm>
-            <a:prstGeom prst="rect">
-              <a:avLst/>
-            </a:prstGeom>
-            <a:grpFill/>
-          </p:spPr>
-        </p:pic>
-        <p:sp>
-          <p:nvSpPr>
-            <p:cNvPr id="15" name="Rectangle 14"/>
-            <p:cNvSpPr/>
-            <p:nvPr/>
-          </p:nvSpPr>
-          <p:spPr>
-            <a:xfrm rot="16200000">
-              <a:off x="11629987" y="3076653"/>
-              <a:ext cx="816249" cy="307777"/>
-            </a:xfrm>
-            <a:prstGeom prst="rect">
-              <a:avLst/>
-            </a:prstGeom>
-            <a:grpFill/>
-          </p:spPr>
-          <p:txBody>
-            <a:bodyPr wrap="none">
-              <a:spAutoFit/>
-            </a:bodyPr>
-            <a:lstStyle/>
-            <a:p>
-              <a:r>
-                <a:rPr lang="en-US" sz="1400" dirty="0" smtClean="0"/>
-                <a:t>#of  IVCs</a:t>
-              </a:r>
-              <a:endParaRPr lang="en-US" sz="1400" dirty="0"/>
-            </a:p>
-          </p:txBody>
-        </p:sp>
-        <p:cxnSp>
-          <p:nvCxnSpPr>
-            <p:cNvPr id="17" name="Straight Arrow Connector 16"/>
-            <p:cNvCxnSpPr/>
-            <p:nvPr/>
-          </p:nvCxnSpPr>
-          <p:spPr>
-            <a:xfrm flipV="1">
-              <a:off x="11884222" y="1811401"/>
-              <a:ext cx="18856" cy="2696800"/>
-            </a:xfrm>
-            <a:prstGeom prst="straightConnector1">
-              <a:avLst/>
-            </a:prstGeom>
-            <a:grpFill/>
-            <a:ln>
-              <a:solidFill>
-                <a:schemeClr val="tx1"/>
-              </a:solidFill>
-              <a:tailEnd type="triangle"/>
-            </a:ln>
-          </p:spPr>
-          <p:style>
-            <a:lnRef idx="1">
-              <a:schemeClr val="accent1"/>
-            </a:lnRef>
-            <a:fillRef idx="0">
-              <a:schemeClr val="accent1"/>
-            </a:fillRef>
-            <a:effectRef idx="0">
-              <a:schemeClr val="accent1"/>
-            </a:effectRef>
-            <a:fontRef idx="minor">
-              <a:schemeClr val="tx1"/>
-            </a:fontRef>
-          </p:style>
-        </p:cxnSp>
-        <p:cxnSp>
-          <p:nvCxnSpPr>
-            <p:cNvPr id="18" name="Straight Arrow Connector 17"/>
-            <p:cNvCxnSpPr/>
-            <p:nvPr/>
-          </p:nvCxnSpPr>
-          <p:spPr>
-            <a:xfrm flipV="1">
-              <a:off x="6481314" y="3618582"/>
-              <a:ext cx="1811546" cy="1898"/>
-            </a:xfrm>
-            <a:prstGeom prst="straightConnector1">
-              <a:avLst/>
-            </a:prstGeom>
-            <a:grpFill/>
-            <a:ln>
-              <a:solidFill>
-                <a:schemeClr val="tx1"/>
-              </a:solidFill>
-              <a:tailEnd type="triangle"/>
-            </a:ln>
-          </p:spPr>
-          <p:style>
-            <a:lnRef idx="1">
-              <a:schemeClr val="accent1"/>
-            </a:lnRef>
-            <a:fillRef idx="0">
-              <a:schemeClr val="accent1"/>
-            </a:fillRef>
-            <a:effectRef idx="0">
-              <a:schemeClr val="accent1"/>
-            </a:effectRef>
-            <a:fontRef idx="minor">
-              <a:schemeClr val="tx1"/>
-            </a:fontRef>
-          </p:style>
-        </p:cxnSp>
-        <p:sp>
-          <p:nvSpPr>
-            <p:cNvPr id="22" name="Rectangle 21"/>
-            <p:cNvSpPr/>
-            <p:nvPr/>
-          </p:nvSpPr>
-          <p:spPr>
-            <a:xfrm>
-              <a:off x="5734364" y="3451004"/>
-              <a:ext cx="729687" cy="307777"/>
-            </a:xfrm>
-            <a:prstGeom prst="rect">
-              <a:avLst/>
-            </a:prstGeom>
-            <a:grpFill/>
-          </p:spPr>
-          <p:txBody>
-            <a:bodyPr wrap="none">
-              <a:spAutoFit/>
-            </a:bodyPr>
-            <a:lstStyle/>
-            <a:p>
-              <a:r>
-                <a:rPr lang="en-US" sz="1400" dirty="0" smtClean="0"/>
-                <a:t>Models</a:t>
-              </a:r>
-              <a:endParaRPr lang="en-US" sz="1400" dirty="0"/>
-            </a:p>
-          </p:txBody>
-        </p:sp>
-        <p:cxnSp>
-          <p:nvCxnSpPr>
-            <p:cNvPr id="24" name="Straight Arrow Connector 23"/>
-            <p:cNvCxnSpPr/>
-            <p:nvPr/>
-          </p:nvCxnSpPr>
-          <p:spPr>
-            <a:xfrm flipV="1">
-              <a:off x="3861916" y="3623146"/>
-              <a:ext cx="1811546" cy="1898"/>
-            </a:xfrm>
-            <a:prstGeom prst="straightConnector1">
-              <a:avLst/>
-            </a:prstGeom>
-            <a:grpFill/>
-            <a:ln>
-              <a:solidFill>
-                <a:schemeClr val="tx1"/>
-              </a:solidFill>
-              <a:tailEnd type="triangle"/>
-            </a:ln>
-          </p:spPr>
-          <p:style>
-            <a:lnRef idx="1">
-              <a:schemeClr val="accent1"/>
-            </a:lnRef>
-            <a:fillRef idx="0">
-              <a:schemeClr val="accent1"/>
-            </a:fillRef>
-            <a:effectRef idx="0">
-              <a:schemeClr val="accent1"/>
-            </a:effectRef>
-            <a:fontRef idx="minor">
-              <a:schemeClr val="tx1"/>
-            </a:fontRef>
-          </p:style>
-        </p:cxnSp>
-        <p:sp>
-          <p:nvSpPr>
-            <p:cNvPr id="26" name="Rectangle 25"/>
-            <p:cNvSpPr/>
-            <p:nvPr/>
-          </p:nvSpPr>
-          <p:spPr>
-            <a:xfrm rot="16200000">
-              <a:off x="-405753" y="3076652"/>
-              <a:ext cx="1189685" cy="307777"/>
-            </a:xfrm>
-            <a:prstGeom prst="rect">
-              <a:avLst/>
-            </a:prstGeom>
-            <a:grpFill/>
-          </p:spPr>
-          <p:txBody>
-            <a:bodyPr wrap="none">
-              <a:spAutoFit/>
-            </a:bodyPr>
-            <a:lstStyle/>
-            <a:p>
-              <a:r>
-                <a:rPr lang="en-US" sz="1400" dirty="0" smtClean="0"/>
-                <a:t>Runtime (sec)</a:t>
-              </a:r>
-              <a:endParaRPr lang="en-US" sz="1400" dirty="0"/>
-            </a:p>
-          </p:txBody>
-        </p:sp>
-        <p:cxnSp>
-          <p:nvCxnSpPr>
-            <p:cNvPr id="27" name="Straight Arrow Connector 26"/>
-            <p:cNvCxnSpPr/>
-            <p:nvPr/>
-          </p:nvCxnSpPr>
-          <p:spPr>
-            <a:xfrm flipV="1">
-              <a:off x="314844" y="1811401"/>
-              <a:ext cx="18856" cy="2696800"/>
-            </a:xfrm>
-            <a:prstGeom prst="straightConnector1">
-              <a:avLst/>
-            </a:prstGeom>
-            <a:grpFill/>
-            <a:ln>
-              <a:solidFill>
-                <a:schemeClr val="tx1"/>
-              </a:solidFill>
-              <a:tailEnd type="triangle"/>
-            </a:ln>
-          </p:spPr>
-          <p:style>
-            <a:lnRef idx="1">
-              <a:schemeClr val="accent1"/>
-            </a:lnRef>
-            <a:fillRef idx="0">
-              <a:schemeClr val="accent1"/>
-            </a:fillRef>
-            <a:effectRef idx="0">
-              <a:schemeClr val="accent1"/>
-            </a:effectRef>
-            <a:fontRef idx="minor">
-              <a:schemeClr val="tx1"/>
-            </a:fontRef>
-          </p:style>
-        </p:cxnSp>
-      </p:grpSp>
-    </p:spTree>
-    <p:extLst>
-      <p:ext uri="{BB962C8B-B14F-4D97-AF65-F5344CB8AC3E}">
-        <p14:creationId xmlns:p14="http://schemas.microsoft.com/office/powerpoint/2010/main" val="1293658443"/>
       </p:ext>
     </p:extLst>
   </p:cSld>

--- a/Thesis/figs/figs.pptx
+++ b/Thesis/figs/figs.pptx
@@ -10,16 +10,18 @@
     <p:sldId id="260" r:id="rId4"/>
     <p:sldId id="270" r:id="rId5"/>
     <p:sldId id="261" r:id="rId6"/>
-    <p:sldId id="271" r:id="rId7"/>
-    <p:sldId id="257" r:id="rId8"/>
-    <p:sldId id="258" r:id="rId9"/>
-    <p:sldId id="259" r:id="rId10"/>
-    <p:sldId id="262" r:id="rId11"/>
-    <p:sldId id="264" r:id="rId12"/>
-    <p:sldId id="266" r:id="rId13"/>
-    <p:sldId id="273" r:id="rId14"/>
-    <p:sldId id="269" r:id="rId15"/>
-    <p:sldId id="272" r:id="rId16"/>
+    <p:sldId id="275" r:id="rId7"/>
+    <p:sldId id="271" r:id="rId8"/>
+    <p:sldId id="276" r:id="rId9"/>
+    <p:sldId id="257" r:id="rId10"/>
+    <p:sldId id="258" r:id="rId11"/>
+    <p:sldId id="259" r:id="rId12"/>
+    <p:sldId id="262" r:id="rId13"/>
+    <p:sldId id="264" r:id="rId14"/>
+    <p:sldId id="266" r:id="rId15"/>
+    <p:sldId id="273" r:id="rId16"/>
+    <p:sldId id="269" r:id="rId17"/>
+    <p:sldId id="272" r:id="rId18"/>
   </p:sldIdLst>
   <p:sldSz cx="12192000" cy="6858000"/>
   <p:notesSz cx="6858000" cy="9144000"/>
@@ -257,7 +259,7 @@
           <a:p>
             <a:fld id="{5A779009-EA30-43A9-A43B-F006CC3D9B84}" type="datetimeFigureOut">
               <a:rPr lang="en-US" smtClean="0"/>
-              <a:t>6/19/2018</a:t>
+              <a:t>7/15/2018</a:t>
             </a:fld>
             <a:endParaRPr lang="en-US"/>
           </a:p>
@@ -427,7 +429,7 @@
           <a:p>
             <a:fld id="{5A779009-EA30-43A9-A43B-F006CC3D9B84}" type="datetimeFigureOut">
               <a:rPr lang="en-US" smtClean="0"/>
-              <a:t>6/19/2018</a:t>
+              <a:t>7/15/2018</a:t>
             </a:fld>
             <a:endParaRPr lang="en-US"/>
           </a:p>
@@ -607,7 +609,7 @@
           <a:p>
             <a:fld id="{5A779009-EA30-43A9-A43B-F006CC3D9B84}" type="datetimeFigureOut">
               <a:rPr lang="en-US" smtClean="0"/>
-              <a:t>6/19/2018</a:t>
+              <a:t>7/15/2018</a:t>
             </a:fld>
             <a:endParaRPr lang="en-US"/>
           </a:p>
@@ -777,7 +779,7 @@
           <a:p>
             <a:fld id="{5A779009-EA30-43A9-A43B-F006CC3D9B84}" type="datetimeFigureOut">
               <a:rPr lang="en-US" smtClean="0"/>
-              <a:t>6/19/2018</a:t>
+              <a:t>7/15/2018</a:t>
             </a:fld>
             <a:endParaRPr lang="en-US"/>
           </a:p>
@@ -1023,7 +1025,7 @@
           <a:p>
             <a:fld id="{5A779009-EA30-43A9-A43B-F006CC3D9B84}" type="datetimeFigureOut">
               <a:rPr lang="en-US" smtClean="0"/>
-              <a:t>6/19/2018</a:t>
+              <a:t>7/15/2018</a:t>
             </a:fld>
             <a:endParaRPr lang="en-US"/>
           </a:p>
@@ -1255,7 +1257,7 @@
           <a:p>
             <a:fld id="{5A779009-EA30-43A9-A43B-F006CC3D9B84}" type="datetimeFigureOut">
               <a:rPr lang="en-US" smtClean="0"/>
-              <a:t>6/19/2018</a:t>
+              <a:t>7/15/2018</a:t>
             </a:fld>
             <a:endParaRPr lang="en-US"/>
           </a:p>
@@ -1622,7 +1624,7 @@
           <a:p>
             <a:fld id="{5A779009-EA30-43A9-A43B-F006CC3D9B84}" type="datetimeFigureOut">
               <a:rPr lang="en-US" smtClean="0"/>
-              <a:t>6/19/2018</a:t>
+              <a:t>7/15/2018</a:t>
             </a:fld>
             <a:endParaRPr lang="en-US"/>
           </a:p>
@@ -1740,7 +1742,7 @@
           <a:p>
             <a:fld id="{5A779009-EA30-43A9-A43B-F006CC3D9B84}" type="datetimeFigureOut">
               <a:rPr lang="en-US" smtClean="0"/>
-              <a:t>6/19/2018</a:t>
+              <a:t>7/15/2018</a:t>
             </a:fld>
             <a:endParaRPr lang="en-US"/>
           </a:p>
@@ -1835,7 +1837,7 @@
           <a:p>
             <a:fld id="{5A779009-EA30-43A9-A43B-F006CC3D9B84}" type="datetimeFigureOut">
               <a:rPr lang="en-US" smtClean="0"/>
-              <a:t>6/19/2018</a:t>
+              <a:t>7/15/2018</a:t>
             </a:fld>
             <a:endParaRPr lang="en-US"/>
           </a:p>
@@ -2112,7 +2114,7 @@
           <a:p>
             <a:fld id="{5A779009-EA30-43A9-A43B-F006CC3D9B84}" type="datetimeFigureOut">
               <a:rPr lang="en-US" smtClean="0"/>
-              <a:t>6/19/2018</a:t>
+              <a:t>7/15/2018</a:t>
             </a:fld>
             <a:endParaRPr lang="en-US"/>
           </a:p>
@@ -2365,7 +2367,7 @@
           <a:p>
             <a:fld id="{5A779009-EA30-43A9-A43B-F006CC3D9B84}" type="datetimeFigureOut">
               <a:rPr lang="en-US" smtClean="0"/>
-              <a:t>6/19/2018</a:t>
+              <a:t>7/15/2018</a:t>
             </a:fld>
             <a:endParaRPr lang="en-US"/>
           </a:p>
@@ -2578,7 +2580,7 @@
           <a:p>
             <a:fld id="{5A779009-EA30-43A9-A43B-F006CC3D9B84}" type="datetimeFigureOut">
               <a:rPr lang="en-US" smtClean="0"/>
-              <a:t>6/19/2018</a:t>
+              <a:t>7/15/2018</a:t>
             </a:fld>
             <a:endParaRPr lang="en-US"/>
           </a:p>
@@ -3035,6 +3037,2458 @@
 </file>
 
 <file path=ppt/slides/slide10.xml><?xml version="1.0" encoding="utf-8"?>
+<p:sld xmlns:a="http://schemas.openxmlformats.org/drawingml/2006/main" xmlns:r="http://schemas.openxmlformats.org/officeDocument/2006/relationships" xmlns:p="http://schemas.openxmlformats.org/presentationml/2006/main">
+  <p:cSld>
+    <p:spTree>
+      <p:nvGrpSpPr>
+        <p:cNvPr id="1" name=""/>
+        <p:cNvGrpSpPr/>
+        <p:nvPr/>
+      </p:nvGrpSpPr>
+      <p:grpSpPr>
+        <a:xfrm>
+          <a:off x="0" y="0"/>
+          <a:ext cx="0" cy="0"/>
+          <a:chOff x="0" y="0"/>
+          <a:chExt cx="0" cy="0"/>
+        </a:xfrm>
+      </p:grpSpPr>
+      <p:grpSp>
+        <p:nvGrpSpPr>
+          <p:cNvPr id="78" name="Group 77"/>
+          <p:cNvGrpSpPr/>
+          <p:nvPr/>
+        </p:nvGrpSpPr>
+        <p:grpSpPr>
+          <a:xfrm>
+            <a:off x="1278466" y="408488"/>
+            <a:ext cx="7284453" cy="4053445"/>
+            <a:chOff x="1278466" y="408488"/>
+            <a:chExt cx="7284453" cy="4053445"/>
+          </a:xfrm>
+        </p:grpSpPr>
+        <p:grpSp>
+          <p:nvGrpSpPr>
+            <p:cNvPr id="39" name="Group 38"/>
+            <p:cNvGrpSpPr/>
+            <p:nvPr/>
+          </p:nvGrpSpPr>
+          <p:grpSpPr>
+            <a:xfrm>
+              <a:off x="1389529" y="535964"/>
+              <a:ext cx="2823883" cy="2536054"/>
+              <a:chOff x="1389529" y="535964"/>
+              <a:chExt cx="2823883" cy="2536054"/>
+            </a:xfrm>
+          </p:grpSpPr>
+          <p:sp>
+            <p:nvSpPr>
+              <p:cNvPr id="4" name="Oval 3"/>
+              <p:cNvSpPr/>
+              <p:nvPr/>
+            </p:nvSpPr>
+            <p:spPr>
+              <a:xfrm>
+                <a:off x="1389529" y="1730567"/>
+                <a:ext cx="2823883" cy="1341451"/>
+              </a:xfrm>
+              <a:prstGeom prst="ellipse">
+                <a:avLst/>
+              </a:prstGeom>
+              <a:noFill/>
+              <a:ln>
+                <a:solidFill>
+                  <a:schemeClr val="tx1"/>
+                </a:solidFill>
+              </a:ln>
+            </p:spPr>
+            <p:style>
+              <a:lnRef idx="2">
+                <a:schemeClr val="accent1">
+                  <a:shade val="50000"/>
+                </a:schemeClr>
+              </a:lnRef>
+              <a:fillRef idx="1">
+                <a:schemeClr val="accent1"/>
+              </a:fillRef>
+              <a:effectRef idx="0">
+                <a:schemeClr val="accent1"/>
+              </a:effectRef>
+              <a:fontRef idx="minor">
+                <a:schemeClr val="lt1"/>
+              </a:fontRef>
+            </p:style>
+            <p:txBody>
+              <a:bodyPr rtlCol="0" anchor="ctr"/>
+              <a:lstStyle/>
+              <a:p>
+                <a:pPr algn="ctr"/>
+                <a:endParaRPr lang="en-US"/>
+              </a:p>
+            </p:txBody>
+          </p:sp>
+          <p:sp>
+            <p:nvSpPr>
+              <p:cNvPr id="5" name="Oval 4"/>
+              <p:cNvSpPr/>
+              <p:nvPr/>
+            </p:nvSpPr>
+            <p:spPr>
+              <a:xfrm rot="5935114">
+                <a:off x="2334520" y="1069899"/>
+                <a:ext cx="2389208" cy="1321337"/>
+              </a:xfrm>
+              <a:prstGeom prst="ellipse">
+                <a:avLst/>
+              </a:prstGeom>
+              <a:noFill/>
+              <a:ln>
+                <a:solidFill>
+                  <a:schemeClr val="tx1"/>
+                </a:solidFill>
+              </a:ln>
+            </p:spPr>
+            <p:style>
+              <a:lnRef idx="2">
+                <a:schemeClr val="accent1">
+                  <a:shade val="50000"/>
+                </a:schemeClr>
+              </a:lnRef>
+              <a:fillRef idx="1">
+                <a:schemeClr val="accent1"/>
+              </a:fillRef>
+              <a:effectRef idx="0">
+                <a:schemeClr val="accent1"/>
+              </a:effectRef>
+              <a:fontRef idx="minor">
+                <a:schemeClr val="lt1"/>
+              </a:fontRef>
+            </p:style>
+            <p:txBody>
+              <a:bodyPr rtlCol="0" anchor="ctr"/>
+              <a:lstStyle/>
+              <a:p>
+                <a:pPr algn="ctr"/>
+                <a:endParaRPr lang="en-US"/>
+              </a:p>
+            </p:txBody>
+          </p:sp>
+          <p:sp>
+            <p:nvSpPr>
+              <p:cNvPr id="11" name="TextBox 10"/>
+              <p:cNvSpPr txBox="1"/>
+              <p:nvPr/>
+            </p:nvSpPr>
+            <p:spPr>
+              <a:xfrm>
+                <a:off x="3362380" y="765355"/>
+                <a:ext cx="386378" cy="369332"/>
+              </a:xfrm>
+              <a:prstGeom prst="rect">
+                <a:avLst/>
+              </a:prstGeom>
+              <a:noFill/>
+            </p:spPr>
+            <p:txBody>
+              <a:bodyPr wrap="square" rtlCol="0">
+                <a:spAutoFit/>
+              </a:bodyPr>
+              <a:lstStyle/>
+              <a:p>
+                <a:r>
+                  <a:rPr lang="en-US" b="1" dirty="0" smtClean="0">
+                    <a:solidFill>
+                      <a:schemeClr val="accent1">
+                        <a:lumMod val="50000"/>
+                      </a:schemeClr>
+                    </a:solidFill>
+                  </a:rPr>
+                  <a:t>C</a:t>
+                </a:r>
+                <a:endParaRPr lang="en-US" b="1" dirty="0">
+                  <a:solidFill>
+                    <a:schemeClr val="accent1">
+                      <a:lumMod val="50000"/>
+                    </a:schemeClr>
+                  </a:solidFill>
+                </a:endParaRPr>
+              </a:p>
+            </p:txBody>
+          </p:sp>
+          <p:sp>
+            <p:nvSpPr>
+              <p:cNvPr id="12" name="TextBox 11"/>
+              <p:cNvSpPr txBox="1"/>
+              <p:nvPr/>
+            </p:nvSpPr>
+            <p:spPr>
+              <a:xfrm>
+                <a:off x="3647140" y="1097432"/>
+                <a:ext cx="386378" cy="369332"/>
+              </a:xfrm>
+              <a:prstGeom prst="rect">
+                <a:avLst/>
+              </a:prstGeom>
+              <a:noFill/>
+            </p:spPr>
+            <p:txBody>
+              <a:bodyPr wrap="square" rtlCol="0">
+                <a:spAutoFit/>
+              </a:bodyPr>
+              <a:lstStyle/>
+              <a:p>
+                <a:r>
+                  <a:rPr lang="en-US" b="1" dirty="0" smtClean="0">
+                    <a:solidFill>
+                      <a:schemeClr val="accent1">
+                        <a:lumMod val="50000"/>
+                      </a:schemeClr>
+                    </a:solidFill>
+                  </a:rPr>
+                  <a:t>D</a:t>
+                </a:r>
+                <a:endParaRPr lang="en-US" b="1" dirty="0">
+                  <a:solidFill>
+                    <a:schemeClr val="accent1">
+                      <a:lumMod val="50000"/>
+                    </a:schemeClr>
+                  </a:solidFill>
+                </a:endParaRPr>
+              </a:p>
+            </p:txBody>
+          </p:sp>
+          <p:sp>
+            <p:nvSpPr>
+              <p:cNvPr id="16" name="TextBox 15"/>
+              <p:cNvSpPr txBox="1"/>
+              <p:nvPr/>
+            </p:nvSpPr>
+            <p:spPr>
+              <a:xfrm>
+                <a:off x="1859593" y="2254202"/>
+                <a:ext cx="386378" cy="369332"/>
+              </a:xfrm>
+              <a:prstGeom prst="rect">
+                <a:avLst/>
+              </a:prstGeom>
+              <a:noFill/>
+            </p:spPr>
+            <p:txBody>
+              <a:bodyPr wrap="square" rtlCol="0">
+                <a:spAutoFit/>
+              </a:bodyPr>
+              <a:lstStyle/>
+              <a:p>
+                <a:r>
+                  <a:rPr lang="en-US" b="1" dirty="0" smtClean="0">
+                    <a:solidFill>
+                      <a:schemeClr val="accent1">
+                        <a:lumMod val="50000"/>
+                      </a:schemeClr>
+                    </a:solidFill>
+                  </a:rPr>
+                  <a:t>F</a:t>
+                </a:r>
+                <a:endParaRPr lang="en-US" b="1" dirty="0">
+                  <a:solidFill>
+                    <a:schemeClr val="accent1">
+                      <a:lumMod val="50000"/>
+                    </a:schemeClr>
+                  </a:solidFill>
+                </a:endParaRPr>
+              </a:p>
+            </p:txBody>
+          </p:sp>
+          <p:sp>
+            <p:nvSpPr>
+              <p:cNvPr id="17" name="TextBox 16"/>
+              <p:cNvSpPr txBox="1"/>
+              <p:nvPr/>
+            </p:nvSpPr>
+            <p:spPr>
+              <a:xfrm>
+                <a:off x="3061156" y="2130023"/>
+                <a:ext cx="398313" cy="369332"/>
+              </a:xfrm>
+              <a:prstGeom prst="rect">
+                <a:avLst/>
+              </a:prstGeom>
+              <a:noFill/>
+            </p:spPr>
+            <p:txBody>
+              <a:bodyPr wrap="square" rtlCol="0">
+                <a:spAutoFit/>
+              </a:bodyPr>
+              <a:lstStyle/>
+              <a:p>
+                <a:r>
+                  <a:rPr lang="en-US" dirty="0" smtClean="0">
+                    <a:solidFill>
+                      <a:srgbClr val="C00000"/>
+                    </a:solidFill>
+                  </a:rPr>
+                  <a:t>A</a:t>
+                </a:r>
+                <a:endParaRPr lang="en-US" dirty="0">
+                  <a:solidFill>
+                    <a:srgbClr val="C00000"/>
+                  </a:solidFill>
+                </a:endParaRPr>
+              </a:p>
+            </p:txBody>
+          </p:sp>
+          <p:sp>
+            <p:nvSpPr>
+              <p:cNvPr id="18" name="TextBox 17"/>
+              <p:cNvSpPr txBox="1"/>
+              <p:nvPr/>
+            </p:nvSpPr>
+            <p:spPr>
+              <a:xfrm>
+                <a:off x="3369827" y="2339131"/>
+                <a:ext cx="398313" cy="369332"/>
+              </a:xfrm>
+              <a:prstGeom prst="rect">
+                <a:avLst/>
+              </a:prstGeom>
+              <a:noFill/>
+            </p:spPr>
+            <p:txBody>
+              <a:bodyPr wrap="square" rtlCol="0">
+                <a:spAutoFit/>
+              </a:bodyPr>
+              <a:lstStyle/>
+              <a:p>
+                <a:r>
+                  <a:rPr lang="en-US" dirty="0" smtClean="0">
+                    <a:solidFill>
+                      <a:srgbClr val="C00000"/>
+                    </a:solidFill>
+                  </a:rPr>
+                  <a:t>B</a:t>
+                </a:r>
+                <a:endParaRPr lang="en-US" dirty="0">
+                  <a:solidFill>
+                    <a:srgbClr val="C00000"/>
+                  </a:solidFill>
+                </a:endParaRPr>
+              </a:p>
+            </p:txBody>
+          </p:sp>
+          <p:sp>
+            <p:nvSpPr>
+              <p:cNvPr id="20" name="TextBox 19"/>
+              <p:cNvSpPr txBox="1"/>
+              <p:nvPr/>
+            </p:nvSpPr>
+            <p:spPr>
+              <a:xfrm>
+                <a:off x="2229109" y="2578093"/>
+                <a:ext cx="386378" cy="369332"/>
+              </a:xfrm>
+              <a:prstGeom prst="rect">
+                <a:avLst/>
+              </a:prstGeom>
+              <a:noFill/>
+            </p:spPr>
+            <p:txBody>
+              <a:bodyPr wrap="square" rtlCol="0">
+                <a:spAutoFit/>
+              </a:bodyPr>
+              <a:lstStyle/>
+              <a:p>
+                <a:r>
+                  <a:rPr lang="en-US" b="1" dirty="0" smtClean="0">
+                    <a:solidFill>
+                      <a:schemeClr val="accent1">
+                        <a:lumMod val="50000"/>
+                      </a:schemeClr>
+                    </a:solidFill>
+                  </a:rPr>
+                  <a:t>E</a:t>
+                </a:r>
+                <a:endParaRPr lang="en-US" b="1" dirty="0">
+                  <a:solidFill>
+                    <a:schemeClr val="accent1">
+                      <a:lumMod val="50000"/>
+                    </a:schemeClr>
+                  </a:solidFill>
+                </a:endParaRPr>
+              </a:p>
+            </p:txBody>
+          </p:sp>
+          <p:sp>
+            <p:nvSpPr>
+              <p:cNvPr id="21" name="TextBox 20"/>
+              <p:cNvSpPr txBox="1"/>
+              <p:nvPr/>
+            </p:nvSpPr>
+            <p:spPr>
+              <a:xfrm>
+                <a:off x="2266987" y="2208761"/>
+                <a:ext cx="386378" cy="369332"/>
+              </a:xfrm>
+              <a:prstGeom prst="rect">
+                <a:avLst/>
+              </a:prstGeom>
+              <a:noFill/>
+            </p:spPr>
+            <p:txBody>
+              <a:bodyPr wrap="square" rtlCol="0">
+                <a:spAutoFit/>
+              </a:bodyPr>
+              <a:lstStyle/>
+              <a:p>
+                <a:r>
+                  <a:rPr lang="en-US" b="1" dirty="0" smtClean="0">
+                    <a:solidFill>
+                      <a:schemeClr val="accent1">
+                        <a:lumMod val="50000"/>
+                      </a:schemeClr>
+                    </a:solidFill>
+                  </a:rPr>
+                  <a:t>G</a:t>
+                </a:r>
+                <a:endParaRPr lang="en-US" b="1" dirty="0">
+                  <a:solidFill>
+                    <a:schemeClr val="accent1">
+                      <a:lumMod val="50000"/>
+                    </a:schemeClr>
+                  </a:solidFill>
+                </a:endParaRPr>
+              </a:p>
+            </p:txBody>
+          </p:sp>
+        </p:grpSp>
+        <p:grpSp>
+          <p:nvGrpSpPr>
+            <p:cNvPr id="36" name="Group 35"/>
+            <p:cNvGrpSpPr/>
+            <p:nvPr/>
+          </p:nvGrpSpPr>
+          <p:grpSpPr>
+            <a:xfrm>
+              <a:off x="4439277" y="477099"/>
+              <a:ext cx="2289824" cy="2536054"/>
+              <a:chOff x="1389529" y="535964"/>
+              <a:chExt cx="2823883" cy="2536054"/>
+            </a:xfrm>
+          </p:grpSpPr>
+          <p:sp>
+            <p:nvSpPr>
+              <p:cNvPr id="40" name="Oval 39"/>
+              <p:cNvSpPr/>
+              <p:nvPr/>
+            </p:nvSpPr>
+            <p:spPr>
+              <a:xfrm>
+                <a:off x="1389529" y="1730567"/>
+                <a:ext cx="2823883" cy="1341451"/>
+              </a:xfrm>
+              <a:prstGeom prst="ellipse">
+                <a:avLst/>
+              </a:prstGeom>
+              <a:noFill/>
+              <a:ln>
+                <a:solidFill>
+                  <a:schemeClr val="tx1"/>
+                </a:solidFill>
+              </a:ln>
+            </p:spPr>
+            <p:style>
+              <a:lnRef idx="2">
+                <a:schemeClr val="accent1">
+                  <a:shade val="50000"/>
+                </a:schemeClr>
+              </a:lnRef>
+              <a:fillRef idx="1">
+                <a:schemeClr val="accent1"/>
+              </a:fillRef>
+              <a:effectRef idx="0">
+                <a:schemeClr val="accent1"/>
+              </a:effectRef>
+              <a:fontRef idx="minor">
+                <a:schemeClr val="lt1"/>
+              </a:fontRef>
+            </p:style>
+            <p:txBody>
+              <a:bodyPr rtlCol="0" anchor="ctr"/>
+              <a:lstStyle/>
+              <a:p>
+                <a:pPr algn="ctr"/>
+                <a:endParaRPr lang="en-US"/>
+              </a:p>
+            </p:txBody>
+          </p:sp>
+          <p:sp>
+            <p:nvSpPr>
+              <p:cNvPr id="41" name="Oval 40"/>
+              <p:cNvSpPr/>
+              <p:nvPr/>
+            </p:nvSpPr>
+            <p:spPr>
+              <a:xfrm rot="5935114">
+                <a:off x="2334520" y="1069899"/>
+                <a:ext cx="2389208" cy="1321337"/>
+              </a:xfrm>
+              <a:prstGeom prst="ellipse">
+                <a:avLst/>
+              </a:prstGeom>
+              <a:noFill/>
+              <a:ln>
+                <a:solidFill>
+                  <a:schemeClr val="tx1"/>
+                </a:solidFill>
+              </a:ln>
+            </p:spPr>
+            <p:style>
+              <a:lnRef idx="2">
+                <a:schemeClr val="accent1">
+                  <a:shade val="50000"/>
+                </a:schemeClr>
+              </a:lnRef>
+              <a:fillRef idx="1">
+                <a:schemeClr val="accent1"/>
+              </a:fillRef>
+              <a:effectRef idx="0">
+                <a:schemeClr val="accent1"/>
+              </a:effectRef>
+              <a:fontRef idx="minor">
+                <a:schemeClr val="lt1"/>
+              </a:fontRef>
+            </p:style>
+            <p:txBody>
+              <a:bodyPr rtlCol="0" anchor="ctr"/>
+              <a:lstStyle/>
+              <a:p>
+                <a:pPr algn="ctr"/>
+                <a:endParaRPr lang="en-US"/>
+              </a:p>
+            </p:txBody>
+          </p:sp>
+          <p:sp>
+            <p:nvSpPr>
+              <p:cNvPr id="42" name="TextBox 41"/>
+              <p:cNvSpPr txBox="1"/>
+              <p:nvPr/>
+            </p:nvSpPr>
+            <p:spPr>
+              <a:xfrm>
+                <a:off x="3362380" y="765355"/>
+                <a:ext cx="386378" cy="369332"/>
+              </a:xfrm>
+              <a:prstGeom prst="rect">
+                <a:avLst/>
+              </a:prstGeom>
+              <a:noFill/>
+            </p:spPr>
+            <p:txBody>
+              <a:bodyPr wrap="square" rtlCol="0">
+                <a:spAutoFit/>
+              </a:bodyPr>
+              <a:lstStyle/>
+              <a:p>
+                <a:r>
+                  <a:rPr lang="en-US" b="1" dirty="0" smtClean="0">
+                    <a:solidFill>
+                      <a:schemeClr val="accent1">
+                        <a:lumMod val="50000"/>
+                      </a:schemeClr>
+                    </a:solidFill>
+                  </a:rPr>
+                  <a:t>C</a:t>
+                </a:r>
+                <a:endParaRPr lang="en-US" b="1" dirty="0">
+                  <a:solidFill>
+                    <a:schemeClr val="accent1">
+                      <a:lumMod val="50000"/>
+                    </a:schemeClr>
+                  </a:solidFill>
+                </a:endParaRPr>
+              </a:p>
+            </p:txBody>
+          </p:sp>
+          <p:sp>
+            <p:nvSpPr>
+              <p:cNvPr id="43" name="TextBox 42"/>
+              <p:cNvSpPr txBox="1"/>
+              <p:nvPr/>
+            </p:nvSpPr>
+            <p:spPr>
+              <a:xfrm>
+                <a:off x="3647140" y="1097432"/>
+                <a:ext cx="386378" cy="369332"/>
+              </a:xfrm>
+              <a:prstGeom prst="rect">
+                <a:avLst/>
+              </a:prstGeom>
+              <a:noFill/>
+            </p:spPr>
+            <p:txBody>
+              <a:bodyPr wrap="square" rtlCol="0">
+                <a:spAutoFit/>
+              </a:bodyPr>
+              <a:lstStyle/>
+              <a:p>
+                <a:r>
+                  <a:rPr lang="en-US" b="1" dirty="0" smtClean="0">
+                    <a:solidFill>
+                      <a:schemeClr val="accent1">
+                        <a:lumMod val="50000"/>
+                      </a:schemeClr>
+                    </a:solidFill>
+                  </a:rPr>
+                  <a:t>D</a:t>
+                </a:r>
+                <a:endParaRPr lang="en-US" b="1" dirty="0">
+                  <a:solidFill>
+                    <a:schemeClr val="accent1">
+                      <a:lumMod val="50000"/>
+                    </a:schemeClr>
+                  </a:solidFill>
+                </a:endParaRPr>
+              </a:p>
+            </p:txBody>
+          </p:sp>
+          <p:sp>
+            <p:nvSpPr>
+              <p:cNvPr id="44" name="TextBox 43"/>
+              <p:cNvSpPr txBox="1"/>
+              <p:nvPr/>
+            </p:nvSpPr>
+            <p:spPr>
+              <a:xfrm>
+                <a:off x="1859593" y="2254202"/>
+                <a:ext cx="386378" cy="369332"/>
+              </a:xfrm>
+              <a:prstGeom prst="rect">
+                <a:avLst/>
+              </a:prstGeom>
+              <a:noFill/>
+            </p:spPr>
+            <p:txBody>
+              <a:bodyPr wrap="square" rtlCol="0">
+                <a:spAutoFit/>
+              </a:bodyPr>
+              <a:lstStyle/>
+              <a:p>
+                <a:r>
+                  <a:rPr lang="en-US" b="1" dirty="0" smtClean="0">
+                    <a:solidFill>
+                      <a:schemeClr val="accent1">
+                        <a:lumMod val="50000"/>
+                      </a:schemeClr>
+                    </a:solidFill>
+                  </a:rPr>
+                  <a:t>F</a:t>
+                </a:r>
+                <a:endParaRPr lang="en-US" b="1" dirty="0">
+                  <a:solidFill>
+                    <a:schemeClr val="accent1">
+                      <a:lumMod val="50000"/>
+                    </a:schemeClr>
+                  </a:solidFill>
+                </a:endParaRPr>
+              </a:p>
+            </p:txBody>
+          </p:sp>
+          <p:sp>
+            <p:nvSpPr>
+              <p:cNvPr id="45" name="TextBox 44"/>
+              <p:cNvSpPr txBox="1"/>
+              <p:nvPr/>
+            </p:nvSpPr>
+            <p:spPr>
+              <a:xfrm>
+                <a:off x="2999043" y="1891563"/>
+                <a:ext cx="398313" cy="369332"/>
+              </a:xfrm>
+              <a:prstGeom prst="rect">
+                <a:avLst/>
+              </a:prstGeom>
+              <a:noFill/>
+            </p:spPr>
+            <p:txBody>
+              <a:bodyPr wrap="square" rtlCol="0">
+                <a:spAutoFit/>
+              </a:bodyPr>
+              <a:lstStyle/>
+              <a:p>
+                <a:r>
+                  <a:rPr lang="en-US" dirty="0" smtClean="0">
+                    <a:solidFill>
+                      <a:srgbClr val="C00000"/>
+                    </a:solidFill>
+                  </a:rPr>
+                  <a:t>A</a:t>
+                </a:r>
+                <a:endParaRPr lang="en-US" dirty="0">
+                  <a:solidFill>
+                    <a:srgbClr val="C00000"/>
+                  </a:solidFill>
+                </a:endParaRPr>
+              </a:p>
+            </p:txBody>
+          </p:sp>
+          <p:sp>
+            <p:nvSpPr>
+              <p:cNvPr id="46" name="TextBox 45"/>
+              <p:cNvSpPr txBox="1"/>
+              <p:nvPr/>
+            </p:nvSpPr>
+            <p:spPr>
+              <a:xfrm>
+                <a:off x="3369827" y="2339131"/>
+                <a:ext cx="398313" cy="369332"/>
+              </a:xfrm>
+              <a:prstGeom prst="rect">
+                <a:avLst/>
+              </a:prstGeom>
+              <a:noFill/>
+            </p:spPr>
+            <p:txBody>
+              <a:bodyPr wrap="square" rtlCol="0">
+                <a:spAutoFit/>
+              </a:bodyPr>
+              <a:lstStyle/>
+              <a:p>
+                <a:r>
+                  <a:rPr lang="en-US" dirty="0" smtClean="0">
+                    <a:solidFill>
+                      <a:srgbClr val="C00000"/>
+                    </a:solidFill>
+                  </a:rPr>
+                  <a:t>B</a:t>
+                </a:r>
+                <a:endParaRPr lang="en-US" dirty="0">
+                  <a:solidFill>
+                    <a:srgbClr val="C00000"/>
+                  </a:solidFill>
+                </a:endParaRPr>
+              </a:p>
+            </p:txBody>
+          </p:sp>
+          <p:sp>
+            <p:nvSpPr>
+              <p:cNvPr id="47" name="TextBox 46"/>
+              <p:cNvSpPr txBox="1"/>
+              <p:nvPr/>
+            </p:nvSpPr>
+            <p:spPr>
+              <a:xfrm>
+                <a:off x="2229109" y="2578093"/>
+                <a:ext cx="386378" cy="369332"/>
+              </a:xfrm>
+              <a:prstGeom prst="rect">
+                <a:avLst/>
+              </a:prstGeom>
+              <a:noFill/>
+            </p:spPr>
+            <p:txBody>
+              <a:bodyPr wrap="square" rtlCol="0">
+                <a:spAutoFit/>
+              </a:bodyPr>
+              <a:lstStyle/>
+              <a:p>
+                <a:r>
+                  <a:rPr lang="en-US" b="1" dirty="0" smtClean="0">
+                    <a:solidFill>
+                      <a:schemeClr val="accent1">
+                        <a:lumMod val="50000"/>
+                      </a:schemeClr>
+                    </a:solidFill>
+                  </a:rPr>
+                  <a:t>E</a:t>
+                </a:r>
+                <a:endParaRPr lang="en-US" b="1" dirty="0">
+                  <a:solidFill>
+                    <a:schemeClr val="accent1">
+                      <a:lumMod val="50000"/>
+                    </a:schemeClr>
+                  </a:solidFill>
+                </a:endParaRPr>
+              </a:p>
+            </p:txBody>
+          </p:sp>
+          <p:sp>
+            <p:nvSpPr>
+              <p:cNvPr id="48" name="TextBox 47"/>
+              <p:cNvSpPr txBox="1"/>
+              <p:nvPr/>
+            </p:nvSpPr>
+            <p:spPr>
+              <a:xfrm>
+                <a:off x="2266987" y="2208761"/>
+                <a:ext cx="386378" cy="369332"/>
+              </a:xfrm>
+              <a:prstGeom prst="rect">
+                <a:avLst/>
+              </a:prstGeom>
+              <a:noFill/>
+            </p:spPr>
+            <p:txBody>
+              <a:bodyPr wrap="square" rtlCol="0">
+                <a:spAutoFit/>
+              </a:bodyPr>
+              <a:lstStyle/>
+              <a:p>
+                <a:r>
+                  <a:rPr lang="en-US" b="1" dirty="0" smtClean="0">
+                    <a:solidFill>
+                      <a:schemeClr val="accent1">
+                        <a:lumMod val="50000"/>
+                      </a:schemeClr>
+                    </a:solidFill>
+                  </a:rPr>
+                  <a:t>G</a:t>
+                </a:r>
+                <a:endParaRPr lang="en-US" b="1" dirty="0">
+                  <a:solidFill>
+                    <a:schemeClr val="accent1">
+                      <a:lumMod val="50000"/>
+                    </a:schemeClr>
+                  </a:solidFill>
+                </a:endParaRPr>
+              </a:p>
+            </p:txBody>
+          </p:sp>
+        </p:grpSp>
+        <p:sp>
+          <p:nvSpPr>
+            <p:cNvPr id="49" name="Oval 48"/>
+            <p:cNvSpPr/>
+            <p:nvPr/>
+          </p:nvSpPr>
+          <p:spPr>
+            <a:xfrm rot="10964125">
+              <a:off x="6002959" y="2048842"/>
+              <a:ext cx="1911179" cy="948107"/>
+            </a:xfrm>
+            <a:prstGeom prst="ellipse">
+              <a:avLst/>
+            </a:prstGeom>
+            <a:noFill/>
+            <a:ln>
+              <a:solidFill>
+                <a:schemeClr val="tx1"/>
+              </a:solidFill>
+            </a:ln>
+          </p:spPr>
+          <p:style>
+            <a:lnRef idx="2">
+              <a:schemeClr val="accent1">
+                <a:shade val="50000"/>
+              </a:schemeClr>
+            </a:lnRef>
+            <a:fillRef idx="1">
+              <a:schemeClr val="accent1"/>
+            </a:fillRef>
+            <a:effectRef idx="0">
+              <a:schemeClr val="accent1"/>
+            </a:effectRef>
+            <a:fontRef idx="minor">
+              <a:schemeClr val="lt1"/>
+            </a:fontRef>
+          </p:style>
+          <p:txBody>
+            <a:bodyPr rtlCol="0" anchor="ctr"/>
+            <a:lstStyle/>
+            <a:p>
+              <a:pPr algn="ctr"/>
+              <a:endParaRPr lang="en-US"/>
+            </a:p>
+          </p:txBody>
+        </p:sp>
+        <p:sp>
+          <p:nvSpPr>
+            <p:cNvPr id="50" name="TextBox 49"/>
+            <p:cNvSpPr txBox="1"/>
+            <p:nvPr/>
+          </p:nvSpPr>
+          <p:spPr>
+            <a:xfrm>
+              <a:off x="7000356" y="2280266"/>
+              <a:ext cx="313305" cy="369332"/>
+            </a:xfrm>
+            <a:prstGeom prst="rect">
+              <a:avLst/>
+            </a:prstGeom>
+            <a:noFill/>
+          </p:spPr>
+          <p:txBody>
+            <a:bodyPr wrap="square" rtlCol="0">
+              <a:spAutoFit/>
+            </a:bodyPr>
+            <a:lstStyle/>
+            <a:p>
+              <a:r>
+                <a:rPr lang="en-US" b="1" dirty="0" smtClean="0">
+                  <a:solidFill>
+                    <a:schemeClr val="accent1">
+                      <a:lumMod val="50000"/>
+                    </a:schemeClr>
+                  </a:solidFill>
+                </a:rPr>
+                <a:t>H</a:t>
+              </a:r>
+              <a:endParaRPr lang="en-US" b="1" dirty="0">
+                <a:solidFill>
+                  <a:schemeClr val="accent1">
+                    <a:lumMod val="50000"/>
+                  </a:schemeClr>
+                </a:solidFill>
+              </a:endParaRPr>
+            </a:p>
+          </p:txBody>
+        </p:sp>
+        <p:sp>
+          <p:nvSpPr>
+            <p:cNvPr id="51" name="Oval 50"/>
+            <p:cNvSpPr/>
+            <p:nvPr/>
+          </p:nvSpPr>
+          <p:spPr>
+            <a:xfrm rot="10964125">
+              <a:off x="6848239" y="1113139"/>
+              <a:ext cx="1584196" cy="848367"/>
+            </a:xfrm>
+            <a:prstGeom prst="ellipse">
+              <a:avLst/>
+            </a:prstGeom>
+            <a:noFill/>
+            <a:ln>
+              <a:solidFill>
+                <a:schemeClr val="tx1"/>
+              </a:solidFill>
+            </a:ln>
+          </p:spPr>
+          <p:style>
+            <a:lnRef idx="2">
+              <a:schemeClr val="accent1">
+                <a:shade val="50000"/>
+              </a:schemeClr>
+            </a:lnRef>
+            <a:fillRef idx="1">
+              <a:schemeClr val="accent1"/>
+            </a:fillRef>
+            <a:effectRef idx="0">
+              <a:schemeClr val="accent1"/>
+            </a:effectRef>
+            <a:fontRef idx="minor">
+              <a:schemeClr val="lt1"/>
+            </a:fontRef>
+          </p:style>
+          <p:txBody>
+            <a:bodyPr rtlCol="0" anchor="ctr"/>
+            <a:lstStyle/>
+            <a:p>
+              <a:pPr algn="ctr"/>
+              <a:endParaRPr lang="en-US"/>
+            </a:p>
+          </p:txBody>
+        </p:sp>
+        <p:sp>
+          <p:nvSpPr>
+            <p:cNvPr id="52" name="TextBox 51"/>
+            <p:cNvSpPr txBox="1"/>
+            <p:nvPr/>
+          </p:nvSpPr>
+          <p:spPr>
+            <a:xfrm>
+              <a:off x="7236718" y="1330714"/>
+              <a:ext cx="313305" cy="369332"/>
+            </a:xfrm>
+            <a:prstGeom prst="rect">
+              <a:avLst/>
+            </a:prstGeom>
+            <a:noFill/>
+          </p:spPr>
+          <p:txBody>
+            <a:bodyPr wrap="square" rtlCol="0">
+              <a:spAutoFit/>
+            </a:bodyPr>
+            <a:lstStyle/>
+            <a:p>
+              <a:r>
+                <a:rPr lang="en-US" b="1" dirty="0" smtClean="0">
+                  <a:solidFill>
+                    <a:schemeClr val="accent1">
+                      <a:lumMod val="50000"/>
+                    </a:schemeClr>
+                  </a:solidFill>
+                </a:rPr>
+                <a:t>I</a:t>
+              </a:r>
+              <a:endParaRPr lang="en-US" b="1" dirty="0">
+                <a:solidFill>
+                  <a:schemeClr val="accent1">
+                    <a:lumMod val="50000"/>
+                  </a:schemeClr>
+                </a:solidFill>
+              </a:endParaRPr>
+            </a:p>
+          </p:txBody>
+        </p:sp>
+        <p:sp>
+          <p:nvSpPr>
+            <p:cNvPr id="53" name="TextBox 52"/>
+            <p:cNvSpPr txBox="1"/>
+            <p:nvPr/>
+          </p:nvSpPr>
+          <p:spPr>
+            <a:xfrm>
+              <a:off x="7739404" y="1330714"/>
+              <a:ext cx="313305" cy="369332"/>
+            </a:xfrm>
+            <a:prstGeom prst="rect">
+              <a:avLst/>
+            </a:prstGeom>
+            <a:noFill/>
+          </p:spPr>
+          <p:txBody>
+            <a:bodyPr wrap="square" rtlCol="0">
+              <a:spAutoFit/>
+            </a:bodyPr>
+            <a:lstStyle/>
+            <a:p>
+              <a:r>
+                <a:rPr lang="en-US" b="1" dirty="0" smtClean="0">
+                  <a:solidFill>
+                    <a:schemeClr val="accent1">
+                      <a:lumMod val="50000"/>
+                    </a:schemeClr>
+                  </a:solidFill>
+                </a:rPr>
+                <a:t>J</a:t>
+              </a:r>
+              <a:endParaRPr lang="en-US" b="1" dirty="0">
+                <a:solidFill>
+                  <a:schemeClr val="accent1">
+                    <a:lumMod val="50000"/>
+                  </a:schemeClr>
+                </a:solidFill>
+              </a:endParaRPr>
+            </a:p>
+          </p:txBody>
+        </p:sp>
+        <p:sp>
+          <p:nvSpPr>
+            <p:cNvPr id="54" name="TextBox 53"/>
+            <p:cNvSpPr txBox="1"/>
+            <p:nvPr/>
+          </p:nvSpPr>
+          <p:spPr>
+            <a:xfrm>
+              <a:off x="2112560" y="3437051"/>
+              <a:ext cx="1655580" cy="369332"/>
+            </a:xfrm>
+            <a:prstGeom prst="rect">
+              <a:avLst/>
+            </a:prstGeom>
+            <a:noFill/>
+          </p:spPr>
+          <p:txBody>
+            <a:bodyPr wrap="square" rtlCol="0">
+              <a:spAutoFit/>
+            </a:bodyPr>
+            <a:lstStyle/>
+            <a:p>
+              <a:r>
+                <a:rPr lang="en-US" b="1" dirty="0" smtClean="0"/>
+                <a:t>R = /\ r </a:t>
+              </a:r>
+              <a:r>
+                <a:rPr lang="en-US" b="1" dirty="0" smtClean="0">
+                  <a:latin typeface="Meiryo" panose="020B0604030504040204" pitchFamily="34" charset="-128"/>
+                  <a:ea typeface="Meiryo" panose="020B0604030504040204" pitchFamily="34" charset="-128"/>
+                </a:rPr>
+                <a:t>∈ ∆</a:t>
+              </a:r>
+              <a:endParaRPr lang="en-US" b="1" dirty="0"/>
+            </a:p>
+          </p:txBody>
+        </p:sp>
+        <p:sp>
+          <p:nvSpPr>
+            <p:cNvPr id="2" name="Rectangle 1"/>
+            <p:cNvSpPr/>
+            <p:nvPr/>
+          </p:nvSpPr>
+          <p:spPr>
+            <a:xfrm>
+              <a:off x="2580095" y="4029070"/>
+              <a:ext cx="442750" cy="369332"/>
+            </a:xfrm>
+            <a:prstGeom prst="rect">
+              <a:avLst/>
+            </a:prstGeom>
+          </p:spPr>
+          <p:txBody>
+            <a:bodyPr wrap="none">
+              <a:spAutoFit/>
+            </a:bodyPr>
+            <a:lstStyle/>
+            <a:p>
+              <a:r>
+                <a:rPr lang="en-US" b="1" dirty="0" smtClean="0"/>
+                <a:t>(a)</a:t>
+              </a:r>
+              <a:endParaRPr lang="en-US" dirty="0"/>
+            </a:p>
+          </p:txBody>
+        </p:sp>
+        <p:sp>
+          <p:nvSpPr>
+            <p:cNvPr id="55" name="Rectangle 54"/>
+            <p:cNvSpPr/>
+            <p:nvPr/>
+          </p:nvSpPr>
+          <p:spPr>
+            <a:xfrm>
+              <a:off x="6039018" y="3951203"/>
+              <a:ext cx="452368" cy="369332"/>
+            </a:xfrm>
+            <a:prstGeom prst="rect">
+              <a:avLst/>
+            </a:prstGeom>
+          </p:spPr>
+          <p:txBody>
+            <a:bodyPr wrap="none">
+              <a:spAutoFit/>
+            </a:bodyPr>
+            <a:lstStyle/>
+            <a:p>
+              <a:r>
+                <a:rPr lang="en-US" b="1" dirty="0" smtClean="0"/>
+                <a:t>(b)</a:t>
+              </a:r>
+              <a:endParaRPr lang="en-US" dirty="0"/>
+            </a:p>
+          </p:txBody>
+        </p:sp>
+        <p:cxnSp>
+          <p:nvCxnSpPr>
+            <p:cNvPr id="7" name="Straight Arrow Connector 6"/>
+            <p:cNvCxnSpPr>
+              <a:endCxn id="49" idx="0"/>
+            </p:cNvCxnSpPr>
+            <p:nvPr/>
+          </p:nvCxnSpPr>
+          <p:spPr>
+            <a:xfrm flipH="1" flipV="1">
+              <a:off x="6935924" y="2996409"/>
+              <a:ext cx="718146" cy="612624"/>
+            </a:xfrm>
+            <a:prstGeom prst="straightConnector1">
+              <a:avLst/>
+            </a:prstGeom>
+            <a:ln>
+              <a:solidFill>
+                <a:schemeClr val="tx1"/>
+              </a:solidFill>
+              <a:tailEnd type="triangle"/>
+            </a:ln>
+          </p:spPr>
+          <p:style>
+            <a:lnRef idx="1">
+              <a:schemeClr val="accent1"/>
+            </a:lnRef>
+            <a:fillRef idx="0">
+              <a:schemeClr val="accent1"/>
+            </a:fillRef>
+            <a:effectRef idx="0">
+              <a:schemeClr val="accent1"/>
+            </a:effectRef>
+            <a:fontRef idx="minor">
+              <a:schemeClr val="tx1"/>
+            </a:fontRef>
+          </p:style>
+        </p:cxnSp>
+        <p:cxnSp>
+          <p:nvCxnSpPr>
+            <p:cNvPr id="56" name="Straight Arrow Connector 55"/>
+            <p:cNvCxnSpPr/>
+            <p:nvPr/>
+          </p:nvCxnSpPr>
+          <p:spPr>
+            <a:xfrm flipV="1">
+              <a:off x="4849991" y="2757295"/>
+              <a:ext cx="977546" cy="773502"/>
+            </a:xfrm>
+            <a:prstGeom prst="straightConnector1">
+              <a:avLst/>
+            </a:prstGeom>
+            <a:ln>
+              <a:solidFill>
+                <a:schemeClr val="tx1"/>
+              </a:solidFill>
+              <a:tailEnd type="triangle"/>
+            </a:ln>
+          </p:spPr>
+          <p:style>
+            <a:lnRef idx="1">
+              <a:schemeClr val="accent1"/>
+            </a:lnRef>
+            <a:fillRef idx="0">
+              <a:schemeClr val="accent1"/>
+            </a:fillRef>
+            <a:effectRef idx="0">
+              <a:schemeClr val="accent1"/>
+            </a:effectRef>
+            <a:fontRef idx="minor">
+              <a:schemeClr val="tx1"/>
+            </a:fontRef>
+          </p:style>
+        </p:cxnSp>
+        <p:cxnSp>
+          <p:nvCxnSpPr>
+            <p:cNvPr id="59" name="Straight Arrow Connector 58"/>
+            <p:cNvCxnSpPr/>
+            <p:nvPr/>
+          </p:nvCxnSpPr>
+          <p:spPr>
+            <a:xfrm flipV="1">
+              <a:off x="4719473" y="2888560"/>
+              <a:ext cx="303138" cy="569439"/>
+            </a:xfrm>
+            <a:prstGeom prst="straightConnector1">
+              <a:avLst/>
+            </a:prstGeom>
+            <a:ln>
+              <a:solidFill>
+                <a:schemeClr val="tx1"/>
+              </a:solidFill>
+              <a:tailEnd type="triangle"/>
+            </a:ln>
+          </p:spPr>
+          <p:style>
+            <a:lnRef idx="1">
+              <a:schemeClr val="accent1"/>
+            </a:lnRef>
+            <a:fillRef idx="0">
+              <a:schemeClr val="accent1"/>
+            </a:fillRef>
+            <a:effectRef idx="0">
+              <a:schemeClr val="accent1"/>
+            </a:effectRef>
+            <a:fontRef idx="minor">
+              <a:schemeClr val="tx1"/>
+            </a:fontRef>
+          </p:style>
+        </p:cxnSp>
+        <p:sp>
+          <p:nvSpPr>
+            <p:cNvPr id="61" name="Rectangle 60"/>
+            <p:cNvSpPr/>
+            <p:nvPr/>
+          </p:nvSpPr>
+          <p:spPr>
+            <a:xfrm>
+              <a:off x="4462201" y="3424367"/>
+              <a:ext cx="357790" cy="369332"/>
+            </a:xfrm>
+            <a:prstGeom prst="rect">
+              <a:avLst/>
+            </a:prstGeom>
+          </p:spPr>
+          <p:txBody>
+            <a:bodyPr wrap="none">
+              <a:spAutoFit/>
+            </a:bodyPr>
+            <a:lstStyle/>
+            <a:p>
+              <a:r>
+                <a:rPr lang="en-US" b="1" dirty="0" smtClean="0"/>
+                <a:t>r</a:t>
+              </a:r>
+              <a:r>
+                <a:rPr lang="en-US" sz="1200" b="1" dirty="0" smtClean="0"/>
+                <a:t>1</a:t>
+              </a:r>
+              <a:endParaRPr lang="en-US" sz="1200" dirty="0"/>
+            </a:p>
+          </p:txBody>
+        </p:sp>
+        <p:sp>
+          <p:nvSpPr>
+            <p:cNvPr id="62" name="Rectangle 61"/>
+            <p:cNvSpPr/>
+            <p:nvPr/>
+          </p:nvSpPr>
+          <p:spPr>
+            <a:xfrm>
+              <a:off x="7577883" y="3454071"/>
+              <a:ext cx="357790" cy="369332"/>
+            </a:xfrm>
+            <a:prstGeom prst="rect">
+              <a:avLst/>
+            </a:prstGeom>
+          </p:spPr>
+          <p:txBody>
+            <a:bodyPr wrap="none">
+              <a:spAutoFit/>
+            </a:bodyPr>
+            <a:lstStyle/>
+            <a:p>
+              <a:r>
+                <a:rPr lang="en-US" b="1" dirty="0" smtClean="0"/>
+                <a:t>r</a:t>
+              </a:r>
+              <a:r>
+                <a:rPr lang="en-US" sz="1200" b="1" dirty="0" smtClean="0"/>
+                <a:t>2</a:t>
+              </a:r>
+              <a:endParaRPr lang="en-US" sz="1200" dirty="0"/>
+            </a:p>
+          </p:txBody>
+        </p:sp>
+        <p:sp>
+          <p:nvSpPr>
+            <p:cNvPr id="63" name="Rectangle 62"/>
+            <p:cNvSpPr/>
+            <p:nvPr/>
+          </p:nvSpPr>
+          <p:spPr>
+            <a:xfrm>
+              <a:off x="8174893" y="3461055"/>
+              <a:ext cx="357790" cy="369332"/>
+            </a:xfrm>
+            <a:prstGeom prst="rect">
+              <a:avLst/>
+            </a:prstGeom>
+          </p:spPr>
+          <p:txBody>
+            <a:bodyPr wrap="none">
+              <a:spAutoFit/>
+            </a:bodyPr>
+            <a:lstStyle/>
+            <a:p>
+              <a:r>
+                <a:rPr lang="en-US" b="1" dirty="0" smtClean="0"/>
+                <a:t>r</a:t>
+              </a:r>
+              <a:r>
+                <a:rPr lang="en-US" sz="1200" b="1" dirty="0" smtClean="0"/>
+                <a:t>3</a:t>
+              </a:r>
+              <a:endParaRPr lang="en-US" sz="1200" dirty="0"/>
+            </a:p>
+          </p:txBody>
+        </p:sp>
+        <p:cxnSp>
+          <p:nvCxnSpPr>
+            <p:cNvPr id="65" name="Straight Arrow Connector 64"/>
+            <p:cNvCxnSpPr>
+              <a:stCxn id="63" idx="0"/>
+              <a:endCxn id="51" idx="1"/>
+            </p:cNvCxnSpPr>
+            <p:nvPr/>
+          </p:nvCxnSpPr>
+          <p:spPr>
+            <a:xfrm flipH="1" flipV="1">
+              <a:off x="8185482" y="1863654"/>
+              <a:ext cx="168306" cy="1597401"/>
+            </a:xfrm>
+            <a:prstGeom prst="straightConnector1">
+              <a:avLst/>
+            </a:prstGeom>
+            <a:ln>
+              <a:solidFill>
+                <a:schemeClr val="tx1"/>
+              </a:solidFill>
+              <a:tailEnd type="triangle"/>
+            </a:ln>
+          </p:spPr>
+          <p:style>
+            <a:lnRef idx="1">
+              <a:schemeClr val="accent1"/>
+            </a:lnRef>
+            <a:fillRef idx="0">
+              <a:schemeClr val="accent1"/>
+            </a:fillRef>
+            <a:effectRef idx="0">
+              <a:schemeClr val="accent1"/>
+            </a:effectRef>
+            <a:fontRef idx="minor">
+              <a:schemeClr val="tx1"/>
+            </a:fontRef>
+          </p:style>
+        </p:cxnSp>
+        <p:cxnSp>
+          <p:nvCxnSpPr>
+            <p:cNvPr id="71" name="Straight Arrow Connector 70"/>
+            <p:cNvCxnSpPr>
+              <a:endCxn id="49" idx="1"/>
+            </p:cNvCxnSpPr>
+            <p:nvPr/>
+          </p:nvCxnSpPr>
+          <p:spPr>
+            <a:xfrm flipH="1" flipV="1">
+              <a:off x="7617485" y="2889967"/>
+              <a:ext cx="587645" cy="578071"/>
+            </a:xfrm>
+            <a:prstGeom prst="straightConnector1">
+              <a:avLst/>
+            </a:prstGeom>
+            <a:ln>
+              <a:solidFill>
+                <a:schemeClr val="tx1"/>
+              </a:solidFill>
+              <a:tailEnd type="triangle"/>
+            </a:ln>
+          </p:spPr>
+          <p:style>
+            <a:lnRef idx="1">
+              <a:schemeClr val="accent1"/>
+            </a:lnRef>
+            <a:fillRef idx="0">
+              <a:schemeClr val="accent1"/>
+            </a:fillRef>
+            <a:effectRef idx="0">
+              <a:schemeClr val="accent1"/>
+            </a:effectRef>
+            <a:fontRef idx="minor">
+              <a:schemeClr val="tx1"/>
+            </a:fontRef>
+          </p:style>
+        </p:cxnSp>
+        <p:cxnSp>
+          <p:nvCxnSpPr>
+            <p:cNvPr id="76" name="Straight Connector 75"/>
+            <p:cNvCxnSpPr/>
+            <p:nvPr/>
+          </p:nvCxnSpPr>
+          <p:spPr>
+            <a:xfrm>
+              <a:off x="4367005" y="447982"/>
+              <a:ext cx="0" cy="3989914"/>
+            </a:xfrm>
+            <a:prstGeom prst="line">
+              <a:avLst/>
+            </a:prstGeom>
+            <a:ln>
+              <a:solidFill>
+                <a:schemeClr val="tx1"/>
+              </a:solidFill>
+              <a:prstDash val="lgDash"/>
+            </a:ln>
+          </p:spPr>
+          <p:style>
+            <a:lnRef idx="1">
+              <a:schemeClr val="accent1"/>
+            </a:lnRef>
+            <a:fillRef idx="0">
+              <a:schemeClr val="accent1"/>
+            </a:fillRef>
+            <a:effectRef idx="0">
+              <a:schemeClr val="accent1"/>
+            </a:effectRef>
+            <a:fontRef idx="minor">
+              <a:schemeClr val="tx1"/>
+            </a:fontRef>
+          </p:style>
+        </p:cxnSp>
+        <p:sp>
+          <p:nvSpPr>
+            <p:cNvPr id="77" name="Rectangle 76"/>
+            <p:cNvSpPr/>
+            <p:nvPr/>
+          </p:nvSpPr>
+          <p:spPr>
+            <a:xfrm>
+              <a:off x="1278466" y="408488"/>
+              <a:ext cx="7284453" cy="4053445"/>
+            </a:xfrm>
+            <a:prstGeom prst="rect">
+              <a:avLst/>
+            </a:prstGeom>
+            <a:noFill/>
+            <a:ln>
+              <a:solidFill>
+                <a:schemeClr val="tx1"/>
+              </a:solidFill>
+            </a:ln>
+          </p:spPr>
+          <p:style>
+            <a:lnRef idx="2">
+              <a:schemeClr val="accent1">
+                <a:shade val="50000"/>
+              </a:schemeClr>
+            </a:lnRef>
+            <a:fillRef idx="1">
+              <a:schemeClr val="accent1"/>
+            </a:fillRef>
+            <a:effectRef idx="0">
+              <a:schemeClr val="accent1"/>
+            </a:effectRef>
+            <a:fontRef idx="minor">
+              <a:schemeClr val="lt1"/>
+            </a:fontRef>
+          </p:style>
+          <p:txBody>
+            <a:bodyPr rtlCol="0" anchor="ctr"/>
+            <a:lstStyle/>
+            <a:p>
+              <a:pPr algn="ctr"/>
+              <a:endParaRPr lang="en-US"/>
+            </a:p>
+          </p:txBody>
+        </p:sp>
+      </p:grpSp>
+    </p:spTree>
+    <p:extLst>
+      <p:ext uri="{BB962C8B-B14F-4D97-AF65-F5344CB8AC3E}">
+        <p14:creationId xmlns:p14="http://schemas.microsoft.com/office/powerpoint/2010/main" val="2362600380"/>
+      </p:ext>
+    </p:extLst>
+  </p:cSld>
+  <p:clrMapOvr>
+    <a:masterClrMapping/>
+  </p:clrMapOvr>
+</p:sld>
+</file>
+
+<file path=ppt/slides/slide11.xml><?xml version="1.0" encoding="utf-8"?>
+<p:sld xmlns:a="http://schemas.openxmlformats.org/drawingml/2006/main" xmlns:r="http://schemas.openxmlformats.org/officeDocument/2006/relationships" xmlns:p="http://schemas.openxmlformats.org/presentationml/2006/main">
+  <p:cSld>
+    <p:spTree>
+      <p:nvGrpSpPr>
+        <p:cNvPr id="1" name=""/>
+        <p:cNvGrpSpPr/>
+        <p:nvPr/>
+      </p:nvGrpSpPr>
+      <p:grpSpPr>
+        <a:xfrm>
+          <a:off x="0" y="0"/>
+          <a:ext cx="0" cy="0"/>
+          <a:chOff x="0" y="0"/>
+          <a:chExt cx="0" cy="0"/>
+        </a:xfrm>
+      </p:grpSpPr>
+      <p:sp>
+        <p:nvSpPr>
+          <p:cNvPr id="3" name="Content Placeholder 2"/>
+          <p:cNvSpPr>
+            <a:spLocks noGrp="1"/>
+          </p:cNvSpPr>
+          <p:nvPr>
+            <p:ph idx="1"/>
+          </p:nvPr>
+        </p:nvSpPr>
+        <p:spPr>
+          <a:xfrm>
+            <a:off x="-1213884" y="499454"/>
+            <a:ext cx="8745187" cy="6124630"/>
+          </a:xfrm>
+          <a:ln>
+            <a:solidFill>
+              <a:schemeClr val="tx1"/>
+            </a:solidFill>
+          </a:ln>
+        </p:spPr>
+        <p:txBody>
+          <a:bodyPr>
+            <a:normAutofit fontScale="92500" lnSpcReduction="10000"/>
+          </a:bodyPr>
+          <a:lstStyle/>
+          <a:p>
+            <a:pPr marL="0" indent="0">
+              <a:buNone/>
+            </a:pPr>
+            <a:endParaRPr lang="en-US" sz="2000" b="1" dirty="0" smtClean="0">
+              <a:latin typeface="Courier New" panose="02070309020205020404" pitchFamily="49" charset="0"/>
+              <a:cs typeface="Courier New" panose="02070309020205020404" pitchFamily="49" charset="0"/>
+            </a:endParaRPr>
+          </a:p>
+          <a:p>
+            <a:pPr marL="0" indent="0">
+              <a:buNone/>
+            </a:pPr>
+            <a:r>
+              <a:rPr lang="en-US" sz="2000" b="1" dirty="0" smtClean="0">
+                <a:latin typeface="Courier New" panose="02070309020205020404" pitchFamily="49" charset="0"/>
+                <a:cs typeface="Courier New" panose="02070309020205020404" pitchFamily="49" charset="0"/>
+              </a:rPr>
+              <a:t>node </a:t>
+            </a:r>
+            <a:r>
+              <a:rPr lang="en-US" sz="2000" b="1" dirty="0">
+                <a:latin typeface="Courier New" panose="02070309020205020404" pitchFamily="49" charset="0"/>
+                <a:cs typeface="Courier New" panose="02070309020205020404" pitchFamily="49" charset="0"/>
+              </a:rPr>
+              <a:t>top( in1 : bool; in2: bool) returns (P : bool</a:t>
+            </a:r>
+            <a:r>
+              <a:rPr lang="en-US" sz="2000" b="1" dirty="0" smtClean="0">
+                <a:latin typeface="Courier New" panose="02070309020205020404" pitchFamily="49" charset="0"/>
+                <a:cs typeface="Courier New" panose="02070309020205020404" pitchFamily="49" charset="0"/>
+              </a:rPr>
+              <a:t>);</a:t>
+            </a:r>
+          </a:p>
+          <a:p>
+            <a:pPr marL="0" indent="0">
+              <a:buNone/>
+            </a:pPr>
+            <a:r>
+              <a:rPr lang="en-US" sz="2000" b="1" dirty="0">
+                <a:latin typeface="Courier New" panose="02070309020205020404" pitchFamily="49" charset="0"/>
+                <a:cs typeface="Courier New" panose="02070309020205020404" pitchFamily="49" charset="0"/>
+              </a:rPr>
+              <a:t>	</a:t>
+            </a:r>
+            <a:r>
+              <a:rPr lang="en-US" sz="2000" b="1" dirty="0" smtClean="0">
+                <a:latin typeface="Courier New" panose="02070309020205020404" pitchFamily="49" charset="0"/>
+                <a:cs typeface="Courier New" panose="02070309020205020404" pitchFamily="49" charset="0"/>
+              </a:rPr>
+              <a:t>var  </a:t>
+            </a:r>
+          </a:p>
+          <a:p>
+            <a:pPr marL="0" indent="0">
+              <a:buNone/>
+            </a:pPr>
+            <a:r>
+              <a:rPr lang="en-US" sz="2000" b="1" dirty="0">
+                <a:latin typeface="Courier New" panose="02070309020205020404" pitchFamily="49" charset="0"/>
+                <a:cs typeface="Courier New" panose="02070309020205020404" pitchFamily="49" charset="0"/>
+              </a:rPr>
+              <a:t>	</a:t>
+            </a:r>
+            <a:r>
+              <a:rPr lang="en-US" sz="2000" b="1" dirty="0" smtClean="0">
+                <a:latin typeface="Courier New" panose="02070309020205020404" pitchFamily="49" charset="0"/>
+                <a:cs typeface="Courier New" panose="02070309020205020404" pitchFamily="49" charset="0"/>
+              </a:rPr>
+              <a:t>	x </a:t>
+            </a:r>
+            <a:r>
+              <a:rPr lang="en-US" sz="2000" b="1" dirty="0">
+                <a:latin typeface="Courier New" panose="02070309020205020404" pitchFamily="49" charset="0"/>
+                <a:cs typeface="Courier New" panose="02070309020205020404" pitchFamily="49" charset="0"/>
+              </a:rPr>
+              <a:t>: int;  c1 : bool;   </a:t>
+            </a:r>
+            <a:endParaRPr lang="en-US" sz="2000" b="1" dirty="0" smtClean="0">
+              <a:latin typeface="Courier New" panose="02070309020205020404" pitchFamily="49" charset="0"/>
+              <a:cs typeface="Courier New" panose="02070309020205020404" pitchFamily="49" charset="0"/>
+            </a:endParaRPr>
+          </a:p>
+          <a:p>
+            <a:pPr marL="0" indent="0">
+              <a:buNone/>
+            </a:pPr>
+            <a:r>
+              <a:rPr lang="en-US" sz="2000" b="1" dirty="0">
+                <a:latin typeface="Courier New" panose="02070309020205020404" pitchFamily="49" charset="0"/>
+                <a:cs typeface="Courier New" panose="02070309020205020404" pitchFamily="49" charset="0"/>
+              </a:rPr>
+              <a:t>	</a:t>
+            </a:r>
+            <a:r>
+              <a:rPr lang="en-US" sz="2000" b="1" dirty="0" smtClean="0">
+                <a:latin typeface="Courier New" panose="02070309020205020404" pitchFamily="49" charset="0"/>
+                <a:cs typeface="Courier New" panose="02070309020205020404" pitchFamily="49" charset="0"/>
+              </a:rPr>
+              <a:t>	c2 </a:t>
+            </a:r>
+            <a:r>
+              <a:rPr lang="en-US" sz="2000" b="1" dirty="0">
+                <a:latin typeface="Courier New" panose="02070309020205020404" pitchFamily="49" charset="0"/>
+                <a:cs typeface="Courier New" panose="02070309020205020404" pitchFamily="49" charset="0"/>
+              </a:rPr>
+              <a:t>: bool;  c3 : bool;  </a:t>
+            </a:r>
+            <a:endParaRPr lang="en-US" sz="2000" b="1" dirty="0" smtClean="0">
+              <a:latin typeface="Courier New" panose="02070309020205020404" pitchFamily="49" charset="0"/>
+              <a:cs typeface="Courier New" panose="02070309020205020404" pitchFamily="49" charset="0"/>
+            </a:endParaRPr>
+          </a:p>
+          <a:p>
+            <a:pPr marL="0" indent="0">
+              <a:buNone/>
+            </a:pPr>
+            <a:r>
+              <a:rPr lang="en-US" sz="2000" b="1" dirty="0">
+                <a:latin typeface="Courier New" panose="02070309020205020404" pitchFamily="49" charset="0"/>
+                <a:cs typeface="Courier New" panose="02070309020205020404" pitchFamily="49" charset="0"/>
+              </a:rPr>
+              <a:t>	</a:t>
+            </a:r>
+            <a:r>
+              <a:rPr lang="en-US" sz="2000" b="1" dirty="0" smtClean="0">
+                <a:latin typeface="Courier New" panose="02070309020205020404" pitchFamily="49" charset="0"/>
+                <a:cs typeface="Courier New" panose="02070309020205020404" pitchFamily="49" charset="0"/>
+              </a:rPr>
+              <a:t>	r1 </a:t>
+            </a:r>
+            <a:r>
+              <a:rPr lang="en-US" sz="2000" b="1" dirty="0">
+                <a:latin typeface="Courier New" panose="02070309020205020404" pitchFamily="49" charset="0"/>
+                <a:cs typeface="Courier New" panose="02070309020205020404" pitchFamily="49" charset="0"/>
+              </a:rPr>
+              <a:t>: bool;  r2 : bool</a:t>
+            </a:r>
+            <a:r>
+              <a:rPr lang="en-US" sz="2000" b="1" dirty="0" smtClean="0">
+                <a:latin typeface="Courier New" panose="02070309020205020404" pitchFamily="49" charset="0"/>
+                <a:cs typeface="Courier New" panose="02070309020205020404" pitchFamily="49" charset="0"/>
+              </a:rPr>
+              <a:t>;</a:t>
+            </a:r>
+          </a:p>
+          <a:p>
+            <a:pPr marL="0" indent="0">
+              <a:buNone/>
+            </a:pPr>
+            <a:r>
+              <a:rPr lang="en-US" sz="2000" b="1" dirty="0">
+                <a:latin typeface="Courier New" panose="02070309020205020404" pitchFamily="49" charset="0"/>
+                <a:cs typeface="Courier New" panose="02070309020205020404" pitchFamily="49" charset="0"/>
+              </a:rPr>
+              <a:t>	</a:t>
+            </a:r>
+            <a:r>
+              <a:rPr lang="en-US" sz="2000" b="1" dirty="0" smtClean="0">
+                <a:latin typeface="Courier New" panose="02070309020205020404" pitchFamily="49" charset="0"/>
+                <a:cs typeface="Courier New" panose="02070309020205020404" pitchFamily="49" charset="0"/>
+              </a:rPr>
+              <a:t>let  </a:t>
+            </a:r>
+          </a:p>
+          <a:p>
+            <a:pPr marL="0" indent="0">
+              <a:buNone/>
+            </a:pPr>
+            <a:r>
+              <a:rPr lang="en-US" sz="2000" b="1" dirty="0">
+                <a:latin typeface="Courier New" panose="02070309020205020404" pitchFamily="49" charset="0"/>
+                <a:cs typeface="Courier New" panose="02070309020205020404" pitchFamily="49" charset="0"/>
+              </a:rPr>
+              <a:t>	</a:t>
+            </a:r>
+            <a:r>
+              <a:rPr lang="en-US" sz="2000" b="1" dirty="0" smtClean="0">
+                <a:latin typeface="Courier New" panose="02070309020205020404" pitchFamily="49" charset="0"/>
+                <a:cs typeface="Courier New" panose="02070309020205020404" pitchFamily="49" charset="0"/>
+              </a:rPr>
+              <a:t>	x </a:t>
+            </a:r>
+            <a:r>
+              <a:rPr lang="en-US" sz="2000" b="1" dirty="0">
+                <a:latin typeface="Courier New" panose="02070309020205020404" pitchFamily="49" charset="0"/>
+                <a:cs typeface="Courier New" panose="02070309020205020404" pitchFamily="49" charset="0"/>
+              </a:rPr>
+              <a:t>= 0 -&gt; if (c2 and x &lt; 90) then (10 + pre(x)) </a:t>
+            </a:r>
+            <a:endParaRPr lang="en-US" sz="2000" b="1" dirty="0" smtClean="0">
+              <a:latin typeface="Courier New" panose="02070309020205020404" pitchFamily="49" charset="0"/>
+              <a:cs typeface="Courier New" panose="02070309020205020404" pitchFamily="49" charset="0"/>
+            </a:endParaRPr>
+          </a:p>
+          <a:p>
+            <a:pPr marL="0" indent="0">
+              <a:buNone/>
+            </a:pPr>
+            <a:r>
+              <a:rPr lang="en-US" sz="2000" b="1" dirty="0">
+                <a:latin typeface="Courier New" panose="02070309020205020404" pitchFamily="49" charset="0"/>
+                <a:cs typeface="Courier New" panose="02070309020205020404" pitchFamily="49" charset="0"/>
+              </a:rPr>
+              <a:t>	</a:t>
+            </a:r>
+            <a:r>
+              <a:rPr lang="en-US" sz="2000" b="1" dirty="0" smtClean="0">
+                <a:latin typeface="Courier New" panose="02070309020205020404" pitchFamily="49" charset="0"/>
+                <a:cs typeface="Courier New" panose="02070309020205020404" pitchFamily="49" charset="0"/>
+              </a:rPr>
+              <a:t>		   else </a:t>
+            </a:r>
+            <a:r>
+              <a:rPr lang="en-US" sz="2000" b="1" dirty="0">
+                <a:latin typeface="Courier New" panose="02070309020205020404" pitchFamily="49" charset="0"/>
+                <a:cs typeface="Courier New" panose="02070309020205020404" pitchFamily="49" charset="0"/>
+              </a:rPr>
+              <a:t>(pre(x) - 10);  </a:t>
+            </a:r>
+            <a:endParaRPr lang="en-US" sz="2000" b="1" dirty="0" smtClean="0">
+              <a:latin typeface="Courier New" panose="02070309020205020404" pitchFamily="49" charset="0"/>
+              <a:cs typeface="Courier New" panose="02070309020205020404" pitchFamily="49" charset="0"/>
+            </a:endParaRPr>
+          </a:p>
+          <a:p>
+            <a:pPr marL="0" indent="0">
+              <a:buNone/>
+            </a:pPr>
+            <a:r>
+              <a:rPr lang="en-US" sz="2000" b="1" dirty="0" smtClean="0">
+                <a:latin typeface="Courier New" panose="02070309020205020404" pitchFamily="49" charset="0"/>
+                <a:cs typeface="Courier New" panose="02070309020205020404" pitchFamily="49" charset="0"/>
+              </a:rPr>
+              <a:t>		r1 </a:t>
+            </a:r>
+            <a:r>
+              <a:rPr lang="en-US" sz="2000" b="1" dirty="0">
+                <a:latin typeface="Courier New" panose="02070309020205020404" pitchFamily="49" charset="0"/>
+                <a:cs typeface="Courier New" panose="02070309020205020404" pitchFamily="49" charset="0"/>
+              </a:rPr>
+              <a:t>= in1;  </a:t>
+            </a:r>
+            <a:endParaRPr lang="en-US" sz="2000" b="1" dirty="0" smtClean="0">
+              <a:latin typeface="Courier New" panose="02070309020205020404" pitchFamily="49" charset="0"/>
+              <a:cs typeface="Courier New" panose="02070309020205020404" pitchFamily="49" charset="0"/>
+            </a:endParaRPr>
+          </a:p>
+          <a:p>
+            <a:pPr marL="0" indent="0">
+              <a:buNone/>
+            </a:pPr>
+            <a:r>
+              <a:rPr lang="en-US" sz="2000" b="1" dirty="0">
+                <a:latin typeface="Courier New" panose="02070309020205020404" pitchFamily="49" charset="0"/>
+                <a:cs typeface="Courier New" panose="02070309020205020404" pitchFamily="49" charset="0"/>
+              </a:rPr>
+              <a:t>	</a:t>
+            </a:r>
+            <a:r>
+              <a:rPr lang="en-US" sz="2000" b="1" dirty="0" smtClean="0">
+                <a:latin typeface="Courier New" panose="02070309020205020404" pitchFamily="49" charset="0"/>
+                <a:cs typeface="Courier New" panose="02070309020205020404" pitchFamily="49" charset="0"/>
+              </a:rPr>
+              <a:t>	r2 </a:t>
+            </a:r>
+            <a:r>
+              <a:rPr lang="en-US" sz="2000" b="1" dirty="0">
+                <a:latin typeface="Courier New" panose="02070309020205020404" pitchFamily="49" charset="0"/>
+                <a:cs typeface="Courier New" panose="02070309020205020404" pitchFamily="49" charset="0"/>
+              </a:rPr>
+              <a:t>= not in1;  </a:t>
+            </a:r>
+            <a:endParaRPr lang="en-US" sz="2000" b="1" dirty="0" smtClean="0">
+              <a:latin typeface="Courier New" panose="02070309020205020404" pitchFamily="49" charset="0"/>
+              <a:cs typeface="Courier New" panose="02070309020205020404" pitchFamily="49" charset="0"/>
+            </a:endParaRPr>
+          </a:p>
+          <a:p>
+            <a:pPr marL="0" indent="0">
+              <a:buNone/>
+            </a:pPr>
+            <a:r>
+              <a:rPr lang="en-US" sz="2000" b="1" dirty="0">
+                <a:latin typeface="Courier New" panose="02070309020205020404" pitchFamily="49" charset="0"/>
+                <a:cs typeface="Courier New" panose="02070309020205020404" pitchFamily="49" charset="0"/>
+              </a:rPr>
+              <a:t>	</a:t>
+            </a:r>
+            <a:r>
+              <a:rPr lang="en-US" sz="2000" b="1" dirty="0" smtClean="0">
+                <a:latin typeface="Courier New" panose="02070309020205020404" pitchFamily="49" charset="0"/>
+                <a:cs typeface="Courier New" panose="02070309020205020404" pitchFamily="49" charset="0"/>
+              </a:rPr>
+              <a:t>	c1 </a:t>
+            </a:r>
+            <a:r>
+              <a:rPr lang="en-US" sz="2000" b="1" dirty="0">
+                <a:latin typeface="Courier New" panose="02070309020205020404" pitchFamily="49" charset="0"/>
+                <a:cs typeface="Courier New" panose="02070309020205020404" pitchFamily="49" charset="0"/>
+              </a:rPr>
+              <a:t>= (r1 or r2) and in2; </a:t>
+            </a:r>
+            <a:endParaRPr lang="en-US" sz="2000" b="1" dirty="0" smtClean="0">
+              <a:latin typeface="Courier New" panose="02070309020205020404" pitchFamily="49" charset="0"/>
+              <a:cs typeface="Courier New" panose="02070309020205020404" pitchFamily="49" charset="0"/>
+            </a:endParaRPr>
+          </a:p>
+          <a:p>
+            <a:pPr marL="0" indent="0">
+              <a:buNone/>
+            </a:pPr>
+            <a:r>
+              <a:rPr lang="en-US" sz="2000" b="1" smtClean="0">
+                <a:latin typeface="Courier New" panose="02070309020205020404" pitchFamily="49" charset="0"/>
+                <a:cs typeface="Courier New" panose="02070309020205020404" pitchFamily="49" charset="0"/>
+              </a:rPr>
+              <a:t>		c2 </a:t>
+            </a:r>
+            <a:r>
+              <a:rPr lang="en-US" sz="2000" b="1" dirty="0">
+                <a:latin typeface="Courier New" panose="02070309020205020404" pitchFamily="49" charset="0"/>
+                <a:cs typeface="Courier New" panose="02070309020205020404" pitchFamily="49" charset="0"/>
+              </a:rPr>
+              <a:t>= </a:t>
+            </a:r>
+            <a:r>
+              <a:rPr lang="en-US" sz="2000" b="1">
+                <a:latin typeface="Courier New" panose="02070309020205020404" pitchFamily="49" charset="0"/>
+                <a:cs typeface="Courier New" panose="02070309020205020404" pitchFamily="49" charset="0"/>
+              </a:rPr>
+              <a:t>if </a:t>
+            </a:r>
+            <a:r>
+              <a:rPr lang="en-US" sz="2000" b="1" smtClean="0">
+                <a:latin typeface="Courier New" panose="02070309020205020404" pitchFamily="49" charset="0"/>
+                <a:cs typeface="Courier New" panose="02070309020205020404" pitchFamily="49" charset="0"/>
+              </a:rPr>
+              <a:t>in2 </a:t>
+            </a:r>
+            <a:r>
+              <a:rPr lang="en-US" sz="2000" b="1" dirty="0">
+                <a:latin typeface="Courier New" panose="02070309020205020404" pitchFamily="49" charset="0"/>
+                <a:cs typeface="Courier New" panose="02070309020205020404" pitchFamily="49" charset="0"/>
+              </a:rPr>
+              <a:t>then false else c1;  </a:t>
+            </a:r>
+            <a:endParaRPr lang="en-US" sz="2000" b="1" dirty="0" smtClean="0">
+              <a:latin typeface="Courier New" panose="02070309020205020404" pitchFamily="49" charset="0"/>
+              <a:cs typeface="Courier New" panose="02070309020205020404" pitchFamily="49" charset="0"/>
+            </a:endParaRPr>
+          </a:p>
+          <a:p>
+            <a:pPr marL="0" indent="0">
+              <a:buNone/>
+            </a:pPr>
+            <a:r>
+              <a:rPr lang="en-US" sz="2000" b="1" dirty="0">
+                <a:latin typeface="Courier New" panose="02070309020205020404" pitchFamily="49" charset="0"/>
+                <a:cs typeface="Courier New" panose="02070309020205020404" pitchFamily="49" charset="0"/>
+              </a:rPr>
+              <a:t>	</a:t>
+            </a:r>
+            <a:r>
+              <a:rPr lang="en-US" sz="2000" b="1" dirty="0" smtClean="0">
+                <a:latin typeface="Courier New" panose="02070309020205020404" pitchFamily="49" charset="0"/>
+                <a:cs typeface="Courier New" panose="02070309020205020404" pitchFamily="49" charset="0"/>
+              </a:rPr>
+              <a:t>	c3 </a:t>
+            </a:r>
+            <a:r>
+              <a:rPr lang="en-US" sz="2000" b="1" dirty="0">
+                <a:latin typeface="Courier New" panose="02070309020205020404" pitchFamily="49" charset="0"/>
+                <a:cs typeface="Courier New" panose="02070309020205020404" pitchFamily="49" charset="0"/>
+              </a:rPr>
+              <a:t>= not c2 or c1;  </a:t>
+            </a:r>
+            <a:endParaRPr lang="en-US" sz="2000" b="1" dirty="0" smtClean="0">
+              <a:latin typeface="Courier New" panose="02070309020205020404" pitchFamily="49" charset="0"/>
+              <a:cs typeface="Courier New" panose="02070309020205020404" pitchFamily="49" charset="0"/>
+            </a:endParaRPr>
+          </a:p>
+          <a:p>
+            <a:pPr marL="0" indent="0">
+              <a:buNone/>
+            </a:pPr>
+            <a:r>
+              <a:rPr lang="en-US" sz="2000" b="1" dirty="0">
+                <a:latin typeface="Courier New" panose="02070309020205020404" pitchFamily="49" charset="0"/>
+                <a:cs typeface="Courier New" panose="02070309020205020404" pitchFamily="49" charset="0"/>
+              </a:rPr>
+              <a:t>	</a:t>
+            </a:r>
+            <a:r>
+              <a:rPr lang="en-US" sz="2000" b="1" dirty="0" smtClean="0">
+                <a:latin typeface="Courier New" panose="02070309020205020404" pitchFamily="49" charset="0"/>
+                <a:cs typeface="Courier New" panose="02070309020205020404" pitchFamily="49" charset="0"/>
+              </a:rPr>
+              <a:t>	P </a:t>
+            </a:r>
+            <a:r>
+              <a:rPr lang="en-US" sz="2000" b="1" dirty="0">
+                <a:latin typeface="Courier New" panose="02070309020205020404" pitchFamily="49" charset="0"/>
+                <a:cs typeface="Courier New" panose="02070309020205020404" pitchFamily="49" charset="0"/>
+              </a:rPr>
+              <a:t>=  (x &lt; 100) or c3; </a:t>
+            </a:r>
+            <a:endParaRPr lang="en-US" sz="2000" b="1" dirty="0" smtClean="0">
+              <a:latin typeface="Courier New" panose="02070309020205020404" pitchFamily="49" charset="0"/>
+              <a:cs typeface="Courier New" panose="02070309020205020404" pitchFamily="49" charset="0"/>
+            </a:endParaRPr>
+          </a:p>
+          <a:p>
+            <a:pPr marL="0" indent="0">
+              <a:buNone/>
+            </a:pPr>
+            <a:r>
+              <a:rPr lang="en-US" sz="2000" b="1" dirty="0">
+                <a:latin typeface="Courier New" panose="02070309020205020404" pitchFamily="49" charset="0"/>
+                <a:cs typeface="Courier New" panose="02070309020205020404" pitchFamily="49" charset="0"/>
+              </a:rPr>
+              <a:t>	</a:t>
+            </a:r>
+            <a:r>
+              <a:rPr lang="en-US" sz="2000" b="1" dirty="0" smtClean="0">
+                <a:latin typeface="Courier New" panose="02070309020205020404" pitchFamily="49" charset="0"/>
+                <a:cs typeface="Courier New" panose="02070309020205020404" pitchFamily="49" charset="0"/>
+              </a:rPr>
+              <a:t>tel;</a:t>
+            </a:r>
+          </a:p>
+          <a:p>
+            <a:pPr marL="0" indent="0">
+              <a:buNone/>
+            </a:pPr>
+            <a:r>
+              <a:rPr lang="en-US" sz="2000" b="1" dirty="0" smtClean="0">
+                <a:latin typeface="Courier New" panose="02070309020205020404" pitchFamily="49" charset="0"/>
+                <a:cs typeface="Courier New" panose="02070309020205020404" pitchFamily="49" charset="0"/>
+              </a:rPr>
+              <a:t>				    </a:t>
+            </a:r>
+            <a:r>
+              <a:rPr lang="en-US" sz="2000" b="1" dirty="0" smtClean="0"/>
+              <a:t>(</a:t>
+            </a:r>
+            <a:r>
+              <a:rPr lang="en-US" sz="2000" b="1" dirty="0"/>
+              <a:t>a)</a:t>
+            </a:r>
+          </a:p>
+          <a:p>
+            <a:pPr marL="0" indent="0">
+              <a:buNone/>
+            </a:pPr>
+            <a:endParaRPr lang="en-US" sz="2000" b="1" dirty="0">
+              <a:latin typeface="+mj-lt"/>
+              <a:cs typeface="Courier New" panose="02070309020205020404" pitchFamily="49" charset="0"/>
+            </a:endParaRPr>
+          </a:p>
+        </p:txBody>
+      </p:sp>
+      <p:sp>
+        <p:nvSpPr>
+          <p:cNvPr id="2" name="Rectangle 1"/>
+          <p:cNvSpPr/>
+          <p:nvPr/>
+        </p:nvSpPr>
+        <p:spPr>
+          <a:xfrm>
+            <a:off x="7531303" y="499730"/>
+            <a:ext cx="4660697" cy="6124354"/>
+          </a:xfrm>
+          <a:prstGeom prst="rect">
+            <a:avLst/>
+          </a:prstGeom>
+          <a:noFill/>
+          <a:ln>
+            <a:solidFill>
+              <a:schemeClr val="tx1"/>
+            </a:solidFill>
+          </a:ln>
+        </p:spPr>
+        <p:style>
+          <a:lnRef idx="2">
+            <a:schemeClr val="accent1">
+              <a:shade val="50000"/>
+            </a:schemeClr>
+          </a:lnRef>
+          <a:fillRef idx="1">
+            <a:schemeClr val="accent1"/>
+          </a:fillRef>
+          <a:effectRef idx="0">
+            <a:schemeClr val="accent1"/>
+          </a:effectRef>
+          <a:fontRef idx="minor">
+            <a:schemeClr val="lt1"/>
+          </a:fontRef>
+        </p:style>
+        <p:txBody>
+          <a:bodyPr rtlCol="0" anchor="ctr"/>
+          <a:lstStyle/>
+          <a:p>
+            <a:pPr algn="ctr"/>
+            <a:endParaRPr lang="en-US"/>
+          </a:p>
+        </p:txBody>
+      </p:sp>
+      <p:sp>
+        <p:nvSpPr>
+          <p:cNvPr id="4" name="Rectangle 3"/>
+          <p:cNvSpPr/>
+          <p:nvPr/>
+        </p:nvSpPr>
+        <p:spPr>
+          <a:xfrm>
+            <a:off x="9873057" y="6254752"/>
+            <a:ext cx="452368" cy="369332"/>
+          </a:xfrm>
+          <a:prstGeom prst="rect">
+            <a:avLst/>
+          </a:prstGeom>
+        </p:spPr>
+        <p:txBody>
+          <a:bodyPr wrap="none">
+            <a:spAutoFit/>
+          </a:bodyPr>
+          <a:lstStyle/>
+          <a:p>
+            <a:r>
+              <a:rPr lang="en-US" b="1" dirty="0" smtClean="0"/>
+              <a:t>(b)</a:t>
+            </a:r>
+            <a:endParaRPr lang="en-US" dirty="0"/>
+          </a:p>
+        </p:txBody>
+      </p:sp>
+      <p:sp>
+        <p:nvSpPr>
+          <p:cNvPr id="5" name="Oval 4"/>
+          <p:cNvSpPr/>
+          <p:nvPr/>
+        </p:nvSpPr>
+        <p:spPr>
+          <a:xfrm rot="17641973">
+            <a:off x="8410461" y="1731288"/>
+            <a:ext cx="2186717" cy="2536994"/>
+          </a:xfrm>
+          <a:prstGeom prst="ellipse">
+            <a:avLst/>
+          </a:prstGeom>
+          <a:noFill/>
+          <a:ln>
+            <a:solidFill>
+              <a:schemeClr val="tx1"/>
+            </a:solidFill>
+          </a:ln>
+        </p:spPr>
+        <p:style>
+          <a:lnRef idx="2">
+            <a:schemeClr val="accent1">
+              <a:shade val="50000"/>
+            </a:schemeClr>
+          </a:lnRef>
+          <a:fillRef idx="1">
+            <a:schemeClr val="accent1"/>
+          </a:fillRef>
+          <a:effectRef idx="0">
+            <a:schemeClr val="accent1"/>
+          </a:effectRef>
+          <a:fontRef idx="minor">
+            <a:schemeClr val="lt1"/>
+          </a:fontRef>
+        </p:style>
+        <p:txBody>
+          <a:bodyPr rtlCol="0" anchor="ctr"/>
+          <a:lstStyle/>
+          <a:p>
+            <a:pPr algn="ctr"/>
+            <a:endParaRPr lang="en-US"/>
+          </a:p>
+        </p:txBody>
+      </p:sp>
+      <p:sp>
+        <p:nvSpPr>
+          <p:cNvPr id="6" name="Oval 5"/>
+          <p:cNvSpPr/>
+          <p:nvPr/>
+        </p:nvSpPr>
+        <p:spPr>
+          <a:xfrm rot="17521782">
+            <a:off x="9399648" y="2282855"/>
+            <a:ext cx="2186717" cy="2346612"/>
+          </a:xfrm>
+          <a:prstGeom prst="ellipse">
+            <a:avLst/>
+          </a:prstGeom>
+          <a:noFill/>
+          <a:ln>
+            <a:solidFill>
+              <a:schemeClr val="tx1"/>
+            </a:solidFill>
+          </a:ln>
+        </p:spPr>
+        <p:style>
+          <a:lnRef idx="2">
+            <a:schemeClr val="accent1">
+              <a:shade val="50000"/>
+            </a:schemeClr>
+          </a:lnRef>
+          <a:fillRef idx="1">
+            <a:schemeClr val="accent1"/>
+          </a:fillRef>
+          <a:effectRef idx="0">
+            <a:schemeClr val="accent1"/>
+          </a:effectRef>
+          <a:fontRef idx="minor">
+            <a:schemeClr val="lt1"/>
+          </a:fontRef>
+        </p:style>
+        <p:txBody>
+          <a:bodyPr rtlCol="0" anchor="ctr"/>
+          <a:lstStyle/>
+          <a:p>
+            <a:pPr algn="ctr"/>
+            <a:endParaRPr lang="en-US"/>
+          </a:p>
+        </p:txBody>
+      </p:sp>
+      <p:sp>
+        <p:nvSpPr>
+          <p:cNvPr id="7" name="Rectangle 6"/>
+          <p:cNvSpPr/>
+          <p:nvPr/>
+        </p:nvSpPr>
+        <p:spPr>
+          <a:xfrm>
+            <a:off x="9876479" y="2799730"/>
+            <a:ext cx="343364" cy="461665"/>
+          </a:xfrm>
+          <a:prstGeom prst="rect">
+            <a:avLst/>
+          </a:prstGeom>
+        </p:spPr>
+        <p:txBody>
+          <a:bodyPr wrap="none">
+            <a:spAutoFit/>
+          </a:bodyPr>
+          <a:lstStyle/>
+          <a:p>
+            <a:r>
+              <a:rPr lang="en-US" sz="2400" dirty="0" smtClean="0">
+                <a:solidFill>
+                  <a:srgbClr val="C00000"/>
+                </a:solidFill>
+              </a:rPr>
+              <a:t>P</a:t>
+            </a:r>
+            <a:endParaRPr lang="en-US" sz="2400" dirty="0"/>
+          </a:p>
+        </p:txBody>
+      </p:sp>
+      <p:sp>
+        <p:nvSpPr>
+          <p:cNvPr id="8" name="Rectangle 7"/>
+          <p:cNvSpPr/>
+          <p:nvPr/>
+        </p:nvSpPr>
+        <p:spPr>
+          <a:xfrm>
+            <a:off x="9583252" y="3517724"/>
+            <a:ext cx="470000" cy="461665"/>
+          </a:xfrm>
+          <a:prstGeom prst="rect">
+            <a:avLst/>
+          </a:prstGeom>
+        </p:spPr>
+        <p:txBody>
+          <a:bodyPr wrap="none">
+            <a:spAutoFit/>
+          </a:bodyPr>
+          <a:lstStyle/>
+          <a:p>
+            <a:r>
+              <a:rPr lang="en-US" sz="2400" dirty="0" smtClean="0"/>
+              <a:t>c3</a:t>
+            </a:r>
+            <a:endParaRPr lang="en-US" sz="2400" dirty="0"/>
+          </a:p>
+        </p:txBody>
+      </p:sp>
+      <p:sp>
+        <p:nvSpPr>
+          <p:cNvPr id="9" name="Rectangle 8"/>
+          <p:cNvSpPr/>
+          <p:nvPr/>
+        </p:nvSpPr>
+        <p:spPr>
+          <a:xfrm>
+            <a:off x="8779771" y="2599675"/>
+            <a:ext cx="317716" cy="461665"/>
+          </a:xfrm>
+          <a:prstGeom prst="rect">
+            <a:avLst/>
+          </a:prstGeom>
+        </p:spPr>
+        <p:txBody>
+          <a:bodyPr wrap="none">
+            <a:spAutoFit/>
+          </a:bodyPr>
+          <a:lstStyle/>
+          <a:p>
+            <a:r>
+              <a:rPr lang="en-US" sz="2400" dirty="0" smtClean="0"/>
+              <a:t>x</a:t>
+            </a:r>
+            <a:endParaRPr lang="en-US" sz="2400" dirty="0"/>
+          </a:p>
+        </p:txBody>
+      </p:sp>
+      <p:sp>
+        <p:nvSpPr>
+          <p:cNvPr id="10" name="Rectangle 9"/>
+          <p:cNvSpPr/>
+          <p:nvPr/>
+        </p:nvSpPr>
+        <p:spPr>
+          <a:xfrm>
+            <a:off x="10806748" y="3602680"/>
+            <a:ext cx="470000" cy="461665"/>
+          </a:xfrm>
+          <a:prstGeom prst="rect">
+            <a:avLst/>
+          </a:prstGeom>
+        </p:spPr>
+        <p:txBody>
+          <a:bodyPr wrap="none">
+            <a:spAutoFit/>
+          </a:bodyPr>
+          <a:lstStyle/>
+          <a:p>
+            <a:r>
+              <a:rPr lang="en-US" sz="2400" dirty="0" smtClean="0"/>
+              <a:t>c2</a:t>
+            </a:r>
+            <a:endParaRPr lang="en-US" sz="2400" dirty="0"/>
+          </a:p>
+        </p:txBody>
+      </p:sp>
+      <p:sp>
+        <p:nvSpPr>
+          <p:cNvPr id="12" name="Rectangle 11"/>
+          <p:cNvSpPr/>
+          <p:nvPr/>
+        </p:nvSpPr>
+        <p:spPr>
+          <a:xfrm>
+            <a:off x="8544771" y="4053307"/>
+            <a:ext cx="470000" cy="461665"/>
+          </a:xfrm>
+          <a:prstGeom prst="rect">
+            <a:avLst/>
+          </a:prstGeom>
+        </p:spPr>
+        <p:txBody>
+          <a:bodyPr wrap="none">
+            <a:spAutoFit/>
+          </a:bodyPr>
+          <a:lstStyle/>
+          <a:p>
+            <a:r>
+              <a:rPr lang="en-US" sz="2400" dirty="0" smtClean="0"/>
+              <a:t>c1</a:t>
+            </a:r>
+            <a:endParaRPr lang="en-US" sz="2400" dirty="0"/>
+          </a:p>
+        </p:txBody>
+      </p:sp>
+      <p:sp>
+        <p:nvSpPr>
+          <p:cNvPr id="13" name="Rectangle 12"/>
+          <p:cNvSpPr/>
+          <p:nvPr/>
+        </p:nvSpPr>
+        <p:spPr>
+          <a:xfrm>
+            <a:off x="9824382" y="1376891"/>
+            <a:ext cx="447558" cy="461665"/>
+          </a:xfrm>
+          <a:prstGeom prst="rect">
+            <a:avLst/>
+          </a:prstGeom>
+        </p:spPr>
+        <p:txBody>
+          <a:bodyPr wrap="square">
+            <a:spAutoFit/>
+          </a:bodyPr>
+          <a:lstStyle/>
+          <a:p>
+            <a:r>
+              <a:rPr lang="en-US" sz="2400" dirty="0" smtClean="0"/>
+              <a:t>r1</a:t>
+            </a:r>
+            <a:endParaRPr lang="en-US" sz="2400" dirty="0"/>
+          </a:p>
+        </p:txBody>
+      </p:sp>
+      <p:sp>
+        <p:nvSpPr>
+          <p:cNvPr id="14" name="Rectangle 13"/>
+          <p:cNvSpPr/>
+          <p:nvPr/>
+        </p:nvSpPr>
+        <p:spPr>
+          <a:xfrm>
+            <a:off x="10772640" y="1770690"/>
+            <a:ext cx="447558" cy="461665"/>
+          </a:xfrm>
+          <a:prstGeom prst="rect">
+            <a:avLst/>
+          </a:prstGeom>
+        </p:spPr>
+        <p:txBody>
+          <a:bodyPr wrap="none">
+            <a:spAutoFit/>
+          </a:bodyPr>
+          <a:lstStyle/>
+          <a:p>
+            <a:r>
+              <a:rPr lang="en-US" sz="2400" dirty="0" smtClean="0"/>
+              <a:t>r2</a:t>
+            </a:r>
+            <a:endParaRPr lang="en-US" sz="2400" dirty="0"/>
+          </a:p>
+        </p:txBody>
+      </p:sp>
+      <p:sp>
+        <p:nvSpPr>
+          <p:cNvPr id="15" name="Oval 14"/>
+          <p:cNvSpPr/>
+          <p:nvPr/>
+        </p:nvSpPr>
+        <p:spPr>
+          <a:xfrm rot="17521782">
+            <a:off x="7726455" y="1145223"/>
+            <a:ext cx="4521558" cy="4099412"/>
+          </a:xfrm>
+          <a:prstGeom prst="ellipse">
+            <a:avLst/>
+          </a:prstGeom>
+          <a:noFill/>
+          <a:ln w="19050">
+            <a:solidFill>
+              <a:schemeClr val="tx1"/>
+            </a:solidFill>
+            <a:prstDash val="lgDash"/>
+          </a:ln>
+        </p:spPr>
+        <p:style>
+          <a:lnRef idx="2">
+            <a:schemeClr val="accent1">
+              <a:shade val="50000"/>
+            </a:schemeClr>
+          </a:lnRef>
+          <a:fillRef idx="1">
+            <a:schemeClr val="accent1"/>
+          </a:fillRef>
+          <a:effectRef idx="0">
+            <a:schemeClr val="accent1"/>
+          </a:effectRef>
+          <a:fontRef idx="minor">
+            <a:schemeClr val="lt1"/>
+          </a:fontRef>
+        </p:style>
+        <p:txBody>
+          <a:bodyPr rtlCol="0" anchor="ctr"/>
+          <a:lstStyle/>
+          <a:p>
+            <a:pPr algn="ctr"/>
+            <a:endParaRPr lang="en-US"/>
+          </a:p>
+        </p:txBody>
+      </p:sp>
+    </p:spTree>
+    <p:extLst>
+      <p:ext uri="{BB962C8B-B14F-4D97-AF65-F5344CB8AC3E}">
+        <p14:creationId xmlns:p14="http://schemas.microsoft.com/office/powerpoint/2010/main" val="1337452540"/>
+      </p:ext>
+    </p:extLst>
+  </p:cSld>
+  <p:clrMapOvr>
+    <a:masterClrMapping/>
+  </p:clrMapOvr>
+</p:sld>
+</file>
+
+<file path=ppt/slides/slide12.xml><?xml version="1.0" encoding="utf-8"?>
 <p:sld xmlns:a="http://schemas.openxmlformats.org/drawingml/2006/main" xmlns:r="http://schemas.openxmlformats.org/officeDocument/2006/relationships" xmlns:p="http://schemas.openxmlformats.org/presentationml/2006/main">
   <p:cSld>
     <p:spTree>
@@ -3550,7 +6004,7 @@
 </p:sld>
 </file>
 
-<file path=ppt/slides/slide11.xml><?xml version="1.0" encoding="utf-8"?>
+<file path=ppt/slides/slide13.xml><?xml version="1.0" encoding="utf-8"?>
 <p:sld xmlns:a="http://schemas.openxmlformats.org/drawingml/2006/main" xmlns:r="http://schemas.openxmlformats.org/officeDocument/2006/relationships" xmlns:p="http://schemas.openxmlformats.org/presentationml/2006/main">
   <p:cSld>
     <p:spTree>
@@ -3803,7 +6257,7 @@
 </p:sld>
 </file>
 
-<file path=ppt/slides/slide12.xml><?xml version="1.0" encoding="utf-8"?>
+<file path=ppt/slides/slide14.xml><?xml version="1.0" encoding="utf-8"?>
 <p:sld xmlns:a="http://schemas.openxmlformats.org/drawingml/2006/main" xmlns:r="http://schemas.openxmlformats.org/officeDocument/2006/relationships" xmlns:p="http://schemas.openxmlformats.org/presentationml/2006/main">
   <p:cSld>
     <p:spTree>
@@ -3946,7 +6400,7 @@
 </p:sld>
 </file>
 
-<file path=ppt/slides/slide13.xml><?xml version="1.0" encoding="utf-8"?>
+<file path=ppt/slides/slide15.xml><?xml version="1.0" encoding="utf-8"?>
 <p:sld xmlns:a="http://schemas.openxmlformats.org/drawingml/2006/main" xmlns:r="http://schemas.openxmlformats.org/officeDocument/2006/relationships" xmlns:p="http://schemas.openxmlformats.org/presentationml/2006/main">
   <p:cSld>
     <p:spTree>
@@ -4089,7 +6543,7 @@
 </p:sld>
 </file>
 
-<file path=ppt/slides/slide14.xml><?xml version="1.0" encoding="utf-8"?>
+<file path=ppt/slides/slide16.xml><?xml version="1.0" encoding="utf-8"?>
 <p:sld xmlns:a="http://schemas.openxmlformats.org/drawingml/2006/main" xmlns:r="http://schemas.openxmlformats.org/officeDocument/2006/relationships" xmlns:p="http://schemas.openxmlformats.org/presentationml/2006/main">
   <p:cSld>
     <p:spTree>
@@ -4239,7 +6693,7 @@
 </p:sld>
 </file>
 
-<file path=ppt/slides/slide15.xml><?xml version="1.0" encoding="utf-8"?>
+<file path=ppt/slides/slide17.xml><?xml version="1.0" encoding="utf-8"?>
 <p:sld xmlns:a="http://schemas.openxmlformats.org/drawingml/2006/main" xmlns:r="http://schemas.openxmlformats.org/officeDocument/2006/relationships" xmlns:p="http://schemas.openxmlformats.org/presentationml/2006/main">
   <p:cSld>
     <p:spTree>
@@ -7808,6 +10262,565 @@
       </p:grpSpPr>
       <p:sp>
         <p:nvSpPr>
+          <p:cNvPr id="3" name="Content Placeholder 2"/>
+          <p:cNvSpPr>
+            <a:spLocks noGrp="1"/>
+          </p:cNvSpPr>
+          <p:nvPr>
+            <p:ph idx="1"/>
+          </p:nvPr>
+        </p:nvSpPr>
+        <p:spPr>
+          <a:xfrm>
+            <a:off x="1664066" y="787211"/>
+            <a:ext cx="5770006" cy="5797888"/>
+          </a:xfrm>
+        </p:spPr>
+        <p:txBody>
+          <a:bodyPr>
+            <a:noAutofit/>
+          </a:bodyPr>
+          <a:lstStyle/>
+          <a:p>
+            <a:pPr marL="0" indent="0">
+              <a:spcBef>
+                <a:spcPts val="400"/>
+              </a:spcBef>
+              <a:buNone/>
+            </a:pPr>
+            <a:endParaRPr lang="en-US" sz="1800" b="1" dirty="0">
+              <a:solidFill>
+                <a:srgbClr val="993366"/>
+              </a:solidFill>
+              <a:latin typeface="Consolas" panose="020B0609020204030204" pitchFamily="49" charset="0"/>
+              <a:cs typeface="Courier New" panose="02070309020205020404" pitchFamily="49" charset="0"/>
+            </a:endParaRPr>
+          </a:p>
+        </p:txBody>
+      </p:sp>
+      <p:sp>
+        <p:nvSpPr>
+          <p:cNvPr id="6" name="Rectangle 5"/>
+          <p:cNvSpPr/>
+          <p:nvPr/>
+        </p:nvSpPr>
+        <p:spPr>
+          <a:xfrm>
+            <a:off x="1250415" y="2071286"/>
+            <a:ext cx="521297" cy="338554"/>
+          </a:xfrm>
+          <a:prstGeom prst="rect">
+            <a:avLst/>
+          </a:prstGeom>
+        </p:spPr>
+        <p:txBody>
+          <a:bodyPr wrap="none">
+            <a:spAutoFit/>
+          </a:bodyPr>
+          <a:lstStyle/>
+          <a:p>
+            <a:r>
+              <a:rPr lang="en-US" sz="1600" dirty="0">
+                <a:solidFill>
+                  <a:prstClr val="black"/>
+                </a:solidFill>
+                <a:latin typeface="Consolas" panose="020B0609020204030204" pitchFamily="49" charset="0"/>
+                <a:cs typeface="Courier New" panose="02070309020205020404" pitchFamily="49" charset="0"/>
+              </a:rPr>
+              <a:t>(1)</a:t>
+            </a:r>
+            <a:endParaRPr lang="en-US" sz="1600" dirty="0">
+              <a:latin typeface="Consolas" panose="020B0609020204030204" pitchFamily="49" charset="0"/>
+            </a:endParaRPr>
+          </a:p>
+        </p:txBody>
+      </p:sp>
+      <p:sp>
+        <p:nvSpPr>
+          <p:cNvPr id="7" name="Rectangle 6"/>
+          <p:cNvSpPr/>
+          <p:nvPr/>
+        </p:nvSpPr>
+        <p:spPr>
+          <a:xfrm>
+            <a:off x="1250415" y="2412743"/>
+            <a:ext cx="521297" cy="338554"/>
+          </a:xfrm>
+          <a:prstGeom prst="rect">
+            <a:avLst/>
+          </a:prstGeom>
+        </p:spPr>
+        <p:txBody>
+          <a:bodyPr wrap="none">
+            <a:spAutoFit/>
+          </a:bodyPr>
+          <a:lstStyle/>
+          <a:p>
+            <a:r>
+              <a:rPr lang="en-US" sz="1600" dirty="0" smtClean="0">
+                <a:solidFill>
+                  <a:prstClr val="black"/>
+                </a:solidFill>
+                <a:latin typeface="Consolas" panose="020B0609020204030204" pitchFamily="49" charset="0"/>
+                <a:cs typeface="Courier New" panose="02070309020205020404" pitchFamily="49" charset="0"/>
+              </a:rPr>
+              <a:t>(2)</a:t>
+            </a:r>
+            <a:endParaRPr lang="en-US" sz="1600" dirty="0">
+              <a:latin typeface="Consolas" panose="020B0609020204030204" pitchFamily="49" charset="0"/>
+            </a:endParaRPr>
+          </a:p>
+        </p:txBody>
+      </p:sp>
+      <p:sp>
+        <p:nvSpPr>
+          <p:cNvPr id="8" name="Rectangle 7"/>
+          <p:cNvSpPr/>
+          <p:nvPr/>
+        </p:nvSpPr>
+        <p:spPr>
+          <a:xfrm>
+            <a:off x="1241925" y="2756719"/>
+            <a:ext cx="521297" cy="338554"/>
+          </a:xfrm>
+          <a:prstGeom prst="rect">
+            <a:avLst/>
+          </a:prstGeom>
+        </p:spPr>
+        <p:txBody>
+          <a:bodyPr wrap="none">
+            <a:spAutoFit/>
+          </a:bodyPr>
+          <a:lstStyle/>
+          <a:p>
+            <a:r>
+              <a:rPr lang="en-US" sz="1600" dirty="0" smtClean="0">
+                <a:solidFill>
+                  <a:prstClr val="black"/>
+                </a:solidFill>
+                <a:latin typeface="Consolas" panose="020B0609020204030204" pitchFamily="49" charset="0"/>
+                <a:cs typeface="Courier New" panose="02070309020205020404" pitchFamily="49" charset="0"/>
+              </a:rPr>
+              <a:t>(3)</a:t>
+            </a:r>
+            <a:endParaRPr lang="en-US" sz="1600" dirty="0">
+              <a:latin typeface="Consolas" panose="020B0609020204030204" pitchFamily="49" charset="0"/>
+            </a:endParaRPr>
+          </a:p>
+        </p:txBody>
+      </p:sp>
+      <p:sp>
+        <p:nvSpPr>
+          <p:cNvPr id="9" name="Rectangle 8"/>
+          <p:cNvSpPr/>
+          <p:nvPr/>
+        </p:nvSpPr>
+        <p:spPr>
+          <a:xfrm>
+            <a:off x="1250414" y="3101585"/>
+            <a:ext cx="521297" cy="338554"/>
+          </a:xfrm>
+          <a:prstGeom prst="rect">
+            <a:avLst/>
+          </a:prstGeom>
+        </p:spPr>
+        <p:txBody>
+          <a:bodyPr wrap="none">
+            <a:spAutoFit/>
+          </a:bodyPr>
+          <a:lstStyle/>
+          <a:p>
+            <a:r>
+              <a:rPr lang="en-US" sz="1600" dirty="0" smtClean="0">
+                <a:solidFill>
+                  <a:prstClr val="black"/>
+                </a:solidFill>
+                <a:latin typeface="Consolas" panose="020B0609020204030204" pitchFamily="49" charset="0"/>
+                <a:cs typeface="Courier New" panose="02070309020205020404" pitchFamily="49" charset="0"/>
+              </a:rPr>
+              <a:t>(4)</a:t>
+            </a:r>
+            <a:endParaRPr lang="en-US" sz="1600" dirty="0">
+              <a:latin typeface="Consolas" panose="020B0609020204030204" pitchFamily="49" charset="0"/>
+            </a:endParaRPr>
+          </a:p>
+        </p:txBody>
+      </p:sp>
+      <p:sp>
+        <p:nvSpPr>
+          <p:cNvPr id="10" name="Rectangle 9"/>
+          <p:cNvSpPr/>
+          <p:nvPr/>
+        </p:nvSpPr>
+        <p:spPr>
+          <a:xfrm>
+            <a:off x="1241925" y="3457204"/>
+            <a:ext cx="521297" cy="338554"/>
+          </a:xfrm>
+          <a:prstGeom prst="rect">
+            <a:avLst/>
+          </a:prstGeom>
+        </p:spPr>
+        <p:txBody>
+          <a:bodyPr wrap="none">
+            <a:spAutoFit/>
+          </a:bodyPr>
+          <a:lstStyle/>
+          <a:p>
+            <a:r>
+              <a:rPr lang="en-US" sz="1600" dirty="0" smtClean="0">
+                <a:solidFill>
+                  <a:prstClr val="black"/>
+                </a:solidFill>
+                <a:latin typeface="Consolas" panose="020B0609020204030204" pitchFamily="49" charset="0"/>
+                <a:cs typeface="Courier New" panose="02070309020205020404" pitchFamily="49" charset="0"/>
+              </a:rPr>
+              <a:t>(5)</a:t>
+            </a:r>
+            <a:endParaRPr lang="en-US" sz="1600" dirty="0">
+              <a:latin typeface="Consolas" panose="020B0609020204030204" pitchFamily="49" charset="0"/>
+            </a:endParaRPr>
+          </a:p>
+        </p:txBody>
+      </p:sp>
+      <p:sp>
+        <p:nvSpPr>
+          <p:cNvPr id="11" name="Rectangle 10"/>
+          <p:cNvSpPr/>
+          <p:nvPr/>
+        </p:nvSpPr>
+        <p:spPr>
+          <a:xfrm>
+            <a:off x="1250414" y="3837662"/>
+            <a:ext cx="521297" cy="338554"/>
+          </a:xfrm>
+          <a:prstGeom prst="rect">
+            <a:avLst/>
+          </a:prstGeom>
+        </p:spPr>
+        <p:txBody>
+          <a:bodyPr wrap="none">
+            <a:spAutoFit/>
+          </a:bodyPr>
+          <a:lstStyle/>
+          <a:p>
+            <a:r>
+              <a:rPr lang="en-US" sz="1600" dirty="0" smtClean="0">
+                <a:solidFill>
+                  <a:prstClr val="black"/>
+                </a:solidFill>
+                <a:latin typeface="Consolas" panose="020B0609020204030204" pitchFamily="49" charset="0"/>
+                <a:cs typeface="Courier New" panose="02070309020205020404" pitchFamily="49" charset="0"/>
+              </a:rPr>
+              <a:t>(6)</a:t>
+            </a:r>
+            <a:endParaRPr lang="en-US" sz="1600" dirty="0">
+              <a:latin typeface="Consolas" panose="020B0609020204030204" pitchFamily="49" charset="0"/>
+            </a:endParaRPr>
+          </a:p>
+        </p:txBody>
+      </p:sp>
+      <p:sp>
+        <p:nvSpPr>
+          <p:cNvPr id="12" name="Rectangle 11"/>
+          <p:cNvSpPr/>
+          <p:nvPr/>
+        </p:nvSpPr>
+        <p:spPr>
+          <a:xfrm>
+            <a:off x="1250414" y="4185768"/>
+            <a:ext cx="521297" cy="338554"/>
+          </a:xfrm>
+          <a:prstGeom prst="rect">
+            <a:avLst/>
+          </a:prstGeom>
+        </p:spPr>
+        <p:txBody>
+          <a:bodyPr wrap="none">
+            <a:spAutoFit/>
+          </a:bodyPr>
+          <a:lstStyle/>
+          <a:p>
+            <a:r>
+              <a:rPr lang="en-US" sz="1600" dirty="0" smtClean="0">
+                <a:solidFill>
+                  <a:prstClr val="black"/>
+                </a:solidFill>
+                <a:latin typeface="Consolas" panose="020B0609020204030204" pitchFamily="49" charset="0"/>
+                <a:cs typeface="Courier New" panose="02070309020205020404" pitchFamily="49" charset="0"/>
+              </a:rPr>
+              <a:t>(7)</a:t>
+            </a:r>
+            <a:endParaRPr lang="en-US" sz="1600" dirty="0">
+              <a:latin typeface="Consolas" panose="020B0609020204030204" pitchFamily="49" charset="0"/>
+            </a:endParaRPr>
+          </a:p>
+        </p:txBody>
+      </p:sp>
+      <p:sp>
+        <p:nvSpPr>
+          <p:cNvPr id="13" name="Rectangle 12"/>
+          <p:cNvSpPr/>
+          <p:nvPr/>
+        </p:nvSpPr>
+        <p:spPr>
+          <a:xfrm>
+            <a:off x="1106424" y="129396"/>
+            <a:ext cx="6600376" cy="6455703"/>
+          </a:xfrm>
+          <a:prstGeom prst="rect">
+            <a:avLst/>
+          </a:prstGeom>
+          <a:noFill/>
+          <a:ln>
+            <a:solidFill>
+              <a:schemeClr val="tx1"/>
+            </a:solidFill>
+          </a:ln>
+        </p:spPr>
+        <p:style>
+          <a:lnRef idx="2">
+            <a:schemeClr val="accent1">
+              <a:shade val="50000"/>
+            </a:schemeClr>
+          </a:lnRef>
+          <a:fillRef idx="1">
+            <a:schemeClr val="accent1"/>
+          </a:fillRef>
+          <a:effectRef idx="0">
+            <a:schemeClr val="accent1"/>
+          </a:effectRef>
+          <a:fontRef idx="minor">
+            <a:schemeClr val="lt1"/>
+          </a:fontRef>
+        </p:style>
+        <p:txBody>
+          <a:bodyPr rtlCol="0" anchor="ctr"/>
+          <a:lstStyle/>
+          <a:p>
+            <a:pPr algn="ctr"/>
+            <a:endParaRPr lang="en-US">
+              <a:latin typeface="Consolas" panose="020B0609020204030204" pitchFamily="49" charset="0"/>
+              <a:cs typeface="Courier New" panose="02070309020205020404" pitchFamily="49" charset="0"/>
+            </a:endParaRPr>
+          </a:p>
+        </p:txBody>
+      </p:sp>
+      <p:sp>
+        <p:nvSpPr>
+          <p:cNvPr id="2" name="Rectangle 1"/>
+          <p:cNvSpPr/>
+          <p:nvPr/>
+        </p:nvSpPr>
+        <p:spPr>
+          <a:xfrm>
+            <a:off x="1235524" y="364183"/>
+            <a:ext cx="6471276" cy="369332"/>
+          </a:xfrm>
+          <a:prstGeom prst="rect">
+            <a:avLst/>
+          </a:prstGeom>
+        </p:spPr>
+        <p:txBody>
+          <a:bodyPr wrap="square">
+            <a:spAutoFit/>
+          </a:bodyPr>
+          <a:lstStyle/>
+          <a:p>
+            <a:r>
+              <a:rPr lang="en-US" b="1" dirty="0">
+                <a:solidFill>
+                  <a:srgbClr val="993366"/>
+                </a:solidFill>
+                <a:latin typeface="Consolas" panose="020B0609020204030204" pitchFamily="49" charset="0"/>
+                <a:cs typeface="Courier New" panose="02070309020205020404" pitchFamily="49" charset="0"/>
+              </a:rPr>
+              <a:t>node</a:t>
+            </a:r>
+            <a:r>
+              <a:rPr lang="en-US" dirty="0">
+                <a:latin typeface="Consolas" panose="020B0609020204030204" pitchFamily="49" charset="0"/>
+                <a:cs typeface="Courier New" panose="02070309020205020404" pitchFamily="49" charset="0"/>
+              </a:rPr>
+              <a:t> </a:t>
+            </a:r>
+            <a:r>
+              <a:rPr lang="en-US" dirty="0" err="1" smtClean="0">
+                <a:latin typeface="Consolas" panose="020B0609020204030204" pitchFamily="49" charset="0"/>
+                <a:cs typeface="Courier New" panose="02070309020205020404" pitchFamily="49" charset="0"/>
+              </a:rPr>
+              <a:t>asw</a:t>
+            </a:r>
+            <a:r>
+              <a:rPr lang="en-US" dirty="0" smtClean="0">
+                <a:latin typeface="Consolas" panose="020B0609020204030204" pitchFamily="49" charset="0"/>
+                <a:cs typeface="Courier New" panose="02070309020205020404" pitchFamily="49" charset="0"/>
+              </a:rPr>
+              <a:t> </a:t>
+            </a:r>
+            <a:r>
+              <a:rPr lang="en-US" b="1" dirty="0" smtClean="0">
+                <a:solidFill>
+                  <a:srgbClr val="993366"/>
+                </a:solidFill>
+                <a:latin typeface="Consolas" panose="020B0609020204030204" pitchFamily="49" charset="0"/>
+                <a:cs typeface="Courier New" panose="02070309020205020404" pitchFamily="49" charset="0"/>
+              </a:rPr>
+              <a:t>(</a:t>
+            </a:r>
+            <a:r>
+              <a:rPr lang="en-US" dirty="0">
+                <a:latin typeface="Consolas" panose="020B0609020204030204" pitchFamily="49" charset="0"/>
+                <a:cs typeface="Courier New" panose="02070309020205020404" pitchFamily="49" charset="0"/>
+              </a:rPr>
+              <a:t>alt1</a:t>
+            </a:r>
+            <a:r>
+              <a:rPr lang="en-US" b="1" dirty="0">
+                <a:solidFill>
+                  <a:srgbClr val="993366"/>
+                </a:solidFill>
+                <a:latin typeface="Consolas" panose="020B0609020204030204" pitchFamily="49" charset="0"/>
+                <a:cs typeface="Courier New" panose="02070309020205020404" pitchFamily="49" charset="0"/>
+              </a:rPr>
+              <a:t>,</a:t>
+            </a:r>
+            <a:r>
+              <a:rPr lang="en-US" dirty="0">
+                <a:latin typeface="Consolas" panose="020B0609020204030204" pitchFamily="49" charset="0"/>
+                <a:cs typeface="Courier New" panose="02070309020205020404" pitchFamily="49" charset="0"/>
+              </a:rPr>
+              <a:t> alt2</a:t>
+            </a:r>
+            <a:r>
+              <a:rPr lang="en-US" b="1" dirty="0">
+                <a:solidFill>
+                  <a:srgbClr val="993366"/>
+                </a:solidFill>
+                <a:latin typeface="Consolas" panose="020B0609020204030204" pitchFamily="49" charset="0"/>
+                <a:cs typeface="Courier New" panose="02070309020205020404" pitchFamily="49" charset="0"/>
+              </a:rPr>
+              <a:t>: </a:t>
+            </a:r>
+            <a:r>
+              <a:rPr lang="en-US" b="1" dirty="0" err="1" smtClean="0">
+                <a:solidFill>
+                  <a:srgbClr val="993366"/>
+                </a:solidFill>
+                <a:latin typeface="Consolas" panose="020B0609020204030204" pitchFamily="49" charset="0"/>
+                <a:cs typeface="Courier New" panose="02070309020205020404" pitchFamily="49" charset="0"/>
+              </a:rPr>
+              <a:t>int</a:t>
+            </a:r>
+            <a:r>
+              <a:rPr lang="en-US" b="1" dirty="0" smtClean="0">
+                <a:solidFill>
+                  <a:srgbClr val="993366"/>
+                </a:solidFill>
+                <a:latin typeface="Consolas" panose="020B0609020204030204" pitchFamily="49" charset="0"/>
+                <a:cs typeface="Courier New" panose="02070309020205020404" pitchFamily="49" charset="0"/>
+              </a:rPr>
+              <a:t>) returns </a:t>
+            </a:r>
+            <a:r>
+              <a:rPr lang="en-US" b="1" dirty="0">
+                <a:solidFill>
+                  <a:srgbClr val="993366"/>
+                </a:solidFill>
+                <a:latin typeface="Consolas" panose="020B0609020204030204" pitchFamily="49" charset="0"/>
+                <a:cs typeface="Courier New" panose="02070309020205020404" pitchFamily="49" charset="0"/>
+              </a:rPr>
+              <a:t>(</a:t>
+            </a:r>
+            <a:r>
+              <a:rPr lang="en-US" dirty="0" err="1">
+                <a:latin typeface="Consolas" panose="020B0609020204030204" pitchFamily="49" charset="0"/>
+                <a:cs typeface="Courier New" panose="02070309020205020404" pitchFamily="49" charset="0"/>
+              </a:rPr>
+              <a:t>doi_on</a:t>
+            </a:r>
+            <a:r>
+              <a:rPr lang="en-US" b="1" dirty="0">
+                <a:solidFill>
+                  <a:srgbClr val="993366"/>
+                </a:solidFill>
+                <a:latin typeface="Consolas" panose="020B0609020204030204" pitchFamily="49" charset="0"/>
+                <a:cs typeface="Courier New" panose="02070309020205020404" pitchFamily="49" charset="0"/>
+              </a:rPr>
+              <a:t>: bool);</a:t>
+            </a:r>
+          </a:p>
+        </p:txBody>
+      </p:sp>
+      <p:sp>
+        <p:nvSpPr>
+          <p:cNvPr id="14" name="Rectangle 13"/>
+          <p:cNvSpPr/>
+          <p:nvPr/>
+        </p:nvSpPr>
+        <p:spPr>
+          <a:xfrm>
+            <a:off x="1250414" y="5274391"/>
+            <a:ext cx="521297" cy="338554"/>
+          </a:xfrm>
+          <a:prstGeom prst="rect">
+            <a:avLst/>
+          </a:prstGeom>
+        </p:spPr>
+        <p:txBody>
+          <a:bodyPr wrap="none">
+            <a:spAutoFit/>
+          </a:bodyPr>
+          <a:lstStyle/>
+          <a:p>
+            <a:r>
+              <a:rPr lang="en-US" sz="1600" dirty="0" smtClean="0">
+                <a:solidFill>
+                  <a:prstClr val="black"/>
+                </a:solidFill>
+                <a:latin typeface="Consolas" panose="020B0609020204030204" pitchFamily="49" charset="0"/>
+                <a:cs typeface="Courier New" panose="02070309020205020404" pitchFamily="49" charset="0"/>
+              </a:rPr>
+              <a:t>(8)</a:t>
+            </a:r>
+            <a:endParaRPr lang="en-US" sz="1600" dirty="0">
+              <a:latin typeface="Consolas" panose="020B0609020204030204" pitchFamily="49" charset="0"/>
+            </a:endParaRPr>
+          </a:p>
+        </p:txBody>
+      </p:sp>
+    </p:spTree>
+    <p:extLst>
+      <p:ext uri="{BB962C8B-B14F-4D97-AF65-F5344CB8AC3E}">
+        <p14:creationId xmlns:p14="http://schemas.microsoft.com/office/powerpoint/2010/main" val="3616894900"/>
+      </p:ext>
+    </p:extLst>
+  </p:cSld>
+  <p:clrMapOvr>
+    <a:masterClrMapping/>
+  </p:clrMapOvr>
+</p:sld>
+</file>
+
+<file path=ppt/slides/slide7.xml><?xml version="1.0" encoding="utf-8"?>
+<p:sld xmlns:a="http://schemas.openxmlformats.org/drawingml/2006/main" xmlns:r="http://schemas.openxmlformats.org/officeDocument/2006/relationships" xmlns:p="http://schemas.openxmlformats.org/presentationml/2006/main">
+  <p:cSld>
+    <p:spTree>
+      <p:nvGrpSpPr>
+        <p:cNvPr id="1" name=""/>
+        <p:cNvGrpSpPr/>
+        <p:nvPr/>
+      </p:nvGrpSpPr>
+      <p:grpSpPr>
+        <a:xfrm>
+          <a:off x="0" y="0"/>
+          <a:ext cx="0" cy="0"/>
+          <a:chOff x="0" y="0"/>
+          <a:chExt cx="0" cy="0"/>
+        </a:xfrm>
+      </p:grpSpPr>
+      <p:sp>
+        <p:nvSpPr>
           <p:cNvPr id="4" name="Content Placeholder 2"/>
           <p:cNvSpPr>
             <a:spLocks noGrp="1"/>
@@ -9742,7 +12755,1706 @@
 </p:sld>
 </file>
 
-<file path=ppt/slides/slide7.xml><?xml version="1.0" encoding="utf-8"?>
+<file path=ppt/slides/slide8.xml><?xml version="1.0" encoding="utf-8"?>
+<p:sld xmlns:a="http://schemas.openxmlformats.org/drawingml/2006/main" xmlns:r="http://schemas.openxmlformats.org/officeDocument/2006/relationships" xmlns:p="http://schemas.openxmlformats.org/presentationml/2006/main">
+  <p:cSld>
+    <p:spTree>
+      <p:nvGrpSpPr>
+        <p:cNvPr id="1" name=""/>
+        <p:cNvGrpSpPr/>
+        <p:nvPr/>
+      </p:nvGrpSpPr>
+      <p:grpSpPr>
+        <a:xfrm>
+          <a:off x="0" y="0"/>
+          <a:ext cx="0" cy="0"/>
+          <a:chOff x="0" y="0"/>
+          <a:chExt cx="0" cy="0"/>
+        </a:xfrm>
+      </p:grpSpPr>
+      <p:sp>
+        <p:nvSpPr>
+          <p:cNvPr id="4" name="Content Placeholder 2"/>
+          <p:cNvSpPr>
+            <a:spLocks noGrp="1"/>
+          </p:cNvSpPr>
+          <p:nvPr/>
+        </p:nvSpPr>
+        <p:spPr>
+          <a:xfrm>
+            <a:off x="1246588" y="257345"/>
+            <a:ext cx="2670988" cy="4180184"/>
+          </a:xfrm>
+          <a:prstGeom prst="rect">
+            <a:avLst/>
+          </a:prstGeom>
+        </p:spPr>
+        <p:txBody>
+          <a:bodyPr vert="horz" lIns="91440" tIns="45720" rIns="91440" bIns="45720" rtlCol="0">
+            <a:noAutofit/>
+          </a:bodyPr>
+          <a:lstStyle>
+            <a:lvl1pPr marL="228600" indent="-228600" algn="l" defTabSz="914400" rtl="0" eaLnBrk="1" latinLnBrk="0" hangingPunct="1">
+              <a:lnSpc>
+                <a:spcPct val="90000"/>
+              </a:lnSpc>
+              <a:spcBef>
+                <a:spcPts val="1000"/>
+              </a:spcBef>
+              <a:buFont typeface="Arial" panose="020B0604020202020204" pitchFamily="34" charset="0"/>
+              <a:buChar char="•"/>
+              <a:defRPr sz="2800" kern="1200">
+                <a:solidFill>
+                  <a:schemeClr val="tx1"/>
+                </a:solidFill>
+                <a:latin typeface="+mn-lt"/>
+                <a:ea typeface="+mn-ea"/>
+                <a:cs typeface="+mn-cs"/>
+              </a:defRPr>
+            </a:lvl1pPr>
+            <a:lvl2pPr marL="685800" indent="-228600" algn="l" defTabSz="914400" rtl="0" eaLnBrk="1" latinLnBrk="0" hangingPunct="1">
+              <a:lnSpc>
+                <a:spcPct val="90000"/>
+              </a:lnSpc>
+              <a:spcBef>
+                <a:spcPts val="500"/>
+              </a:spcBef>
+              <a:buFont typeface="Arial" panose="020B0604020202020204" pitchFamily="34" charset="0"/>
+              <a:buChar char="•"/>
+              <a:defRPr sz="2400" kern="1200">
+                <a:solidFill>
+                  <a:schemeClr val="tx1"/>
+                </a:solidFill>
+                <a:latin typeface="+mn-lt"/>
+                <a:ea typeface="+mn-ea"/>
+                <a:cs typeface="+mn-cs"/>
+              </a:defRPr>
+            </a:lvl2pPr>
+            <a:lvl3pPr marL="1143000" indent="-228600" algn="l" defTabSz="914400" rtl="0" eaLnBrk="1" latinLnBrk="0" hangingPunct="1">
+              <a:lnSpc>
+                <a:spcPct val="90000"/>
+              </a:lnSpc>
+              <a:spcBef>
+                <a:spcPts val="500"/>
+              </a:spcBef>
+              <a:buFont typeface="Arial" panose="020B0604020202020204" pitchFamily="34" charset="0"/>
+              <a:buChar char="•"/>
+              <a:defRPr sz="2000" kern="1200">
+                <a:solidFill>
+                  <a:schemeClr val="tx1"/>
+                </a:solidFill>
+                <a:latin typeface="+mn-lt"/>
+                <a:ea typeface="+mn-ea"/>
+                <a:cs typeface="+mn-cs"/>
+              </a:defRPr>
+            </a:lvl3pPr>
+            <a:lvl4pPr marL="1600200" indent="-228600" algn="l" defTabSz="914400" rtl="0" eaLnBrk="1" latinLnBrk="0" hangingPunct="1">
+              <a:lnSpc>
+                <a:spcPct val="90000"/>
+              </a:lnSpc>
+              <a:spcBef>
+                <a:spcPts val="500"/>
+              </a:spcBef>
+              <a:buFont typeface="Arial" panose="020B0604020202020204" pitchFamily="34" charset="0"/>
+              <a:buChar char="•"/>
+              <a:defRPr sz="1800" kern="1200">
+                <a:solidFill>
+                  <a:schemeClr val="tx1"/>
+                </a:solidFill>
+                <a:latin typeface="+mn-lt"/>
+                <a:ea typeface="+mn-ea"/>
+                <a:cs typeface="+mn-cs"/>
+              </a:defRPr>
+            </a:lvl4pPr>
+            <a:lvl5pPr marL="2057400" indent="-228600" algn="l" defTabSz="914400" rtl="0" eaLnBrk="1" latinLnBrk="0" hangingPunct="1">
+              <a:lnSpc>
+                <a:spcPct val="90000"/>
+              </a:lnSpc>
+              <a:spcBef>
+                <a:spcPts val="500"/>
+              </a:spcBef>
+              <a:buFont typeface="Arial" panose="020B0604020202020204" pitchFamily="34" charset="0"/>
+              <a:buChar char="•"/>
+              <a:defRPr sz="1800" kern="1200">
+                <a:solidFill>
+                  <a:schemeClr val="tx1"/>
+                </a:solidFill>
+                <a:latin typeface="+mn-lt"/>
+                <a:ea typeface="+mn-ea"/>
+                <a:cs typeface="+mn-cs"/>
+              </a:defRPr>
+            </a:lvl5pPr>
+            <a:lvl6pPr marL="2514600" indent="-228600" algn="l" defTabSz="914400" rtl="0" eaLnBrk="1" latinLnBrk="0" hangingPunct="1">
+              <a:lnSpc>
+                <a:spcPct val="90000"/>
+              </a:lnSpc>
+              <a:spcBef>
+                <a:spcPts val="500"/>
+              </a:spcBef>
+              <a:buFont typeface="Arial" panose="020B0604020202020204" pitchFamily="34" charset="0"/>
+              <a:buChar char="•"/>
+              <a:defRPr sz="1800" kern="1200">
+                <a:solidFill>
+                  <a:schemeClr val="tx1"/>
+                </a:solidFill>
+                <a:latin typeface="+mn-lt"/>
+                <a:ea typeface="+mn-ea"/>
+                <a:cs typeface="+mn-cs"/>
+              </a:defRPr>
+            </a:lvl6pPr>
+            <a:lvl7pPr marL="2971800" indent="-228600" algn="l" defTabSz="914400" rtl="0" eaLnBrk="1" latinLnBrk="0" hangingPunct="1">
+              <a:lnSpc>
+                <a:spcPct val="90000"/>
+              </a:lnSpc>
+              <a:spcBef>
+                <a:spcPts val="500"/>
+              </a:spcBef>
+              <a:buFont typeface="Arial" panose="020B0604020202020204" pitchFamily="34" charset="0"/>
+              <a:buChar char="•"/>
+              <a:defRPr sz="1800" kern="1200">
+                <a:solidFill>
+                  <a:schemeClr val="tx1"/>
+                </a:solidFill>
+                <a:latin typeface="+mn-lt"/>
+                <a:ea typeface="+mn-ea"/>
+                <a:cs typeface="+mn-cs"/>
+              </a:defRPr>
+            </a:lvl7pPr>
+            <a:lvl8pPr marL="3429000" indent="-228600" algn="l" defTabSz="914400" rtl="0" eaLnBrk="1" latinLnBrk="0" hangingPunct="1">
+              <a:lnSpc>
+                <a:spcPct val="90000"/>
+              </a:lnSpc>
+              <a:spcBef>
+                <a:spcPts val="500"/>
+              </a:spcBef>
+              <a:buFont typeface="Arial" panose="020B0604020202020204" pitchFamily="34" charset="0"/>
+              <a:buChar char="•"/>
+              <a:defRPr sz="1800" kern="1200">
+                <a:solidFill>
+                  <a:schemeClr val="tx1"/>
+                </a:solidFill>
+                <a:latin typeface="+mn-lt"/>
+                <a:ea typeface="+mn-ea"/>
+                <a:cs typeface="+mn-cs"/>
+              </a:defRPr>
+            </a:lvl8pPr>
+            <a:lvl9pPr marL="3886200" indent="-228600" algn="l" defTabSz="914400" rtl="0" eaLnBrk="1" latinLnBrk="0" hangingPunct="1">
+              <a:lnSpc>
+                <a:spcPct val="90000"/>
+              </a:lnSpc>
+              <a:spcBef>
+                <a:spcPts val="500"/>
+              </a:spcBef>
+              <a:buFont typeface="Arial" panose="020B0604020202020204" pitchFamily="34" charset="0"/>
+              <a:buChar char="•"/>
+              <a:defRPr sz="1800" kern="1200">
+                <a:solidFill>
+                  <a:schemeClr val="tx1"/>
+                </a:solidFill>
+                <a:latin typeface="+mn-lt"/>
+                <a:ea typeface="+mn-ea"/>
+                <a:cs typeface="+mn-cs"/>
+              </a:defRPr>
+            </a:lvl9pPr>
+          </a:lstStyle>
+          <a:p>
+            <a:pPr marL="0" indent="0">
+              <a:lnSpc>
+                <a:spcPct val="120000"/>
+              </a:lnSpc>
+              <a:spcBef>
+                <a:spcPts val="400"/>
+              </a:spcBef>
+              <a:buNone/>
+            </a:pPr>
+            <a:r>
+              <a:rPr lang="en-US" sz="1800" dirty="0" smtClean="0">
+                <a:latin typeface="Consolas" panose="020B0609020204030204" pitchFamily="49" charset="0"/>
+                <a:cs typeface="Courier New" panose="02070309020205020404" pitchFamily="49" charset="0"/>
+              </a:rPr>
+              <a:t>1. read </a:t>
+            </a:r>
+            <a:r>
+              <a:rPr lang="en-US" sz="1800" dirty="0">
+                <a:latin typeface="Consolas" panose="020B0609020204030204" pitchFamily="49" charset="0"/>
+                <a:cs typeface="Courier New" panose="02070309020205020404" pitchFamily="49" charset="0"/>
+              </a:rPr>
+              <a:t>(n)</a:t>
+            </a:r>
+          </a:p>
+          <a:p>
+            <a:pPr marL="0" indent="0">
+              <a:lnSpc>
+                <a:spcPct val="120000"/>
+              </a:lnSpc>
+              <a:spcBef>
+                <a:spcPts val="400"/>
+              </a:spcBef>
+              <a:buNone/>
+            </a:pPr>
+            <a:r>
+              <a:rPr lang="en-US" sz="1800" dirty="0">
+                <a:latin typeface="Consolas" panose="020B0609020204030204" pitchFamily="49" charset="0"/>
+                <a:cs typeface="Courier New" panose="02070309020205020404" pitchFamily="49" charset="0"/>
+              </a:rPr>
+              <a:t>2. </a:t>
+            </a:r>
+            <a:r>
+              <a:rPr lang="en-US" sz="1800" dirty="0" err="1">
+                <a:latin typeface="Consolas" panose="020B0609020204030204" pitchFamily="49" charset="0"/>
+                <a:cs typeface="Courier New" panose="02070309020205020404" pitchFamily="49" charset="0"/>
+              </a:rPr>
+              <a:t>i</a:t>
+            </a:r>
+            <a:r>
+              <a:rPr lang="en-US" sz="1800" dirty="0">
+                <a:latin typeface="Consolas" panose="020B0609020204030204" pitchFamily="49" charset="0"/>
+                <a:cs typeface="Courier New" panose="02070309020205020404" pitchFamily="49" charset="0"/>
+              </a:rPr>
+              <a:t> := 1</a:t>
+            </a:r>
+          </a:p>
+          <a:p>
+            <a:pPr marL="0" indent="0">
+              <a:lnSpc>
+                <a:spcPct val="120000"/>
+              </a:lnSpc>
+              <a:spcBef>
+                <a:spcPts val="400"/>
+              </a:spcBef>
+              <a:buNone/>
+            </a:pPr>
+            <a:r>
+              <a:rPr lang="en-US" sz="1800" dirty="0">
+                <a:latin typeface="Consolas" panose="020B0609020204030204" pitchFamily="49" charset="0"/>
+                <a:cs typeface="Courier New" panose="02070309020205020404" pitchFamily="49" charset="0"/>
+              </a:rPr>
+              <a:t>3. </a:t>
+            </a:r>
+            <a:r>
+              <a:rPr lang="en-US" sz="1800" dirty="0" smtClean="0">
+                <a:latin typeface="Consolas" panose="020B0609020204030204" pitchFamily="49" charset="0"/>
+                <a:cs typeface="Courier New" panose="02070309020205020404" pitchFamily="49" charset="0"/>
+              </a:rPr>
+              <a:t>a </a:t>
+            </a:r>
+            <a:r>
+              <a:rPr lang="en-US" sz="1800" dirty="0">
+                <a:latin typeface="Consolas" panose="020B0609020204030204" pitchFamily="49" charset="0"/>
+                <a:cs typeface="Courier New" panose="02070309020205020404" pitchFamily="49" charset="0"/>
+              </a:rPr>
+              <a:t>:= 0</a:t>
+            </a:r>
+          </a:p>
+          <a:p>
+            <a:pPr marL="0" indent="0">
+              <a:lnSpc>
+                <a:spcPct val="120000"/>
+              </a:lnSpc>
+              <a:spcBef>
+                <a:spcPts val="400"/>
+              </a:spcBef>
+              <a:buNone/>
+            </a:pPr>
+            <a:r>
+              <a:rPr lang="en-US" sz="1800" dirty="0">
+                <a:latin typeface="Consolas" panose="020B0609020204030204" pitchFamily="49" charset="0"/>
+                <a:cs typeface="Courier New" panose="02070309020205020404" pitchFamily="49" charset="0"/>
+              </a:rPr>
+              <a:t>4. </a:t>
+            </a:r>
+            <a:r>
+              <a:rPr lang="en-US" sz="1800" dirty="0" smtClean="0">
+                <a:latin typeface="Consolas" panose="020B0609020204030204" pitchFamily="49" charset="0"/>
+                <a:cs typeface="Courier New" panose="02070309020205020404" pitchFamily="49" charset="0"/>
+              </a:rPr>
+              <a:t>b </a:t>
+            </a:r>
+            <a:r>
+              <a:rPr lang="en-US" sz="1800" dirty="0">
+                <a:latin typeface="Consolas" panose="020B0609020204030204" pitchFamily="49" charset="0"/>
+                <a:cs typeface="Courier New" panose="02070309020205020404" pitchFamily="49" charset="0"/>
+              </a:rPr>
+              <a:t>:= 1</a:t>
+            </a:r>
+          </a:p>
+          <a:p>
+            <a:pPr marL="0" indent="0">
+              <a:lnSpc>
+                <a:spcPct val="120000"/>
+              </a:lnSpc>
+              <a:spcBef>
+                <a:spcPts val="400"/>
+              </a:spcBef>
+              <a:buNone/>
+            </a:pPr>
+            <a:r>
+              <a:rPr lang="en-US" sz="1800" dirty="0">
+                <a:latin typeface="Consolas" panose="020B0609020204030204" pitchFamily="49" charset="0"/>
+                <a:cs typeface="Courier New" panose="02070309020205020404" pitchFamily="49" charset="0"/>
+              </a:rPr>
+              <a:t>5</a:t>
+            </a:r>
+            <a:r>
+              <a:rPr lang="en-US" sz="1800" dirty="0" smtClean="0">
+                <a:latin typeface="Consolas" panose="020B0609020204030204" pitchFamily="49" charset="0"/>
+                <a:cs typeface="Courier New" panose="02070309020205020404" pitchFamily="49" charset="0"/>
+              </a:rPr>
+              <a:t>. while </a:t>
+            </a:r>
+            <a:r>
+              <a:rPr lang="en-US" sz="1800" dirty="0" err="1">
+                <a:latin typeface="Consolas" panose="020B0609020204030204" pitchFamily="49" charset="0"/>
+                <a:cs typeface="Courier New" panose="02070309020205020404" pitchFamily="49" charset="0"/>
+              </a:rPr>
+              <a:t>i</a:t>
+            </a:r>
+            <a:r>
+              <a:rPr lang="en-US" sz="1800" dirty="0">
+                <a:latin typeface="Consolas" panose="020B0609020204030204" pitchFamily="49" charset="0"/>
+                <a:cs typeface="Courier New" panose="02070309020205020404" pitchFamily="49" charset="0"/>
+              </a:rPr>
+              <a:t> &lt;= n do</a:t>
+            </a:r>
+          </a:p>
+          <a:p>
+            <a:pPr marL="0" indent="0">
+              <a:lnSpc>
+                <a:spcPct val="120000"/>
+              </a:lnSpc>
+              <a:spcBef>
+                <a:spcPts val="400"/>
+              </a:spcBef>
+              <a:buNone/>
+            </a:pPr>
+            <a:r>
+              <a:rPr lang="en-US" sz="1800" dirty="0">
+                <a:latin typeface="Consolas" panose="020B0609020204030204" pitchFamily="49" charset="0"/>
+                <a:cs typeface="Courier New" panose="02070309020205020404" pitchFamily="49" charset="0"/>
+              </a:rPr>
+              <a:t>6. </a:t>
+            </a:r>
+            <a:r>
+              <a:rPr lang="en-US" sz="1800" dirty="0" smtClean="0">
+                <a:latin typeface="Consolas" panose="020B0609020204030204" pitchFamily="49" charset="0"/>
+                <a:cs typeface="Courier New" panose="02070309020205020404" pitchFamily="49" charset="0"/>
+              </a:rPr>
+              <a:t>   a </a:t>
+            </a:r>
+            <a:r>
+              <a:rPr lang="en-US" sz="1800" dirty="0">
+                <a:latin typeface="Consolas" panose="020B0609020204030204" pitchFamily="49" charset="0"/>
+                <a:cs typeface="Courier New" panose="02070309020205020404" pitchFamily="49" charset="0"/>
+              </a:rPr>
+              <a:t>:= </a:t>
+            </a:r>
+            <a:r>
+              <a:rPr lang="en-US" sz="1800" dirty="0" smtClean="0">
+                <a:latin typeface="Consolas" panose="020B0609020204030204" pitchFamily="49" charset="0"/>
+                <a:cs typeface="Courier New" panose="02070309020205020404" pitchFamily="49" charset="0"/>
+              </a:rPr>
+              <a:t>a </a:t>
+            </a:r>
+            <a:r>
+              <a:rPr lang="en-US" sz="1800" dirty="0">
+                <a:latin typeface="Consolas" panose="020B0609020204030204" pitchFamily="49" charset="0"/>
+                <a:cs typeface="Courier New" panose="02070309020205020404" pitchFamily="49" charset="0"/>
+              </a:rPr>
+              <a:t>+ </a:t>
+            </a:r>
+            <a:r>
+              <a:rPr lang="en-US" sz="1800" dirty="0" err="1">
+                <a:latin typeface="Consolas" panose="020B0609020204030204" pitchFamily="49" charset="0"/>
+                <a:cs typeface="Courier New" panose="02070309020205020404" pitchFamily="49" charset="0"/>
+              </a:rPr>
+              <a:t>i</a:t>
+            </a:r>
+            <a:endParaRPr lang="en-US" sz="1800" dirty="0">
+              <a:latin typeface="Consolas" panose="020B0609020204030204" pitchFamily="49" charset="0"/>
+              <a:cs typeface="Courier New" panose="02070309020205020404" pitchFamily="49" charset="0"/>
+            </a:endParaRPr>
+          </a:p>
+          <a:p>
+            <a:pPr marL="0" indent="0">
+              <a:lnSpc>
+                <a:spcPct val="120000"/>
+              </a:lnSpc>
+              <a:spcBef>
+                <a:spcPts val="400"/>
+              </a:spcBef>
+              <a:buNone/>
+            </a:pPr>
+            <a:r>
+              <a:rPr lang="en-US" sz="1800" dirty="0">
+                <a:latin typeface="Consolas" panose="020B0609020204030204" pitchFamily="49" charset="0"/>
+                <a:cs typeface="Courier New" panose="02070309020205020404" pitchFamily="49" charset="0"/>
+              </a:rPr>
+              <a:t>7. </a:t>
+            </a:r>
+            <a:r>
+              <a:rPr lang="en-US" sz="1800" dirty="0" smtClean="0">
+                <a:latin typeface="Consolas" panose="020B0609020204030204" pitchFamily="49" charset="0"/>
+                <a:cs typeface="Courier New" panose="02070309020205020404" pitchFamily="49" charset="0"/>
+              </a:rPr>
+              <a:t>   b </a:t>
+            </a:r>
+            <a:r>
+              <a:rPr lang="en-US" sz="1800" dirty="0">
+                <a:latin typeface="Consolas" panose="020B0609020204030204" pitchFamily="49" charset="0"/>
+                <a:cs typeface="Courier New" panose="02070309020205020404" pitchFamily="49" charset="0"/>
+              </a:rPr>
+              <a:t>:= </a:t>
+            </a:r>
+            <a:r>
+              <a:rPr lang="en-US" sz="1800" dirty="0" smtClean="0">
+                <a:latin typeface="Consolas" panose="020B0609020204030204" pitchFamily="49" charset="0"/>
+                <a:cs typeface="Courier New" panose="02070309020205020404" pitchFamily="49" charset="0"/>
+              </a:rPr>
+              <a:t>b - </a:t>
+            </a:r>
+            <a:r>
+              <a:rPr lang="en-US" sz="1800" dirty="0" err="1">
+                <a:latin typeface="Consolas" panose="020B0609020204030204" pitchFamily="49" charset="0"/>
+                <a:cs typeface="Courier New" panose="02070309020205020404" pitchFamily="49" charset="0"/>
+              </a:rPr>
+              <a:t>i</a:t>
+            </a:r>
+            <a:endParaRPr lang="en-US" sz="1800" dirty="0">
+              <a:latin typeface="Consolas" panose="020B0609020204030204" pitchFamily="49" charset="0"/>
+              <a:cs typeface="Courier New" panose="02070309020205020404" pitchFamily="49" charset="0"/>
+            </a:endParaRPr>
+          </a:p>
+          <a:p>
+            <a:pPr marL="0" indent="0">
+              <a:lnSpc>
+                <a:spcPct val="120000"/>
+              </a:lnSpc>
+              <a:spcBef>
+                <a:spcPts val="400"/>
+              </a:spcBef>
+              <a:buNone/>
+            </a:pPr>
+            <a:r>
+              <a:rPr lang="en-US" sz="1800" dirty="0" smtClean="0">
+                <a:latin typeface="Consolas" panose="020B0609020204030204" pitchFamily="49" charset="0"/>
+                <a:cs typeface="Courier New" panose="02070309020205020404" pitchFamily="49" charset="0"/>
+              </a:rPr>
+              <a:t>8.    </a:t>
+            </a:r>
+            <a:r>
+              <a:rPr lang="en-US" sz="1800" dirty="0" err="1" smtClean="0">
+                <a:latin typeface="Consolas" panose="020B0609020204030204" pitchFamily="49" charset="0"/>
+                <a:cs typeface="Courier New" panose="02070309020205020404" pitchFamily="49" charset="0"/>
+              </a:rPr>
+              <a:t>i</a:t>
+            </a:r>
+            <a:r>
+              <a:rPr lang="en-US" sz="1800" dirty="0" smtClean="0">
+                <a:latin typeface="Consolas" panose="020B0609020204030204" pitchFamily="49" charset="0"/>
+                <a:cs typeface="Courier New" panose="02070309020205020404" pitchFamily="49" charset="0"/>
+              </a:rPr>
+              <a:t> := </a:t>
+            </a:r>
+            <a:r>
+              <a:rPr lang="en-US" sz="1800" dirty="0" err="1" smtClean="0">
+                <a:latin typeface="Consolas" panose="020B0609020204030204" pitchFamily="49" charset="0"/>
+                <a:cs typeface="Courier New" panose="02070309020205020404" pitchFamily="49" charset="0"/>
+              </a:rPr>
+              <a:t>i</a:t>
+            </a:r>
+            <a:r>
+              <a:rPr lang="en-US" sz="1800" dirty="0" smtClean="0">
+                <a:latin typeface="Consolas" panose="020B0609020204030204" pitchFamily="49" charset="0"/>
+                <a:cs typeface="Courier New" panose="02070309020205020404" pitchFamily="49" charset="0"/>
+              </a:rPr>
+              <a:t> + 1</a:t>
+            </a:r>
+          </a:p>
+          <a:p>
+            <a:pPr marL="0" indent="0">
+              <a:lnSpc>
+                <a:spcPct val="120000"/>
+              </a:lnSpc>
+              <a:spcBef>
+                <a:spcPts val="400"/>
+              </a:spcBef>
+              <a:buNone/>
+            </a:pPr>
+            <a:r>
+              <a:rPr lang="en-US" sz="1800" dirty="0" smtClean="0">
+                <a:latin typeface="Consolas" panose="020B0609020204030204" pitchFamily="49" charset="0"/>
+                <a:cs typeface="Courier New" panose="02070309020205020404" pitchFamily="49" charset="0"/>
+              </a:rPr>
+              <a:t>9.  </a:t>
+            </a:r>
+            <a:r>
+              <a:rPr lang="en-US" sz="1800" dirty="0" err="1" smtClean="0">
+                <a:latin typeface="Consolas" panose="020B0609020204030204" pitchFamily="49" charset="0"/>
+                <a:cs typeface="Courier New" panose="02070309020205020404" pitchFamily="49" charset="0"/>
+              </a:rPr>
+              <a:t>ptint</a:t>
+            </a:r>
+            <a:r>
+              <a:rPr lang="en-US" sz="1800" dirty="0" smtClean="0">
+                <a:latin typeface="Consolas" panose="020B0609020204030204" pitchFamily="49" charset="0"/>
+                <a:cs typeface="Courier New" panose="02070309020205020404" pitchFamily="49" charset="0"/>
+              </a:rPr>
+              <a:t> (a)</a:t>
+            </a:r>
+            <a:endParaRPr lang="en-US" sz="1800" dirty="0">
+              <a:latin typeface="Consolas" panose="020B0609020204030204" pitchFamily="49" charset="0"/>
+              <a:cs typeface="Courier New" panose="02070309020205020404" pitchFamily="49" charset="0"/>
+            </a:endParaRPr>
+          </a:p>
+          <a:p>
+            <a:pPr marL="0" indent="0">
+              <a:lnSpc>
+                <a:spcPct val="120000"/>
+              </a:lnSpc>
+              <a:spcBef>
+                <a:spcPts val="400"/>
+              </a:spcBef>
+              <a:buNone/>
+            </a:pPr>
+            <a:r>
+              <a:rPr lang="en-US" sz="1800" dirty="0" smtClean="0">
+                <a:latin typeface="Consolas" panose="020B0609020204030204" pitchFamily="49" charset="0"/>
+                <a:cs typeface="Courier New" panose="02070309020205020404" pitchFamily="49" charset="0"/>
+              </a:rPr>
+              <a:t>10. print (b)</a:t>
+            </a:r>
+            <a:endParaRPr lang="en-US" sz="1800" dirty="0">
+              <a:latin typeface="Consolas" panose="020B0609020204030204" pitchFamily="49" charset="0"/>
+              <a:cs typeface="Courier New" panose="02070309020205020404" pitchFamily="49" charset="0"/>
+            </a:endParaRPr>
+          </a:p>
+        </p:txBody>
+      </p:sp>
+      <p:sp>
+        <p:nvSpPr>
+          <p:cNvPr id="7" name="Rectangle 6"/>
+          <p:cNvSpPr/>
+          <p:nvPr/>
+        </p:nvSpPr>
+        <p:spPr>
+          <a:xfrm>
+            <a:off x="744279" y="116542"/>
+            <a:ext cx="10129909" cy="5423022"/>
+          </a:xfrm>
+          <a:prstGeom prst="rect">
+            <a:avLst/>
+          </a:prstGeom>
+          <a:noFill/>
+          <a:ln>
+            <a:solidFill>
+              <a:schemeClr val="tx1"/>
+            </a:solidFill>
+          </a:ln>
+        </p:spPr>
+        <p:style>
+          <a:lnRef idx="2">
+            <a:schemeClr val="accent1">
+              <a:shade val="50000"/>
+            </a:schemeClr>
+          </a:lnRef>
+          <a:fillRef idx="1">
+            <a:schemeClr val="accent1"/>
+          </a:fillRef>
+          <a:effectRef idx="0">
+            <a:schemeClr val="accent1"/>
+          </a:effectRef>
+          <a:fontRef idx="minor">
+            <a:schemeClr val="lt1"/>
+          </a:fontRef>
+        </p:style>
+        <p:txBody>
+          <a:bodyPr rtlCol="0" anchor="ctr"/>
+          <a:lstStyle/>
+          <a:p>
+            <a:pPr algn="ctr"/>
+            <a:endParaRPr lang="en-US">
+              <a:latin typeface="Consolas" panose="020B0609020204030204" pitchFamily="49" charset="0"/>
+              <a:cs typeface="Courier New" panose="02070309020205020404" pitchFamily="49" charset="0"/>
+            </a:endParaRPr>
+          </a:p>
+        </p:txBody>
+      </p:sp>
+      <p:sp>
+        <p:nvSpPr>
+          <p:cNvPr id="17" name="Content Placeholder 2"/>
+          <p:cNvSpPr>
+            <a:spLocks noGrp="1"/>
+          </p:cNvSpPr>
+          <p:nvPr/>
+        </p:nvSpPr>
+        <p:spPr>
+          <a:xfrm>
+            <a:off x="4668383" y="257345"/>
+            <a:ext cx="2670988" cy="4180184"/>
+          </a:xfrm>
+          <a:prstGeom prst="rect">
+            <a:avLst/>
+          </a:prstGeom>
+        </p:spPr>
+        <p:txBody>
+          <a:bodyPr vert="horz" lIns="91440" tIns="45720" rIns="91440" bIns="45720" rtlCol="0">
+            <a:noAutofit/>
+          </a:bodyPr>
+          <a:lstStyle>
+            <a:lvl1pPr marL="228600" indent="-228600" algn="l" defTabSz="914400" rtl="0" eaLnBrk="1" latinLnBrk="0" hangingPunct="1">
+              <a:lnSpc>
+                <a:spcPct val="90000"/>
+              </a:lnSpc>
+              <a:spcBef>
+                <a:spcPts val="1000"/>
+              </a:spcBef>
+              <a:buFont typeface="Arial" panose="020B0604020202020204" pitchFamily="34" charset="0"/>
+              <a:buChar char="•"/>
+              <a:defRPr sz="2800" kern="1200">
+                <a:solidFill>
+                  <a:schemeClr val="tx1"/>
+                </a:solidFill>
+                <a:latin typeface="+mn-lt"/>
+                <a:ea typeface="+mn-ea"/>
+                <a:cs typeface="+mn-cs"/>
+              </a:defRPr>
+            </a:lvl1pPr>
+            <a:lvl2pPr marL="685800" indent="-228600" algn="l" defTabSz="914400" rtl="0" eaLnBrk="1" latinLnBrk="0" hangingPunct="1">
+              <a:lnSpc>
+                <a:spcPct val="90000"/>
+              </a:lnSpc>
+              <a:spcBef>
+                <a:spcPts val="500"/>
+              </a:spcBef>
+              <a:buFont typeface="Arial" panose="020B0604020202020204" pitchFamily="34" charset="0"/>
+              <a:buChar char="•"/>
+              <a:defRPr sz="2400" kern="1200">
+                <a:solidFill>
+                  <a:schemeClr val="tx1"/>
+                </a:solidFill>
+                <a:latin typeface="+mn-lt"/>
+                <a:ea typeface="+mn-ea"/>
+                <a:cs typeface="+mn-cs"/>
+              </a:defRPr>
+            </a:lvl2pPr>
+            <a:lvl3pPr marL="1143000" indent="-228600" algn="l" defTabSz="914400" rtl="0" eaLnBrk="1" latinLnBrk="0" hangingPunct="1">
+              <a:lnSpc>
+                <a:spcPct val="90000"/>
+              </a:lnSpc>
+              <a:spcBef>
+                <a:spcPts val="500"/>
+              </a:spcBef>
+              <a:buFont typeface="Arial" panose="020B0604020202020204" pitchFamily="34" charset="0"/>
+              <a:buChar char="•"/>
+              <a:defRPr sz="2000" kern="1200">
+                <a:solidFill>
+                  <a:schemeClr val="tx1"/>
+                </a:solidFill>
+                <a:latin typeface="+mn-lt"/>
+                <a:ea typeface="+mn-ea"/>
+                <a:cs typeface="+mn-cs"/>
+              </a:defRPr>
+            </a:lvl3pPr>
+            <a:lvl4pPr marL="1600200" indent="-228600" algn="l" defTabSz="914400" rtl="0" eaLnBrk="1" latinLnBrk="0" hangingPunct="1">
+              <a:lnSpc>
+                <a:spcPct val="90000"/>
+              </a:lnSpc>
+              <a:spcBef>
+                <a:spcPts val="500"/>
+              </a:spcBef>
+              <a:buFont typeface="Arial" panose="020B0604020202020204" pitchFamily="34" charset="0"/>
+              <a:buChar char="•"/>
+              <a:defRPr sz="1800" kern="1200">
+                <a:solidFill>
+                  <a:schemeClr val="tx1"/>
+                </a:solidFill>
+                <a:latin typeface="+mn-lt"/>
+                <a:ea typeface="+mn-ea"/>
+                <a:cs typeface="+mn-cs"/>
+              </a:defRPr>
+            </a:lvl4pPr>
+            <a:lvl5pPr marL="2057400" indent="-228600" algn="l" defTabSz="914400" rtl="0" eaLnBrk="1" latinLnBrk="0" hangingPunct="1">
+              <a:lnSpc>
+                <a:spcPct val="90000"/>
+              </a:lnSpc>
+              <a:spcBef>
+                <a:spcPts val="500"/>
+              </a:spcBef>
+              <a:buFont typeface="Arial" panose="020B0604020202020204" pitchFamily="34" charset="0"/>
+              <a:buChar char="•"/>
+              <a:defRPr sz="1800" kern="1200">
+                <a:solidFill>
+                  <a:schemeClr val="tx1"/>
+                </a:solidFill>
+                <a:latin typeface="+mn-lt"/>
+                <a:ea typeface="+mn-ea"/>
+                <a:cs typeface="+mn-cs"/>
+              </a:defRPr>
+            </a:lvl5pPr>
+            <a:lvl6pPr marL="2514600" indent="-228600" algn="l" defTabSz="914400" rtl="0" eaLnBrk="1" latinLnBrk="0" hangingPunct="1">
+              <a:lnSpc>
+                <a:spcPct val="90000"/>
+              </a:lnSpc>
+              <a:spcBef>
+                <a:spcPts val="500"/>
+              </a:spcBef>
+              <a:buFont typeface="Arial" panose="020B0604020202020204" pitchFamily="34" charset="0"/>
+              <a:buChar char="•"/>
+              <a:defRPr sz="1800" kern="1200">
+                <a:solidFill>
+                  <a:schemeClr val="tx1"/>
+                </a:solidFill>
+                <a:latin typeface="+mn-lt"/>
+                <a:ea typeface="+mn-ea"/>
+                <a:cs typeface="+mn-cs"/>
+              </a:defRPr>
+            </a:lvl6pPr>
+            <a:lvl7pPr marL="2971800" indent="-228600" algn="l" defTabSz="914400" rtl="0" eaLnBrk="1" latinLnBrk="0" hangingPunct="1">
+              <a:lnSpc>
+                <a:spcPct val="90000"/>
+              </a:lnSpc>
+              <a:spcBef>
+                <a:spcPts val="500"/>
+              </a:spcBef>
+              <a:buFont typeface="Arial" panose="020B0604020202020204" pitchFamily="34" charset="0"/>
+              <a:buChar char="•"/>
+              <a:defRPr sz="1800" kern="1200">
+                <a:solidFill>
+                  <a:schemeClr val="tx1"/>
+                </a:solidFill>
+                <a:latin typeface="+mn-lt"/>
+                <a:ea typeface="+mn-ea"/>
+                <a:cs typeface="+mn-cs"/>
+              </a:defRPr>
+            </a:lvl7pPr>
+            <a:lvl8pPr marL="3429000" indent="-228600" algn="l" defTabSz="914400" rtl="0" eaLnBrk="1" latinLnBrk="0" hangingPunct="1">
+              <a:lnSpc>
+                <a:spcPct val="90000"/>
+              </a:lnSpc>
+              <a:spcBef>
+                <a:spcPts val="500"/>
+              </a:spcBef>
+              <a:buFont typeface="Arial" panose="020B0604020202020204" pitchFamily="34" charset="0"/>
+              <a:buChar char="•"/>
+              <a:defRPr sz="1800" kern="1200">
+                <a:solidFill>
+                  <a:schemeClr val="tx1"/>
+                </a:solidFill>
+                <a:latin typeface="+mn-lt"/>
+                <a:ea typeface="+mn-ea"/>
+                <a:cs typeface="+mn-cs"/>
+              </a:defRPr>
+            </a:lvl8pPr>
+            <a:lvl9pPr marL="3886200" indent="-228600" algn="l" defTabSz="914400" rtl="0" eaLnBrk="1" latinLnBrk="0" hangingPunct="1">
+              <a:lnSpc>
+                <a:spcPct val="90000"/>
+              </a:lnSpc>
+              <a:spcBef>
+                <a:spcPts val="500"/>
+              </a:spcBef>
+              <a:buFont typeface="Arial" panose="020B0604020202020204" pitchFamily="34" charset="0"/>
+              <a:buChar char="•"/>
+              <a:defRPr sz="1800" kern="1200">
+                <a:solidFill>
+                  <a:schemeClr val="tx1"/>
+                </a:solidFill>
+                <a:latin typeface="+mn-lt"/>
+                <a:ea typeface="+mn-ea"/>
+                <a:cs typeface="+mn-cs"/>
+              </a:defRPr>
+            </a:lvl9pPr>
+          </a:lstStyle>
+          <a:p>
+            <a:pPr marL="0" indent="0">
+              <a:lnSpc>
+                <a:spcPct val="120000"/>
+              </a:lnSpc>
+              <a:spcBef>
+                <a:spcPts val="400"/>
+              </a:spcBef>
+              <a:buNone/>
+            </a:pPr>
+            <a:r>
+              <a:rPr lang="en-US" sz="1800" dirty="0" smtClean="0">
+                <a:latin typeface="Consolas" panose="020B0609020204030204" pitchFamily="49" charset="0"/>
+                <a:cs typeface="Courier New" panose="02070309020205020404" pitchFamily="49" charset="0"/>
+              </a:rPr>
+              <a:t>1. read </a:t>
+            </a:r>
+            <a:r>
+              <a:rPr lang="en-US" sz="1800" dirty="0">
+                <a:latin typeface="Consolas" panose="020B0609020204030204" pitchFamily="49" charset="0"/>
+                <a:cs typeface="Courier New" panose="02070309020205020404" pitchFamily="49" charset="0"/>
+              </a:rPr>
+              <a:t>(n)</a:t>
+            </a:r>
+          </a:p>
+          <a:p>
+            <a:pPr marL="0" indent="0">
+              <a:lnSpc>
+                <a:spcPct val="120000"/>
+              </a:lnSpc>
+              <a:spcBef>
+                <a:spcPts val="400"/>
+              </a:spcBef>
+              <a:buNone/>
+            </a:pPr>
+            <a:r>
+              <a:rPr lang="en-US" sz="1800" dirty="0">
+                <a:latin typeface="Consolas" panose="020B0609020204030204" pitchFamily="49" charset="0"/>
+                <a:cs typeface="Courier New" panose="02070309020205020404" pitchFamily="49" charset="0"/>
+              </a:rPr>
+              <a:t>2. </a:t>
+            </a:r>
+            <a:r>
+              <a:rPr lang="en-US" sz="1800" dirty="0" err="1">
+                <a:latin typeface="Consolas" panose="020B0609020204030204" pitchFamily="49" charset="0"/>
+                <a:cs typeface="Courier New" panose="02070309020205020404" pitchFamily="49" charset="0"/>
+              </a:rPr>
+              <a:t>i</a:t>
+            </a:r>
+            <a:r>
+              <a:rPr lang="en-US" sz="1800" dirty="0">
+                <a:latin typeface="Consolas" panose="020B0609020204030204" pitchFamily="49" charset="0"/>
+                <a:cs typeface="Courier New" panose="02070309020205020404" pitchFamily="49" charset="0"/>
+              </a:rPr>
+              <a:t> := </a:t>
+            </a:r>
+            <a:r>
+              <a:rPr lang="en-US" sz="1800" dirty="0" smtClean="0">
+                <a:latin typeface="Consolas" panose="020B0609020204030204" pitchFamily="49" charset="0"/>
+                <a:cs typeface="Courier New" panose="02070309020205020404" pitchFamily="49" charset="0"/>
+              </a:rPr>
+              <a:t>1</a:t>
+            </a:r>
+          </a:p>
+          <a:p>
+            <a:pPr marL="0" indent="0">
+              <a:lnSpc>
+                <a:spcPct val="120000"/>
+              </a:lnSpc>
+              <a:spcBef>
+                <a:spcPts val="400"/>
+              </a:spcBef>
+              <a:buNone/>
+            </a:pPr>
+            <a:endParaRPr lang="en-US" sz="1800" dirty="0">
+              <a:latin typeface="Consolas" panose="020B0609020204030204" pitchFamily="49" charset="0"/>
+              <a:cs typeface="Courier New" panose="02070309020205020404" pitchFamily="49" charset="0"/>
+            </a:endParaRPr>
+          </a:p>
+          <a:p>
+            <a:pPr marL="0" indent="0">
+              <a:lnSpc>
+                <a:spcPct val="120000"/>
+              </a:lnSpc>
+              <a:spcBef>
+                <a:spcPts val="400"/>
+              </a:spcBef>
+              <a:buNone/>
+            </a:pPr>
+            <a:r>
+              <a:rPr lang="en-US" sz="1800" dirty="0" smtClean="0">
+                <a:latin typeface="Consolas" panose="020B0609020204030204" pitchFamily="49" charset="0"/>
+                <a:cs typeface="Courier New" panose="02070309020205020404" pitchFamily="49" charset="0"/>
+              </a:rPr>
+              <a:t>4</a:t>
+            </a:r>
+            <a:r>
+              <a:rPr lang="en-US" sz="1800" dirty="0">
+                <a:latin typeface="Consolas" panose="020B0609020204030204" pitchFamily="49" charset="0"/>
+                <a:cs typeface="Courier New" panose="02070309020205020404" pitchFamily="49" charset="0"/>
+              </a:rPr>
+              <a:t>. </a:t>
+            </a:r>
+            <a:r>
+              <a:rPr lang="en-US" sz="1800" dirty="0" smtClean="0">
+                <a:latin typeface="Consolas" panose="020B0609020204030204" pitchFamily="49" charset="0"/>
+                <a:cs typeface="Courier New" panose="02070309020205020404" pitchFamily="49" charset="0"/>
+              </a:rPr>
+              <a:t>b </a:t>
+            </a:r>
+            <a:r>
+              <a:rPr lang="en-US" sz="1800" dirty="0">
+                <a:latin typeface="Consolas" panose="020B0609020204030204" pitchFamily="49" charset="0"/>
+                <a:cs typeface="Courier New" panose="02070309020205020404" pitchFamily="49" charset="0"/>
+              </a:rPr>
+              <a:t>:= 1</a:t>
+            </a:r>
+          </a:p>
+          <a:p>
+            <a:pPr marL="0" indent="0">
+              <a:lnSpc>
+                <a:spcPct val="120000"/>
+              </a:lnSpc>
+              <a:spcBef>
+                <a:spcPts val="400"/>
+              </a:spcBef>
+              <a:buNone/>
+            </a:pPr>
+            <a:r>
+              <a:rPr lang="en-US" sz="1800" dirty="0">
+                <a:latin typeface="Consolas" panose="020B0609020204030204" pitchFamily="49" charset="0"/>
+                <a:cs typeface="Courier New" panose="02070309020205020404" pitchFamily="49" charset="0"/>
+              </a:rPr>
+              <a:t>5</a:t>
+            </a:r>
+            <a:r>
+              <a:rPr lang="en-US" sz="1800" dirty="0" smtClean="0">
+                <a:latin typeface="Consolas" panose="020B0609020204030204" pitchFamily="49" charset="0"/>
+                <a:cs typeface="Courier New" panose="02070309020205020404" pitchFamily="49" charset="0"/>
+              </a:rPr>
+              <a:t>. while </a:t>
+            </a:r>
+            <a:r>
+              <a:rPr lang="en-US" sz="1800" dirty="0" err="1">
+                <a:latin typeface="Consolas" panose="020B0609020204030204" pitchFamily="49" charset="0"/>
+                <a:cs typeface="Courier New" panose="02070309020205020404" pitchFamily="49" charset="0"/>
+              </a:rPr>
+              <a:t>i</a:t>
+            </a:r>
+            <a:r>
+              <a:rPr lang="en-US" sz="1800" dirty="0">
+                <a:latin typeface="Consolas" panose="020B0609020204030204" pitchFamily="49" charset="0"/>
+                <a:cs typeface="Courier New" panose="02070309020205020404" pitchFamily="49" charset="0"/>
+              </a:rPr>
+              <a:t> &lt;= n </a:t>
+            </a:r>
+            <a:r>
+              <a:rPr lang="en-US" sz="1800" dirty="0" smtClean="0">
+                <a:latin typeface="Consolas" panose="020B0609020204030204" pitchFamily="49" charset="0"/>
+                <a:cs typeface="Courier New" panose="02070309020205020404" pitchFamily="49" charset="0"/>
+              </a:rPr>
+              <a:t>do</a:t>
+            </a:r>
+          </a:p>
+          <a:p>
+            <a:pPr marL="0" indent="0">
+              <a:lnSpc>
+                <a:spcPct val="120000"/>
+              </a:lnSpc>
+              <a:spcBef>
+                <a:spcPts val="400"/>
+              </a:spcBef>
+              <a:buNone/>
+            </a:pPr>
+            <a:endParaRPr lang="en-US" sz="1800" dirty="0">
+              <a:latin typeface="Consolas" panose="020B0609020204030204" pitchFamily="49" charset="0"/>
+              <a:cs typeface="Courier New" panose="02070309020205020404" pitchFamily="49" charset="0"/>
+            </a:endParaRPr>
+          </a:p>
+          <a:p>
+            <a:pPr marL="0" indent="0">
+              <a:lnSpc>
+                <a:spcPct val="120000"/>
+              </a:lnSpc>
+              <a:spcBef>
+                <a:spcPts val="400"/>
+              </a:spcBef>
+              <a:buNone/>
+            </a:pPr>
+            <a:r>
+              <a:rPr lang="en-US" sz="1800" dirty="0" smtClean="0">
+                <a:latin typeface="Consolas" panose="020B0609020204030204" pitchFamily="49" charset="0"/>
+                <a:cs typeface="Courier New" panose="02070309020205020404" pitchFamily="49" charset="0"/>
+              </a:rPr>
+              <a:t>7.    b </a:t>
+            </a:r>
+            <a:r>
+              <a:rPr lang="en-US" sz="1800" dirty="0">
+                <a:latin typeface="Consolas" panose="020B0609020204030204" pitchFamily="49" charset="0"/>
+                <a:cs typeface="Courier New" panose="02070309020205020404" pitchFamily="49" charset="0"/>
+              </a:rPr>
+              <a:t>:= </a:t>
+            </a:r>
+            <a:r>
+              <a:rPr lang="en-US" sz="1800" dirty="0" smtClean="0">
+                <a:latin typeface="Consolas" panose="020B0609020204030204" pitchFamily="49" charset="0"/>
+                <a:cs typeface="Courier New" panose="02070309020205020404" pitchFamily="49" charset="0"/>
+              </a:rPr>
+              <a:t>b - </a:t>
+            </a:r>
+            <a:r>
+              <a:rPr lang="en-US" sz="1800" dirty="0" err="1" smtClean="0">
+                <a:latin typeface="Consolas" panose="020B0609020204030204" pitchFamily="49" charset="0"/>
+                <a:cs typeface="Courier New" panose="02070309020205020404" pitchFamily="49" charset="0"/>
+              </a:rPr>
+              <a:t>i</a:t>
+            </a:r>
+            <a:endParaRPr lang="en-US" sz="1800" dirty="0">
+              <a:latin typeface="Consolas" panose="020B0609020204030204" pitchFamily="49" charset="0"/>
+              <a:cs typeface="Courier New" panose="02070309020205020404" pitchFamily="49" charset="0"/>
+            </a:endParaRPr>
+          </a:p>
+          <a:p>
+            <a:pPr marL="342900" indent="-342900">
+              <a:lnSpc>
+                <a:spcPct val="120000"/>
+              </a:lnSpc>
+              <a:spcBef>
+                <a:spcPts val="400"/>
+              </a:spcBef>
+              <a:buAutoNum type="arabicPeriod" startAt="8"/>
+            </a:pPr>
+            <a:r>
+              <a:rPr lang="en-US" sz="1800" dirty="0" smtClean="0">
+                <a:latin typeface="Consolas" panose="020B0609020204030204" pitchFamily="49" charset="0"/>
+                <a:cs typeface="Courier New" panose="02070309020205020404" pitchFamily="49" charset="0"/>
+              </a:rPr>
+              <a:t>   </a:t>
+            </a:r>
+            <a:r>
+              <a:rPr lang="en-US" sz="1800" dirty="0" err="1" smtClean="0">
+                <a:latin typeface="Consolas" panose="020B0609020204030204" pitchFamily="49" charset="0"/>
+                <a:cs typeface="Courier New" panose="02070309020205020404" pitchFamily="49" charset="0"/>
+              </a:rPr>
+              <a:t>i</a:t>
+            </a:r>
+            <a:r>
+              <a:rPr lang="en-US" sz="1800" dirty="0" smtClean="0">
+                <a:latin typeface="Consolas" panose="020B0609020204030204" pitchFamily="49" charset="0"/>
+                <a:cs typeface="Courier New" panose="02070309020205020404" pitchFamily="49" charset="0"/>
+              </a:rPr>
+              <a:t> := </a:t>
+            </a:r>
+            <a:r>
+              <a:rPr lang="en-US" sz="1800" dirty="0" err="1" smtClean="0">
+                <a:latin typeface="Consolas" panose="020B0609020204030204" pitchFamily="49" charset="0"/>
+                <a:cs typeface="Courier New" panose="02070309020205020404" pitchFamily="49" charset="0"/>
+              </a:rPr>
+              <a:t>i</a:t>
+            </a:r>
+            <a:r>
+              <a:rPr lang="en-US" sz="1800" dirty="0" smtClean="0">
+                <a:latin typeface="Consolas" panose="020B0609020204030204" pitchFamily="49" charset="0"/>
+                <a:cs typeface="Courier New" panose="02070309020205020404" pitchFamily="49" charset="0"/>
+              </a:rPr>
+              <a:t> + 1</a:t>
+            </a:r>
+          </a:p>
+          <a:p>
+            <a:pPr marL="342900" indent="-342900">
+              <a:lnSpc>
+                <a:spcPct val="120000"/>
+              </a:lnSpc>
+              <a:spcBef>
+                <a:spcPts val="400"/>
+              </a:spcBef>
+              <a:buAutoNum type="arabicPeriod" startAt="8"/>
+            </a:pPr>
+            <a:endParaRPr lang="en-US" sz="1800" dirty="0" smtClean="0">
+              <a:latin typeface="Consolas" panose="020B0609020204030204" pitchFamily="49" charset="0"/>
+              <a:cs typeface="Courier New" panose="02070309020205020404" pitchFamily="49" charset="0"/>
+            </a:endParaRPr>
+          </a:p>
+          <a:p>
+            <a:pPr marL="0" indent="0">
+              <a:lnSpc>
+                <a:spcPct val="120000"/>
+              </a:lnSpc>
+              <a:spcBef>
+                <a:spcPts val="400"/>
+              </a:spcBef>
+              <a:buNone/>
+            </a:pPr>
+            <a:r>
+              <a:rPr lang="en-US" sz="1800" dirty="0" smtClean="0">
+                <a:latin typeface="Consolas" panose="020B0609020204030204" pitchFamily="49" charset="0"/>
+                <a:cs typeface="Courier New" panose="02070309020205020404" pitchFamily="49" charset="0"/>
+              </a:rPr>
+              <a:t>10. print (b)</a:t>
+            </a:r>
+          </a:p>
+          <a:p>
+            <a:pPr marL="0" indent="0">
+              <a:lnSpc>
+                <a:spcPct val="120000"/>
+              </a:lnSpc>
+              <a:spcBef>
+                <a:spcPts val="400"/>
+              </a:spcBef>
+              <a:buNone/>
+            </a:pPr>
+            <a:endParaRPr lang="en-US" sz="1800" dirty="0">
+              <a:latin typeface="Consolas" panose="020B0609020204030204" pitchFamily="49" charset="0"/>
+              <a:cs typeface="Courier New" panose="02070309020205020404" pitchFamily="49" charset="0"/>
+            </a:endParaRPr>
+          </a:p>
+          <a:p>
+            <a:pPr marL="0" indent="0">
+              <a:lnSpc>
+                <a:spcPct val="120000"/>
+              </a:lnSpc>
+              <a:spcBef>
+                <a:spcPts val="400"/>
+              </a:spcBef>
+              <a:buNone/>
+            </a:pPr>
+            <a:r>
+              <a:rPr lang="en-US" sz="1800" dirty="0" smtClean="0">
+                <a:latin typeface="Consolas" panose="020B0609020204030204" pitchFamily="49" charset="0"/>
+                <a:cs typeface="Courier New" panose="02070309020205020404" pitchFamily="49" charset="0"/>
+              </a:rPr>
+              <a:t>backward slice for p = 10 and V = {b}</a:t>
+            </a:r>
+            <a:endParaRPr lang="en-US" sz="1800" dirty="0">
+              <a:latin typeface="Consolas" panose="020B0609020204030204" pitchFamily="49" charset="0"/>
+              <a:cs typeface="Courier New" panose="02070309020205020404" pitchFamily="49" charset="0"/>
+            </a:endParaRPr>
+          </a:p>
+        </p:txBody>
+      </p:sp>
+      <p:sp>
+        <p:nvSpPr>
+          <p:cNvPr id="18" name="Content Placeholder 2"/>
+          <p:cNvSpPr>
+            <a:spLocks noGrp="1"/>
+          </p:cNvSpPr>
+          <p:nvPr/>
+        </p:nvSpPr>
+        <p:spPr>
+          <a:xfrm>
+            <a:off x="8203200" y="257345"/>
+            <a:ext cx="2670988" cy="4180184"/>
+          </a:xfrm>
+          <a:prstGeom prst="rect">
+            <a:avLst/>
+          </a:prstGeom>
+        </p:spPr>
+        <p:txBody>
+          <a:bodyPr vert="horz" lIns="91440" tIns="45720" rIns="91440" bIns="45720" rtlCol="0">
+            <a:noAutofit/>
+          </a:bodyPr>
+          <a:lstStyle>
+            <a:lvl1pPr marL="228600" indent="-228600" algn="l" defTabSz="914400" rtl="0" eaLnBrk="1" latinLnBrk="0" hangingPunct="1">
+              <a:lnSpc>
+                <a:spcPct val="90000"/>
+              </a:lnSpc>
+              <a:spcBef>
+                <a:spcPts val="1000"/>
+              </a:spcBef>
+              <a:buFont typeface="Arial" panose="020B0604020202020204" pitchFamily="34" charset="0"/>
+              <a:buChar char="•"/>
+              <a:defRPr sz="2800" kern="1200">
+                <a:solidFill>
+                  <a:schemeClr val="tx1"/>
+                </a:solidFill>
+                <a:latin typeface="+mn-lt"/>
+                <a:ea typeface="+mn-ea"/>
+                <a:cs typeface="+mn-cs"/>
+              </a:defRPr>
+            </a:lvl1pPr>
+            <a:lvl2pPr marL="685800" indent="-228600" algn="l" defTabSz="914400" rtl="0" eaLnBrk="1" latinLnBrk="0" hangingPunct="1">
+              <a:lnSpc>
+                <a:spcPct val="90000"/>
+              </a:lnSpc>
+              <a:spcBef>
+                <a:spcPts val="500"/>
+              </a:spcBef>
+              <a:buFont typeface="Arial" panose="020B0604020202020204" pitchFamily="34" charset="0"/>
+              <a:buChar char="•"/>
+              <a:defRPr sz="2400" kern="1200">
+                <a:solidFill>
+                  <a:schemeClr val="tx1"/>
+                </a:solidFill>
+                <a:latin typeface="+mn-lt"/>
+                <a:ea typeface="+mn-ea"/>
+                <a:cs typeface="+mn-cs"/>
+              </a:defRPr>
+            </a:lvl2pPr>
+            <a:lvl3pPr marL="1143000" indent="-228600" algn="l" defTabSz="914400" rtl="0" eaLnBrk="1" latinLnBrk="0" hangingPunct="1">
+              <a:lnSpc>
+                <a:spcPct val="90000"/>
+              </a:lnSpc>
+              <a:spcBef>
+                <a:spcPts val="500"/>
+              </a:spcBef>
+              <a:buFont typeface="Arial" panose="020B0604020202020204" pitchFamily="34" charset="0"/>
+              <a:buChar char="•"/>
+              <a:defRPr sz="2000" kern="1200">
+                <a:solidFill>
+                  <a:schemeClr val="tx1"/>
+                </a:solidFill>
+                <a:latin typeface="+mn-lt"/>
+                <a:ea typeface="+mn-ea"/>
+                <a:cs typeface="+mn-cs"/>
+              </a:defRPr>
+            </a:lvl3pPr>
+            <a:lvl4pPr marL="1600200" indent="-228600" algn="l" defTabSz="914400" rtl="0" eaLnBrk="1" latinLnBrk="0" hangingPunct="1">
+              <a:lnSpc>
+                <a:spcPct val="90000"/>
+              </a:lnSpc>
+              <a:spcBef>
+                <a:spcPts val="500"/>
+              </a:spcBef>
+              <a:buFont typeface="Arial" panose="020B0604020202020204" pitchFamily="34" charset="0"/>
+              <a:buChar char="•"/>
+              <a:defRPr sz="1800" kern="1200">
+                <a:solidFill>
+                  <a:schemeClr val="tx1"/>
+                </a:solidFill>
+                <a:latin typeface="+mn-lt"/>
+                <a:ea typeface="+mn-ea"/>
+                <a:cs typeface="+mn-cs"/>
+              </a:defRPr>
+            </a:lvl4pPr>
+            <a:lvl5pPr marL="2057400" indent="-228600" algn="l" defTabSz="914400" rtl="0" eaLnBrk="1" latinLnBrk="0" hangingPunct="1">
+              <a:lnSpc>
+                <a:spcPct val="90000"/>
+              </a:lnSpc>
+              <a:spcBef>
+                <a:spcPts val="500"/>
+              </a:spcBef>
+              <a:buFont typeface="Arial" panose="020B0604020202020204" pitchFamily="34" charset="0"/>
+              <a:buChar char="•"/>
+              <a:defRPr sz="1800" kern="1200">
+                <a:solidFill>
+                  <a:schemeClr val="tx1"/>
+                </a:solidFill>
+                <a:latin typeface="+mn-lt"/>
+                <a:ea typeface="+mn-ea"/>
+                <a:cs typeface="+mn-cs"/>
+              </a:defRPr>
+            </a:lvl5pPr>
+            <a:lvl6pPr marL="2514600" indent="-228600" algn="l" defTabSz="914400" rtl="0" eaLnBrk="1" latinLnBrk="0" hangingPunct="1">
+              <a:lnSpc>
+                <a:spcPct val="90000"/>
+              </a:lnSpc>
+              <a:spcBef>
+                <a:spcPts val="500"/>
+              </a:spcBef>
+              <a:buFont typeface="Arial" panose="020B0604020202020204" pitchFamily="34" charset="0"/>
+              <a:buChar char="•"/>
+              <a:defRPr sz="1800" kern="1200">
+                <a:solidFill>
+                  <a:schemeClr val="tx1"/>
+                </a:solidFill>
+                <a:latin typeface="+mn-lt"/>
+                <a:ea typeface="+mn-ea"/>
+                <a:cs typeface="+mn-cs"/>
+              </a:defRPr>
+            </a:lvl6pPr>
+            <a:lvl7pPr marL="2971800" indent="-228600" algn="l" defTabSz="914400" rtl="0" eaLnBrk="1" latinLnBrk="0" hangingPunct="1">
+              <a:lnSpc>
+                <a:spcPct val="90000"/>
+              </a:lnSpc>
+              <a:spcBef>
+                <a:spcPts val="500"/>
+              </a:spcBef>
+              <a:buFont typeface="Arial" panose="020B0604020202020204" pitchFamily="34" charset="0"/>
+              <a:buChar char="•"/>
+              <a:defRPr sz="1800" kern="1200">
+                <a:solidFill>
+                  <a:schemeClr val="tx1"/>
+                </a:solidFill>
+                <a:latin typeface="+mn-lt"/>
+                <a:ea typeface="+mn-ea"/>
+                <a:cs typeface="+mn-cs"/>
+              </a:defRPr>
+            </a:lvl7pPr>
+            <a:lvl8pPr marL="3429000" indent="-228600" algn="l" defTabSz="914400" rtl="0" eaLnBrk="1" latinLnBrk="0" hangingPunct="1">
+              <a:lnSpc>
+                <a:spcPct val="90000"/>
+              </a:lnSpc>
+              <a:spcBef>
+                <a:spcPts val="500"/>
+              </a:spcBef>
+              <a:buFont typeface="Arial" panose="020B0604020202020204" pitchFamily="34" charset="0"/>
+              <a:buChar char="•"/>
+              <a:defRPr sz="1800" kern="1200">
+                <a:solidFill>
+                  <a:schemeClr val="tx1"/>
+                </a:solidFill>
+                <a:latin typeface="+mn-lt"/>
+                <a:ea typeface="+mn-ea"/>
+                <a:cs typeface="+mn-cs"/>
+              </a:defRPr>
+            </a:lvl8pPr>
+            <a:lvl9pPr marL="3886200" indent="-228600" algn="l" defTabSz="914400" rtl="0" eaLnBrk="1" latinLnBrk="0" hangingPunct="1">
+              <a:lnSpc>
+                <a:spcPct val="90000"/>
+              </a:lnSpc>
+              <a:spcBef>
+                <a:spcPts val="500"/>
+              </a:spcBef>
+              <a:buFont typeface="Arial" panose="020B0604020202020204" pitchFamily="34" charset="0"/>
+              <a:buChar char="•"/>
+              <a:defRPr sz="1800" kern="1200">
+                <a:solidFill>
+                  <a:schemeClr val="tx1"/>
+                </a:solidFill>
+                <a:latin typeface="+mn-lt"/>
+                <a:ea typeface="+mn-ea"/>
+                <a:cs typeface="+mn-cs"/>
+              </a:defRPr>
+            </a:lvl9pPr>
+          </a:lstStyle>
+          <a:p>
+            <a:pPr marL="0" indent="0">
+              <a:lnSpc>
+                <a:spcPct val="120000"/>
+              </a:lnSpc>
+              <a:spcBef>
+                <a:spcPts val="400"/>
+              </a:spcBef>
+              <a:buNone/>
+            </a:pPr>
+            <a:r>
+              <a:rPr lang="en-US" sz="1800" dirty="0">
+                <a:latin typeface="Consolas" panose="020B0609020204030204" pitchFamily="49" charset="0"/>
+                <a:cs typeface="Courier New" panose="02070309020205020404" pitchFamily="49" charset="0"/>
+              </a:rPr>
+              <a:t>1. read </a:t>
+            </a:r>
+            <a:r>
+              <a:rPr lang="en-US" sz="1800" dirty="0" smtClean="0">
+                <a:latin typeface="Consolas" panose="020B0609020204030204" pitchFamily="49" charset="0"/>
+                <a:cs typeface="Courier New" panose="02070309020205020404" pitchFamily="49" charset="0"/>
+              </a:rPr>
+              <a:t>(n)</a:t>
+            </a:r>
+            <a:endParaRPr lang="en-US" sz="1800" dirty="0">
+              <a:latin typeface="Consolas" panose="020B0609020204030204" pitchFamily="49" charset="0"/>
+              <a:cs typeface="Courier New" panose="02070309020205020404" pitchFamily="49" charset="0"/>
+            </a:endParaRPr>
+          </a:p>
+          <a:p>
+            <a:pPr marL="0" indent="0">
+              <a:lnSpc>
+                <a:spcPct val="120000"/>
+              </a:lnSpc>
+              <a:spcBef>
+                <a:spcPts val="400"/>
+              </a:spcBef>
+              <a:buNone/>
+            </a:pPr>
+            <a:r>
+              <a:rPr lang="en-US" sz="1800" dirty="0" smtClean="0">
+                <a:latin typeface="Consolas" panose="020B0609020204030204" pitchFamily="49" charset="0"/>
+                <a:cs typeface="Courier New" panose="02070309020205020404" pitchFamily="49" charset="0"/>
+              </a:rPr>
+              <a:t> </a:t>
+            </a:r>
+            <a:endParaRPr lang="en-US" sz="1800" dirty="0">
+              <a:latin typeface="Consolas" panose="020B0609020204030204" pitchFamily="49" charset="0"/>
+              <a:cs typeface="Courier New" panose="02070309020205020404" pitchFamily="49" charset="0"/>
+            </a:endParaRPr>
+          </a:p>
+          <a:p>
+            <a:pPr marL="0" indent="0">
+              <a:lnSpc>
+                <a:spcPct val="120000"/>
+              </a:lnSpc>
+              <a:spcBef>
+                <a:spcPts val="400"/>
+              </a:spcBef>
+              <a:buNone/>
+            </a:pPr>
+            <a:r>
+              <a:rPr lang="en-US" sz="1800" dirty="0">
+                <a:latin typeface="Consolas" panose="020B0609020204030204" pitchFamily="49" charset="0"/>
+                <a:cs typeface="Courier New" panose="02070309020205020404" pitchFamily="49" charset="0"/>
+              </a:rPr>
+              <a:t>3. a := </a:t>
+            </a:r>
+            <a:r>
+              <a:rPr lang="en-US" sz="1800" dirty="0" smtClean="0">
+                <a:latin typeface="Consolas" panose="020B0609020204030204" pitchFamily="49" charset="0"/>
+                <a:cs typeface="Courier New" panose="02070309020205020404" pitchFamily="49" charset="0"/>
+              </a:rPr>
+              <a:t>0</a:t>
+            </a:r>
+          </a:p>
+          <a:p>
+            <a:pPr marL="0" indent="0">
+              <a:lnSpc>
+                <a:spcPct val="120000"/>
+              </a:lnSpc>
+              <a:spcBef>
+                <a:spcPts val="400"/>
+              </a:spcBef>
+              <a:buNone/>
+            </a:pPr>
+            <a:endParaRPr lang="en-US" sz="1800" dirty="0">
+              <a:latin typeface="Consolas" panose="020B0609020204030204" pitchFamily="49" charset="0"/>
+              <a:cs typeface="Courier New" panose="02070309020205020404" pitchFamily="49" charset="0"/>
+            </a:endParaRPr>
+          </a:p>
+          <a:p>
+            <a:pPr marL="0" indent="0">
+              <a:lnSpc>
+                <a:spcPct val="120000"/>
+              </a:lnSpc>
+              <a:spcBef>
+                <a:spcPts val="400"/>
+              </a:spcBef>
+              <a:buNone/>
+            </a:pPr>
+            <a:endParaRPr lang="en-US" sz="1800" dirty="0">
+              <a:latin typeface="Consolas" panose="020B0609020204030204" pitchFamily="49" charset="0"/>
+              <a:cs typeface="Courier New" panose="02070309020205020404" pitchFamily="49" charset="0"/>
+            </a:endParaRPr>
+          </a:p>
+          <a:p>
+            <a:pPr marL="0" indent="0">
+              <a:lnSpc>
+                <a:spcPct val="120000"/>
+              </a:lnSpc>
+              <a:spcBef>
+                <a:spcPts val="400"/>
+              </a:spcBef>
+              <a:buNone/>
+            </a:pPr>
+            <a:r>
+              <a:rPr lang="en-US" sz="1800" dirty="0">
+                <a:latin typeface="Consolas" panose="020B0609020204030204" pitchFamily="49" charset="0"/>
+                <a:cs typeface="Courier New" panose="02070309020205020404" pitchFamily="49" charset="0"/>
+              </a:rPr>
+              <a:t>6.    a := a + </a:t>
+            </a:r>
+            <a:r>
+              <a:rPr lang="en-US" sz="1800" dirty="0" err="1">
+                <a:latin typeface="Consolas" panose="020B0609020204030204" pitchFamily="49" charset="0"/>
+                <a:cs typeface="Courier New" panose="02070309020205020404" pitchFamily="49" charset="0"/>
+              </a:rPr>
+              <a:t>i</a:t>
+            </a:r>
+            <a:endParaRPr lang="en-US" sz="1800" dirty="0">
+              <a:latin typeface="Consolas" panose="020B0609020204030204" pitchFamily="49" charset="0"/>
+              <a:cs typeface="Courier New" panose="02070309020205020404" pitchFamily="49" charset="0"/>
+            </a:endParaRPr>
+          </a:p>
+          <a:p>
+            <a:pPr marL="0" indent="0">
+              <a:lnSpc>
+                <a:spcPct val="120000"/>
+              </a:lnSpc>
+              <a:spcBef>
+                <a:spcPts val="400"/>
+              </a:spcBef>
+              <a:buNone/>
+            </a:pPr>
+            <a:endParaRPr lang="en-US" sz="1800" dirty="0" smtClean="0">
+              <a:latin typeface="Consolas" panose="020B0609020204030204" pitchFamily="49" charset="0"/>
+              <a:cs typeface="Courier New" panose="02070309020205020404" pitchFamily="49" charset="0"/>
+            </a:endParaRPr>
+          </a:p>
+          <a:p>
+            <a:pPr marL="0" indent="0">
+              <a:lnSpc>
+                <a:spcPct val="120000"/>
+              </a:lnSpc>
+              <a:spcBef>
+                <a:spcPts val="400"/>
+              </a:spcBef>
+              <a:buNone/>
+            </a:pPr>
+            <a:r>
+              <a:rPr lang="en-US" sz="1800" dirty="0" smtClean="0">
+                <a:latin typeface="Consolas" panose="020B0609020204030204" pitchFamily="49" charset="0"/>
+                <a:cs typeface="Courier New" panose="02070309020205020404" pitchFamily="49" charset="0"/>
+              </a:rPr>
+              <a:t>    </a:t>
+            </a:r>
+            <a:endParaRPr lang="en-US" sz="1800" dirty="0">
+              <a:latin typeface="Consolas" panose="020B0609020204030204" pitchFamily="49" charset="0"/>
+              <a:cs typeface="Courier New" panose="02070309020205020404" pitchFamily="49" charset="0"/>
+            </a:endParaRPr>
+          </a:p>
+          <a:p>
+            <a:pPr marL="0" indent="0">
+              <a:lnSpc>
+                <a:spcPct val="120000"/>
+              </a:lnSpc>
+              <a:spcBef>
+                <a:spcPts val="400"/>
+              </a:spcBef>
+              <a:buNone/>
+            </a:pPr>
+            <a:r>
+              <a:rPr lang="en-US" sz="1800" dirty="0">
+                <a:latin typeface="Consolas" panose="020B0609020204030204" pitchFamily="49" charset="0"/>
+                <a:cs typeface="Courier New" panose="02070309020205020404" pitchFamily="49" charset="0"/>
+              </a:rPr>
+              <a:t>9.  </a:t>
+            </a:r>
+            <a:r>
+              <a:rPr lang="en-US" sz="1800" dirty="0" err="1">
+                <a:latin typeface="Consolas" panose="020B0609020204030204" pitchFamily="49" charset="0"/>
+                <a:cs typeface="Courier New" panose="02070309020205020404" pitchFamily="49" charset="0"/>
+              </a:rPr>
+              <a:t>ptint</a:t>
+            </a:r>
+            <a:r>
+              <a:rPr lang="en-US" sz="1800" dirty="0">
+                <a:latin typeface="Consolas" panose="020B0609020204030204" pitchFamily="49" charset="0"/>
+                <a:cs typeface="Courier New" panose="02070309020205020404" pitchFamily="49" charset="0"/>
+              </a:rPr>
+              <a:t> (a)</a:t>
+            </a:r>
+          </a:p>
+          <a:p>
+            <a:pPr marL="0" indent="0">
+              <a:lnSpc>
+                <a:spcPct val="120000"/>
+              </a:lnSpc>
+              <a:spcBef>
+                <a:spcPts val="400"/>
+              </a:spcBef>
+              <a:buNone/>
+            </a:pPr>
+            <a:endParaRPr lang="en-US" sz="1800" dirty="0" smtClean="0">
+              <a:latin typeface="Consolas" panose="020B0609020204030204" pitchFamily="49" charset="0"/>
+              <a:cs typeface="Courier New" panose="02070309020205020404" pitchFamily="49" charset="0"/>
+            </a:endParaRPr>
+          </a:p>
+          <a:p>
+            <a:pPr marL="0" indent="0">
+              <a:lnSpc>
+                <a:spcPct val="120000"/>
+              </a:lnSpc>
+              <a:spcBef>
+                <a:spcPts val="400"/>
+              </a:spcBef>
+              <a:buNone/>
+            </a:pPr>
+            <a:endParaRPr lang="en-US" sz="1800" dirty="0">
+              <a:latin typeface="Consolas" panose="020B0609020204030204" pitchFamily="49" charset="0"/>
+              <a:cs typeface="Courier New" panose="02070309020205020404" pitchFamily="49" charset="0"/>
+            </a:endParaRPr>
+          </a:p>
+          <a:p>
+            <a:pPr marL="0" indent="0">
+              <a:lnSpc>
+                <a:spcPct val="120000"/>
+              </a:lnSpc>
+              <a:spcBef>
+                <a:spcPts val="400"/>
+              </a:spcBef>
+              <a:buNone/>
+            </a:pPr>
+            <a:r>
+              <a:rPr lang="en-US" sz="1800" dirty="0" smtClean="0">
+                <a:latin typeface="Consolas" panose="020B0609020204030204" pitchFamily="49" charset="0"/>
+                <a:cs typeface="Courier New" panose="02070309020205020404" pitchFamily="49" charset="0"/>
+              </a:rPr>
+              <a:t>forward slice for </a:t>
+            </a:r>
+          </a:p>
+          <a:p>
+            <a:pPr marL="0" indent="0">
+              <a:lnSpc>
+                <a:spcPct val="120000"/>
+              </a:lnSpc>
+              <a:spcBef>
+                <a:spcPts val="400"/>
+              </a:spcBef>
+              <a:buNone/>
+            </a:pPr>
+            <a:r>
+              <a:rPr lang="en-US" sz="1800" dirty="0" smtClean="0">
+                <a:latin typeface="Consolas" panose="020B0609020204030204" pitchFamily="49" charset="0"/>
+                <a:cs typeface="Courier New" panose="02070309020205020404" pitchFamily="49" charset="0"/>
+              </a:rPr>
+              <a:t>p = 3 and V = {a}</a:t>
+            </a:r>
+            <a:endParaRPr lang="en-US" sz="1800" dirty="0">
+              <a:latin typeface="Consolas" panose="020B0609020204030204" pitchFamily="49" charset="0"/>
+              <a:cs typeface="Courier New" panose="02070309020205020404" pitchFamily="49" charset="0"/>
+            </a:endParaRPr>
+          </a:p>
+        </p:txBody>
+      </p:sp>
+      <p:cxnSp>
+        <p:nvCxnSpPr>
+          <p:cNvPr id="3" name="Straight Connector 2"/>
+          <p:cNvCxnSpPr/>
+          <p:nvPr/>
+        </p:nvCxnSpPr>
+        <p:spPr>
+          <a:xfrm>
+            <a:off x="4023902" y="257344"/>
+            <a:ext cx="0" cy="5080199"/>
+          </a:xfrm>
+          <a:prstGeom prst="line">
+            <a:avLst/>
+          </a:prstGeom>
+          <a:ln>
+            <a:solidFill>
+              <a:schemeClr val="bg2">
+                <a:lumMod val="50000"/>
+              </a:schemeClr>
+            </a:solidFill>
+            <a:prstDash val="lgDash"/>
+          </a:ln>
+        </p:spPr>
+        <p:style>
+          <a:lnRef idx="1">
+            <a:schemeClr val="accent1"/>
+          </a:lnRef>
+          <a:fillRef idx="0">
+            <a:schemeClr val="accent1"/>
+          </a:fillRef>
+          <a:effectRef idx="0">
+            <a:schemeClr val="accent1"/>
+          </a:effectRef>
+          <a:fontRef idx="minor">
+            <a:schemeClr val="tx1"/>
+          </a:fontRef>
+        </p:style>
+      </p:cxnSp>
+      <p:cxnSp>
+        <p:nvCxnSpPr>
+          <p:cNvPr id="19" name="Straight Connector 18"/>
+          <p:cNvCxnSpPr/>
+          <p:nvPr/>
+        </p:nvCxnSpPr>
+        <p:spPr>
+          <a:xfrm>
+            <a:off x="7557455" y="257345"/>
+            <a:ext cx="0" cy="5080199"/>
+          </a:xfrm>
+          <a:prstGeom prst="line">
+            <a:avLst/>
+          </a:prstGeom>
+          <a:ln>
+            <a:solidFill>
+              <a:schemeClr val="bg2">
+                <a:lumMod val="50000"/>
+              </a:schemeClr>
+            </a:solidFill>
+            <a:prstDash val="lgDash"/>
+          </a:ln>
+        </p:spPr>
+        <p:style>
+          <a:lnRef idx="1">
+            <a:schemeClr val="accent1"/>
+          </a:lnRef>
+          <a:fillRef idx="0">
+            <a:schemeClr val="accent1"/>
+          </a:fillRef>
+          <a:effectRef idx="0">
+            <a:schemeClr val="accent1"/>
+          </a:effectRef>
+          <a:fontRef idx="minor">
+            <a:schemeClr val="tx1"/>
+          </a:fontRef>
+        </p:style>
+      </p:cxnSp>
+    </p:spTree>
+    <p:extLst>
+      <p:ext uri="{BB962C8B-B14F-4D97-AF65-F5344CB8AC3E}">
+        <p14:creationId xmlns:p14="http://schemas.microsoft.com/office/powerpoint/2010/main" val="1836421866"/>
+      </p:ext>
+    </p:extLst>
+  </p:cSld>
+  <p:clrMapOvr>
+    <a:masterClrMapping/>
+  </p:clrMapOvr>
+</p:sld>
+</file>
+
+<file path=ppt/slides/slide9.xml><?xml version="1.0" encoding="utf-8"?>
 <p:sld xmlns:a="http://schemas.openxmlformats.org/drawingml/2006/main" xmlns:r="http://schemas.openxmlformats.org/officeDocument/2006/relationships" xmlns:p="http://schemas.openxmlformats.org/presentationml/2006/main">
   <p:cSld>
     <p:spTree>
@@ -11010,2458 +15722,6 @@
 </p:sld>
 </file>
 
-<file path=ppt/slides/slide8.xml><?xml version="1.0" encoding="utf-8"?>
-<p:sld xmlns:a="http://schemas.openxmlformats.org/drawingml/2006/main" xmlns:r="http://schemas.openxmlformats.org/officeDocument/2006/relationships" xmlns:p="http://schemas.openxmlformats.org/presentationml/2006/main">
-  <p:cSld>
-    <p:spTree>
-      <p:nvGrpSpPr>
-        <p:cNvPr id="1" name=""/>
-        <p:cNvGrpSpPr/>
-        <p:nvPr/>
-      </p:nvGrpSpPr>
-      <p:grpSpPr>
-        <a:xfrm>
-          <a:off x="0" y="0"/>
-          <a:ext cx="0" cy="0"/>
-          <a:chOff x="0" y="0"/>
-          <a:chExt cx="0" cy="0"/>
-        </a:xfrm>
-      </p:grpSpPr>
-      <p:grpSp>
-        <p:nvGrpSpPr>
-          <p:cNvPr id="78" name="Group 77"/>
-          <p:cNvGrpSpPr/>
-          <p:nvPr/>
-        </p:nvGrpSpPr>
-        <p:grpSpPr>
-          <a:xfrm>
-            <a:off x="1278466" y="408488"/>
-            <a:ext cx="7284453" cy="4053445"/>
-            <a:chOff x="1278466" y="408488"/>
-            <a:chExt cx="7284453" cy="4053445"/>
-          </a:xfrm>
-        </p:grpSpPr>
-        <p:grpSp>
-          <p:nvGrpSpPr>
-            <p:cNvPr id="39" name="Group 38"/>
-            <p:cNvGrpSpPr/>
-            <p:nvPr/>
-          </p:nvGrpSpPr>
-          <p:grpSpPr>
-            <a:xfrm>
-              <a:off x="1389529" y="535964"/>
-              <a:ext cx="2823883" cy="2536054"/>
-              <a:chOff x="1389529" y="535964"/>
-              <a:chExt cx="2823883" cy="2536054"/>
-            </a:xfrm>
-          </p:grpSpPr>
-          <p:sp>
-            <p:nvSpPr>
-              <p:cNvPr id="4" name="Oval 3"/>
-              <p:cNvSpPr/>
-              <p:nvPr/>
-            </p:nvSpPr>
-            <p:spPr>
-              <a:xfrm>
-                <a:off x="1389529" y="1730567"/>
-                <a:ext cx="2823883" cy="1341451"/>
-              </a:xfrm>
-              <a:prstGeom prst="ellipse">
-                <a:avLst/>
-              </a:prstGeom>
-              <a:noFill/>
-              <a:ln>
-                <a:solidFill>
-                  <a:schemeClr val="tx1"/>
-                </a:solidFill>
-              </a:ln>
-            </p:spPr>
-            <p:style>
-              <a:lnRef idx="2">
-                <a:schemeClr val="accent1">
-                  <a:shade val="50000"/>
-                </a:schemeClr>
-              </a:lnRef>
-              <a:fillRef idx="1">
-                <a:schemeClr val="accent1"/>
-              </a:fillRef>
-              <a:effectRef idx="0">
-                <a:schemeClr val="accent1"/>
-              </a:effectRef>
-              <a:fontRef idx="minor">
-                <a:schemeClr val="lt1"/>
-              </a:fontRef>
-            </p:style>
-            <p:txBody>
-              <a:bodyPr rtlCol="0" anchor="ctr"/>
-              <a:lstStyle/>
-              <a:p>
-                <a:pPr algn="ctr"/>
-                <a:endParaRPr lang="en-US"/>
-              </a:p>
-            </p:txBody>
-          </p:sp>
-          <p:sp>
-            <p:nvSpPr>
-              <p:cNvPr id="5" name="Oval 4"/>
-              <p:cNvSpPr/>
-              <p:nvPr/>
-            </p:nvSpPr>
-            <p:spPr>
-              <a:xfrm rot="5935114">
-                <a:off x="2334520" y="1069899"/>
-                <a:ext cx="2389208" cy="1321337"/>
-              </a:xfrm>
-              <a:prstGeom prst="ellipse">
-                <a:avLst/>
-              </a:prstGeom>
-              <a:noFill/>
-              <a:ln>
-                <a:solidFill>
-                  <a:schemeClr val="tx1"/>
-                </a:solidFill>
-              </a:ln>
-            </p:spPr>
-            <p:style>
-              <a:lnRef idx="2">
-                <a:schemeClr val="accent1">
-                  <a:shade val="50000"/>
-                </a:schemeClr>
-              </a:lnRef>
-              <a:fillRef idx="1">
-                <a:schemeClr val="accent1"/>
-              </a:fillRef>
-              <a:effectRef idx="0">
-                <a:schemeClr val="accent1"/>
-              </a:effectRef>
-              <a:fontRef idx="minor">
-                <a:schemeClr val="lt1"/>
-              </a:fontRef>
-            </p:style>
-            <p:txBody>
-              <a:bodyPr rtlCol="0" anchor="ctr"/>
-              <a:lstStyle/>
-              <a:p>
-                <a:pPr algn="ctr"/>
-                <a:endParaRPr lang="en-US"/>
-              </a:p>
-            </p:txBody>
-          </p:sp>
-          <p:sp>
-            <p:nvSpPr>
-              <p:cNvPr id="11" name="TextBox 10"/>
-              <p:cNvSpPr txBox="1"/>
-              <p:nvPr/>
-            </p:nvSpPr>
-            <p:spPr>
-              <a:xfrm>
-                <a:off x="3362380" y="765355"/>
-                <a:ext cx="386378" cy="369332"/>
-              </a:xfrm>
-              <a:prstGeom prst="rect">
-                <a:avLst/>
-              </a:prstGeom>
-              <a:noFill/>
-            </p:spPr>
-            <p:txBody>
-              <a:bodyPr wrap="square" rtlCol="0">
-                <a:spAutoFit/>
-              </a:bodyPr>
-              <a:lstStyle/>
-              <a:p>
-                <a:r>
-                  <a:rPr lang="en-US" b="1" dirty="0" smtClean="0">
-                    <a:solidFill>
-                      <a:schemeClr val="accent1">
-                        <a:lumMod val="50000"/>
-                      </a:schemeClr>
-                    </a:solidFill>
-                  </a:rPr>
-                  <a:t>C</a:t>
-                </a:r>
-                <a:endParaRPr lang="en-US" b="1" dirty="0">
-                  <a:solidFill>
-                    <a:schemeClr val="accent1">
-                      <a:lumMod val="50000"/>
-                    </a:schemeClr>
-                  </a:solidFill>
-                </a:endParaRPr>
-              </a:p>
-            </p:txBody>
-          </p:sp>
-          <p:sp>
-            <p:nvSpPr>
-              <p:cNvPr id="12" name="TextBox 11"/>
-              <p:cNvSpPr txBox="1"/>
-              <p:nvPr/>
-            </p:nvSpPr>
-            <p:spPr>
-              <a:xfrm>
-                <a:off x="3647140" y="1097432"/>
-                <a:ext cx="386378" cy="369332"/>
-              </a:xfrm>
-              <a:prstGeom prst="rect">
-                <a:avLst/>
-              </a:prstGeom>
-              <a:noFill/>
-            </p:spPr>
-            <p:txBody>
-              <a:bodyPr wrap="square" rtlCol="0">
-                <a:spAutoFit/>
-              </a:bodyPr>
-              <a:lstStyle/>
-              <a:p>
-                <a:r>
-                  <a:rPr lang="en-US" b="1" dirty="0" smtClean="0">
-                    <a:solidFill>
-                      <a:schemeClr val="accent1">
-                        <a:lumMod val="50000"/>
-                      </a:schemeClr>
-                    </a:solidFill>
-                  </a:rPr>
-                  <a:t>D</a:t>
-                </a:r>
-                <a:endParaRPr lang="en-US" b="1" dirty="0">
-                  <a:solidFill>
-                    <a:schemeClr val="accent1">
-                      <a:lumMod val="50000"/>
-                    </a:schemeClr>
-                  </a:solidFill>
-                </a:endParaRPr>
-              </a:p>
-            </p:txBody>
-          </p:sp>
-          <p:sp>
-            <p:nvSpPr>
-              <p:cNvPr id="16" name="TextBox 15"/>
-              <p:cNvSpPr txBox="1"/>
-              <p:nvPr/>
-            </p:nvSpPr>
-            <p:spPr>
-              <a:xfrm>
-                <a:off x="1859593" y="2254202"/>
-                <a:ext cx="386378" cy="369332"/>
-              </a:xfrm>
-              <a:prstGeom prst="rect">
-                <a:avLst/>
-              </a:prstGeom>
-              <a:noFill/>
-            </p:spPr>
-            <p:txBody>
-              <a:bodyPr wrap="square" rtlCol="0">
-                <a:spAutoFit/>
-              </a:bodyPr>
-              <a:lstStyle/>
-              <a:p>
-                <a:r>
-                  <a:rPr lang="en-US" b="1" dirty="0" smtClean="0">
-                    <a:solidFill>
-                      <a:schemeClr val="accent1">
-                        <a:lumMod val="50000"/>
-                      </a:schemeClr>
-                    </a:solidFill>
-                  </a:rPr>
-                  <a:t>F</a:t>
-                </a:r>
-                <a:endParaRPr lang="en-US" b="1" dirty="0">
-                  <a:solidFill>
-                    <a:schemeClr val="accent1">
-                      <a:lumMod val="50000"/>
-                    </a:schemeClr>
-                  </a:solidFill>
-                </a:endParaRPr>
-              </a:p>
-            </p:txBody>
-          </p:sp>
-          <p:sp>
-            <p:nvSpPr>
-              <p:cNvPr id="17" name="TextBox 16"/>
-              <p:cNvSpPr txBox="1"/>
-              <p:nvPr/>
-            </p:nvSpPr>
-            <p:spPr>
-              <a:xfrm>
-                <a:off x="3061156" y="2130023"/>
-                <a:ext cx="398313" cy="369332"/>
-              </a:xfrm>
-              <a:prstGeom prst="rect">
-                <a:avLst/>
-              </a:prstGeom>
-              <a:noFill/>
-            </p:spPr>
-            <p:txBody>
-              <a:bodyPr wrap="square" rtlCol="0">
-                <a:spAutoFit/>
-              </a:bodyPr>
-              <a:lstStyle/>
-              <a:p>
-                <a:r>
-                  <a:rPr lang="en-US" dirty="0" smtClean="0">
-                    <a:solidFill>
-                      <a:srgbClr val="C00000"/>
-                    </a:solidFill>
-                  </a:rPr>
-                  <a:t>A</a:t>
-                </a:r>
-                <a:endParaRPr lang="en-US" dirty="0">
-                  <a:solidFill>
-                    <a:srgbClr val="C00000"/>
-                  </a:solidFill>
-                </a:endParaRPr>
-              </a:p>
-            </p:txBody>
-          </p:sp>
-          <p:sp>
-            <p:nvSpPr>
-              <p:cNvPr id="18" name="TextBox 17"/>
-              <p:cNvSpPr txBox="1"/>
-              <p:nvPr/>
-            </p:nvSpPr>
-            <p:spPr>
-              <a:xfrm>
-                <a:off x="3369827" y="2339131"/>
-                <a:ext cx="398313" cy="369332"/>
-              </a:xfrm>
-              <a:prstGeom prst="rect">
-                <a:avLst/>
-              </a:prstGeom>
-              <a:noFill/>
-            </p:spPr>
-            <p:txBody>
-              <a:bodyPr wrap="square" rtlCol="0">
-                <a:spAutoFit/>
-              </a:bodyPr>
-              <a:lstStyle/>
-              <a:p>
-                <a:r>
-                  <a:rPr lang="en-US" dirty="0" smtClean="0">
-                    <a:solidFill>
-                      <a:srgbClr val="C00000"/>
-                    </a:solidFill>
-                  </a:rPr>
-                  <a:t>B</a:t>
-                </a:r>
-                <a:endParaRPr lang="en-US" dirty="0">
-                  <a:solidFill>
-                    <a:srgbClr val="C00000"/>
-                  </a:solidFill>
-                </a:endParaRPr>
-              </a:p>
-            </p:txBody>
-          </p:sp>
-          <p:sp>
-            <p:nvSpPr>
-              <p:cNvPr id="20" name="TextBox 19"/>
-              <p:cNvSpPr txBox="1"/>
-              <p:nvPr/>
-            </p:nvSpPr>
-            <p:spPr>
-              <a:xfrm>
-                <a:off x="2229109" y="2578093"/>
-                <a:ext cx="386378" cy="369332"/>
-              </a:xfrm>
-              <a:prstGeom prst="rect">
-                <a:avLst/>
-              </a:prstGeom>
-              <a:noFill/>
-            </p:spPr>
-            <p:txBody>
-              <a:bodyPr wrap="square" rtlCol="0">
-                <a:spAutoFit/>
-              </a:bodyPr>
-              <a:lstStyle/>
-              <a:p>
-                <a:r>
-                  <a:rPr lang="en-US" b="1" dirty="0" smtClean="0">
-                    <a:solidFill>
-                      <a:schemeClr val="accent1">
-                        <a:lumMod val="50000"/>
-                      </a:schemeClr>
-                    </a:solidFill>
-                  </a:rPr>
-                  <a:t>E</a:t>
-                </a:r>
-                <a:endParaRPr lang="en-US" b="1" dirty="0">
-                  <a:solidFill>
-                    <a:schemeClr val="accent1">
-                      <a:lumMod val="50000"/>
-                    </a:schemeClr>
-                  </a:solidFill>
-                </a:endParaRPr>
-              </a:p>
-            </p:txBody>
-          </p:sp>
-          <p:sp>
-            <p:nvSpPr>
-              <p:cNvPr id="21" name="TextBox 20"/>
-              <p:cNvSpPr txBox="1"/>
-              <p:nvPr/>
-            </p:nvSpPr>
-            <p:spPr>
-              <a:xfrm>
-                <a:off x="2266987" y="2208761"/>
-                <a:ext cx="386378" cy="369332"/>
-              </a:xfrm>
-              <a:prstGeom prst="rect">
-                <a:avLst/>
-              </a:prstGeom>
-              <a:noFill/>
-            </p:spPr>
-            <p:txBody>
-              <a:bodyPr wrap="square" rtlCol="0">
-                <a:spAutoFit/>
-              </a:bodyPr>
-              <a:lstStyle/>
-              <a:p>
-                <a:r>
-                  <a:rPr lang="en-US" b="1" dirty="0" smtClean="0">
-                    <a:solidFill>
-                      <a:schemeClr val="accent1">
-                        <a:lumMod val="50000"/>
-                      </a:schemeClr>
-                    </a:solidFill>
-                  </a:rPr>
-                  <a:t>G</a:t>
-                </a:r>
-                <a:endParaRPr lang="en-US" b="1" dirty="0">
-                  <a:solidFill>
-                    <a:schemeClr val="accent1">
-                      <a:lumMod val="50000"/>
-                    </a:schemeClr>
-                  </a:solidFill>
-                </a:endParaRPr>
-              </a:p>
-            </p:txBody>
-          </p:sp>
-        </p:grpSp>
-        <p:grpSp>
-          <p:nvGrpSpPr>
-            <p:cNvPr id="36" name="Group 35"/>
-            <p:cNvGrpSpPr/>
-            <p:nvPr/>
-          </p:nvGrpSpPr>
-          <p:grpSpPr>
-            <a:xfrm>
-              <a:off x="4439277" y="477099"/>
-              <a:ext cx="2289824" cy="2536054"/>
-              <a:chOff x="1389529" y="535964"/>
-              <a:chExt cx="2823883" cy="2536054"/>
-            </a:xfrm>
-          </p:grpSpPr>
-          <p:sp>
-            <p:nvSpPr>
-              <p:cNvPr id="40" name="Oval 39"/>
-              <p:cNvSpPr/>
-              <p:nvPr/>
-            </p:nvSpPr>
-            <p:spPr>
-              <a:xfrm>
-                <a:off x="1389529" y="1730567"/>
-                <a:ext cx="2823883" cy="1341451"/>
-              </a:xfrm>
-              <a:prstGeom prst="ellipse">
-                <a:avLst/>
-              </a:prstGeom>
-              <a:noFill/>
-              <a:ln>
-                <a:solidFill>
-                  <a:schemeClr val="tx1"/>
-                </a:solidFill>
-              </a:ln>
-            </p:spPr>
-            <p:style>
-              <a:lnRef idx="2">
-                <a:schemeClr val="accent1">
-                  <a:shade val="50000"/>
-                </a:schemeClr>
-              </a:lnRef>
-              <a:fillRef idx="1">
-                <a:schemeClr val="accent1"/>
-              </a:fillRef>
-              <a:effectRef idx="0">
-                <a:schemeClr val="accent1"/>
-              </a:effectRef>
-              <a:fontRef idx="minor">
-                <a:schemeClr val="lt1"/>
-              </a:fontRef>
-            </p:style>
-            <p:txBody>
-              <a:bodyPr rtlCol="0" anchor="ctr"/>
-              <a:lstStyle/>
-              <a:p>
-                <a:pPr algn="ctr"/>
-                <a:endParaRPr lang="en-US"/>
-              </a:p>
-            </p:txBody>
-          </p:sp>
-          <p:sp>
-            <p:nvSpPr>
-              <p:cNvPr id="41" name="Oval 40"/>
-              <p:cNvSpPr/>
-              <p:nvPr/>
-            </p:nvSpPr>
-            <p:spPr>
-              <a:xfrm rot="5935114">
-                <a:off x="2334520" y="1069899"/>
-                <a:ext cx="2389208" cy="1321337"/>
-              </a:xfrm>
-              <a:prstGeom prst="ellipse">
-                <a:avLst/>
-              </a:prstGeom>
-              <a:noFill/>
-              <a:ln>
-                <a:solidFill>
-                  <a:schemeClr val="tx1"/>
-                </a:solidFill>
-              </a:ln>
-            </p:spPr>
-            <p:style>
-              <a:lnRef idx="2">
-                <a:schemeClr val="accent1">
-                  <a:shade val="50000"/>
-                </a:schemeClr>
-              </a:lnRef>
-              <a:fillRef idx="1">
-                <a:schemeClr val="accent1"/>
-              </a:fillRef>
-              <a:effectRef idx="0">
-                <a:schemeClr val="accent1"/>
-              </a:effectRef>
-              <a:fontRef idx="minor">
-                <a:schemeClr val="lt1"/>
-              </a:fontRef>
-            </p:style>
-            <p:txBody>
-              <a:bodyPr rtlCol="0" anchor="ctr"/>
-              <a:lstStyle/>
-              <a:p>
-                <a:pPr algn="ctr"/>
-                <a:endParaRPr lang="en-US"/>
-              </a:p>
-            </p:txBody>
-          </p:sp>
-          <p:sp>
-            <p:nvSpPr>
-              <p:cNvPr id="42" name="TextBox 41"/>
-              <p:cNvSpPr txBox="1"/>
-              <p:nvPr/>
-            </p:nvSpPr>
-            <p:spPr>
-              <a:xfrm>
-                <a:off x="3362380" y="765355"/>
-                <a:ext cx="386378" cy="369332"/>
-              </a:xfrm>
-              <a:prstGeom prst="rect">
-                <a:avLst/>
-              </a:prstGeom>
-              <a:noFill/>
-            </p:spPr>
-            <p:txBody>
-              <a:bodyPr wrap="square" rtlCol="0">
-                <a:spAutoFit/>
-              </a:bodyPr>
-              <a:lstStyle/>
-              <a:p>
-                <a:r>
-                  <a:rPr lang="en-US" b="1" dirty="0" smtClean="0">
-                    <a:solidFill>
-                      <a:schemeClr val="accent1">
-                        <a:lumMod val="50000"/>
-                      </a:schemeClr>
-                    </a:solidFill>
-                  </a:rPr>
-                  <a:t>C</a:t>
-                </a:r>
-                <a:endParaRPr lang="en-US" b="1" dirty="0">
-                  <a:solidFill>
-                    <a:schemeClr val="accent1">
-                      <a:lumMod val="50000"/>
-                    </a:schemeClr>
-                  </a:solidFill>
-                </a:endParaRPr>
-              </a:p>
-            </p:txBody>
-          </p:sp>
-          <p:sp>
-            <p:nvSpPr>
-              <p:cNvPr id="43" name="TextBox 42"/>
-              <p:cNvSpPr txBox="1"/>
-              <p:nvPr/>
-            </p:nvSpPr>
-            <p:spPr>
-              <a:xfrm>
-                <a:off x="3647140" y="1097432"/>
-                <a:ext cx="386378" cy="369332"/>
-              </a:xfrm>
-              <a:prstGeom prst="rect">
-                <a:avLst/>
-              </a:prstGeom>
-              <a:noFill/>
-            </p:spPr>
-            <p:txBody>
-              <a:bodyPr wrap="square" rtlCol="0">
-                <a:spAutoFit/>
-              </a:bodyPr>
-              <a:lstStyle/>
-              <a:p>
-                <a:r>
-                  <a:rPr lang="en-US" b="1" dirty="0" smtClean="0">
-                    <a:solidFill>
-                      <a:schemeClr val="accent1">
-                        <a:lumMod val="50000"/>
-                      </a:schemeClr>
-                    </a:solidFill>
-                  </a:rPr>
-                  <a:t>D</a:t>
-                </a:r>
-                <a:endParaRPr lang="en-US" b="1" dirty="0">
-                  <a:solidFill>
-                    <a:schemeClr val="accent1">
-                      <a:lumMod val="50000"/>
-                    </a:schemeClr>
-                  </a:solidFill>
-                </a:endParaRPr>
-              </a:p>
-            </p:txBody>
-          </p:sp>
-          <p:sp>
-            <p:nvSpPr>
-              <p:cNvPr id="44" name="TextBox 43"/>
-              <p:cNvSpPr txBox="1"/>
-              <p:nvPr/>
-            </p:nvSpPr>
-            <p:spPr>
-              <a:xfrm>
-                <a:off x="1859593" y="2254202"/>
-                <a:ext cx="386378" cy="369332"/>
-              </a:xfrm>
-              <a:prstGeom prst="rect">
-                <a:avLst/>
-              </a:prstGeom>
-              <a:noFill/>
-            </p:spPr>
-            <p:txBody>
-              <a:bodyPr wrap="square" rtlCol="0">
-                <a:spAutoFit/>
-              </a:bodyPr>
-              <a:lstStyle/>
-              <a:p>
-                <a:r>
-                  <a:rPr lang="en-US" b="1" dirty="0" smtClean="0">
-                    <a:solidFill>
-                      <a:schemeClr val="accent1">
-                        <a:lumMod val="50000"/>
-                      </a:schemeClr>
-                    </a:solidFill>
-                  </a:rPr>
-                  <a:t>F</a:t>
-                </a:r>
-                <a:endParaRPr lang="en-US" b="1" dirty="0">
-                  <a:solidFill>
-                    <a:schemeClr val="accent1">
-                      <a:lumMod val="50000"/>
-                    </a:schemeClr>
-                  </a:solidFill>
-                </a:endParaRPr>
-              </a:p>
-            </p:txBody>
-          </p:sp>
-          <p:sp>
-            <p:nvSpPr>
-              <p:cNvPr id="45" name="TextBox 44"/>
-              <p:cNvSpPr txBox="1"/>
-              <p:nvPr/>
-            </p:nvSpPr>
-            <p:spPr>
-              <a:xfrm>
-                <a:off x="2999043" y="1891563"/>
-                <a:ext cx="398313" cy="369332"/>
-              </a:xfrm>
-              <a:prstGeom prst="rect">
-                <a:avLst/>
-              </a:prstGeom>
-              <a:noFill/>
-            </p:spPr>
-            <p:txBody>
-              <a:bodyPr wrap="square" rtlCol="0">
-                <a:spAutoFit/>
-              </a:bodyPr>
-              <a:lstStyle/>
-              <a:p>
-                <a:r>
-                  <a:rPr lang="en-US" dirty="0" smtClean="0">
-                    <a:solidFill>
-                      <a:srgbClr val="C00000"/>
-                    </a:solidFill>
-                  </a:rPr>
-                  <a:t>A</a:t>
-                </a:r>
-                <a:endParaRPr lang="en-US" dirty="0">
-                  <a:solidFill>
-                    <a:srgbClr val="C00000"/>
-                  </a:solidFill>
-                </a:endParaRPr>
-              </a:p>
-            </p:txBody>
-          </p:sp>
-          <p:sp>
-            <p:nvSpPr>
-              <p:cNvPr id="46" name="TextBox 45"/>
-              <p:cNvSpPr txBox="1"/>
-              <p:nvPr/>
-            </p:nvSpPr>
-            <p:spPr>
-              <a:xfrm>
-                <a:off x="3369827" y="2339131"/>
-                <a:ext cx="398313" cy="369332"/>
-              </a:xfrm>
-              <a:prstGeom prst="rect">
-                <a:avLst/>
-              </a:prstGeom>
-              <a:noFill/>
-            </p:spPr>
-            <p:txBody>
-              <a:bodyPr wrap="square" rtlCol="0">
-                <a:spAutoFit/>
-              </a:bodyPr>
-              <a:lstStyle/>
-              <a:p>
-                <a:r>
-                  <a:rPr lang="en-US" dirty="0" smtClean="0">
-                    <a:solidFill>
-                      <a:srgbClr val="C00000"/>
-                    </a:solidFill>
-                  </a:rPr>
-                  <a:t>B</a:t>
-                </a:r>
-                <a:endParaRPr lang="en-US" dirty="0">
-                  <a:solidFill>
-                    <a:srgbClr val="C00000"/>
-                  </a:solidFill>
-                </a:endParaRPr>
-              </a:p>
-            </p:txBody>
-          </p:sp>
-          <p:sp>
-            <p:nvSpPr>
-              <p:cNvPr id="47" name="TextBox 46"/>
-              <p:cNvSpPr txBox="1"/>
-              <p:nvPr/>
-            </p:nvSpPr>
-            <p:spPr>
-              <a:xfrm>
-                <a:off x="2229109" y="2578093"/>
-                <a:ext cx="386378" cy="369332"/>
-              </a:xfrm>
-              <a:prstGeom prst="rect">
-                <a:avLst/>
-              </a:prstGeom>
-              <a:noFill/>
-            </p:spPr>
-            <p:txBody>
-              <a:bodyPr wrap="square" rtlCol="0">
-                <a:spAutoFit/>
-              </a:bodyPr>
-              <a:lstStyle/>
-              <a:p>
-                <a:r>
-                  <a:rPr lang="en-US" b="1" dirty="0" smtClean="0">
-                    <a:solidFill>
-                      <a:schemeClr val="accent1">
-                        <a:lumMod val="50000"/>
-                      </a:schemeClr>
-                    </a:solidFill>
-                  </a:rPr>
-                  <a:t>E</a:t>
-                </a:r>
-                <a:endParaRPr lang="en-US" b="1" dirty="0">
-                  <a:solidFill>
-                    <a:schemeClr val="accent1">
-                      <a:lumMod val="50000"/>
-                    </a:schemeClr>
-                  </a:solidFill>
-                </a:endParaRPr>
-              </a:p>
-            </p:txBody>
-          </p:sp>
-          <p:sp>
-            <p:nvSpPr>
-              <p:cNvPr id="48" name="TextBox 47"/>
-              <p:cNvSpPr txBox="1"/>
-              <p:nvPr/>
-            </p:nvSpPr>
-            <p:spPr>
-              <a:xfrm>
-                <a:off x="2266987" y="2208761"/>
-                <a:ext cx="386378" cy="369332"/>
-              </a:xfrm>
-              <a:prstGeom prst="rect">
-                <a:avLst/>
-              </a:prstGeom>
-              <a:noFill/>
-            </p:spPr>
-            <p:txBody>
-              <a:bodyPr wrap="square" rtlCol="0">
-                <a:spAutoFit/>
-              </a:bodyPr>
-              <a:lstStyle/>
-              <a:p>
-                <a:r>
-                  <a:rPr lang="en-US" b="1" dirty="0" smtClean="0">
-                    <a:solidFill>
-                      <a:schemeClr val="accent1">
-                        <a:lumMod val="50000"/>
-                      </a:schemeClr>
-                    </a:solidFill>
-                  </a:rPr>
-                  <a:t>G</a:t>
-                </a:r>
-                <a:endParaRPr lang="en-US" b="1" dirty="0">
-                  <a:solidFill>
-                    <a:schemeClr val="accent1">
-                      <a:lumMod val="50000"/>
-                    </a:schemeClr>
-                  </a:solidFill>
-                </a:endParaRPr>
-              </a:p>
-            </p:txBody>
-          </p:sp>
-        </p:grpSp>
-        <p:sp>
-          <p:nvSpPr>
-            <p:cNvPr id="49" name="Oval 48"/>
-            <p:cNvSpPr/>
-            <p:nvPr/>
-          </p:nvSpPr>
-          <p:spPr>
-            <a:xfrm rot="10964125">
-              <a:off x="6002959" y="2048842"/>
-              <a:ext cx="1911179" cy="948107"/>
-            </a:xfrm>
-            <a:prstGeom prst="ellipse">
-              <a:avLst/>
-            </a:prstGeom>
-            <a:noFill/>
-            <a:ln>
-              <a:solidFill>
-                <a:schemeClr val="tx1"/>
-              </a:solidFill>
-            </a:ln>
-          </p:spPr>
-          <p:style>
-            <a:lnRef idx="2">
-              <a:schemeClr val="accent1">
-                <a:shade val="50000"/>
-              </a:schemeClr>
-            </a:lnRef>
-            <a:fillRef idx="1">
-              <a:schemeClr val="accent1"/>
-            </a:fillRef>
-            <a:effectRef idx="0">
-              <a:schemeClr val="accent1"/>
-            </a:effectRef>
-            <a:fontRef idx="minor">
-              <a:schemeClr val="lt1"/>
-            </a:fontRef>
-          </p:style>
-          <p:txBody>
-            <a:bodyPr rtlCol="0" anchor="ctr"/>
-            <a:lstStyle/>
-            <a:p>
-              <a:pPr algn="ctr"/>
-              <a:endParaRPr lang="en-US"/>
-            </a:p>
-          </p:txBody>
-        </p:sp>
-        <p:sp>
-          <p:nvSpPr>
-            <p:cNvPr id="50" name="TextBox 49"/>
-            <p:cNvSpPr txBox="1"/>
-            <p:nvPr/>
-          </p:nvSpPr>
-          <p:spPr>
-            <a:xfrm>
-              <a:off x="7000356" y="2280266"/>
-              <a:ext cx="313305" cy="369332"/>
-            </a:xfrm>
-            <a:prstGeom prst="rect">
-              <a:avLst/>
-            </a:prstGeom>
-            <a:noFill/>
-          </p:spPr>
-          <p:txBody>
-            <a:bodyPr wrap="square" rtlCol="0">
-              <a:spAutoFit/>
-            </a:bodyPr>
-            <a:lstStyle/>
-            <a:p>
-              <a:r>
-                <a:rPr lang="en-US" b="1" dirty="0" smtClean="0">
-                  <a:solidFill>
-                    <a:schemeClr val="accent1">
-                      <a:lumMod val="50000"/>
-                    </a:schemeClr>
-                  </a:solidFill>
-                </a:rPr>
-                <a:t>H</a:t>
-              </a:r>
-              <a:endParaRPr lang="en-US" b="1" dirty="0">
-                <a:solidFill>
-                  <a:schemeClr val="accent1">
-                    <a:lumMod val="50000"/>
-                  </a:schemeClr>
-                </a:solidFill>
-              </a:endParaRPr>
-            </a:p>
-          </p:txBody>
-        </p:sp>
-        <p:sp>
-          <p:nvSpPr>
-            <p:cNvPr id="51" name="Oval 50"/>
-            <p:cNvSpPr/>
-            <p:nvPr/>
-          </p:nvSpPr>
-          <p:spPr>
-            <a:xfrm rot="10964125">
-              <a:off x="6848239" y="1113139"/>
-              <a:ext cx="1584196" cy="848367"/>
-            </a:xfrm>
-            <a:prstGeom prst="ellipse">
-              <a:avLst/>
-            </a:prstGeom>
-            <a:noFill/>
-            <a:ln>
-              <a:solidFill>
-                <a:schemeClr val="tx1"/>
-              </a:solidFill>
-            </a:ln>
-          </p:spPr>
-          <p:style>
-            <a:lnRef idx="2">
-              <a:schemeClr val="accent1">
-                <a:shade val="50000"/>
-              </a:schemeClr>
-            </a:lnRef>
-            <a:fillRef idx="1">
-              <a:schemeClr val="accent1"/>
-            </a:fillRef>
-            <a:effectRef idx="0">
-              <a:schemeClr val="accent1"/>
-            </a:effectRef>
-            <a:fontRef idx="minor">
-              <a:schemeClr val="lt1"/>
-            </a:fontRef>
-          </p:style>
-          <p:txBody>
-            <a:bodyPr rtlCol="0" anchor="ctr"/>
-            <a:lstStyle/>
-            <a:p>
-              <a:pPr algn="ctr"/>
-              <a:endParaRPr lang="en-US"/>
-            </a:p>
-          </p:txBody>
-        </p:sp>
-        <p:sp>
-          <p:nvSpPr>
-            <p:cNvPr id="52" name="TextBox 51"/>
-            <p:cNvSpPr txBox="1"/>
-            <p:nvPr/>
-          </p:nvSpPr>
-          <p:spPr>
-            <a:xfrm>
-              <a:off x="7236718" y="1330714"/>
-              <a:ext cx="313305" cy="369332"/>
-            </a:xfrm>
-            <a:prstGeom prst="rect">
-              <a:avLst/>
-            </a:prstGeom>
-            <a:noFill/>
-          </p:spPr>
-          <p:txBody>
-            <a:bodyPr wrap="square" rtlCol="0">
-              <a:spAutoFit/>
-            </a:bodyPr>
-            <a:lstStyle/>
-            <a:p>
-              <a:r>
-                <a:rPr lang="en-US" b="1" dirty="0" smtClean="0">
-                  <a:solidFill>
-                    <a:schemeClr val="accent1">
-                      <a:lumMod val="50000"/>
-                    </a:schemeClr>
-                  </a:solidFill>
-                </a:rPr>
-                <a:t>I</a:t>
-              </a:r>
-              <a:endParaRPr lang="en-US" b="1" dirty="0">
-                <a:solidFill>
-                  <a:schemeClr val="accent1">
-                    <a:lumMod val="50000"/>
-                  </a:schemeClr>
-                </a:solidFill>
-              </a:endParaRPr>
-            </a:p>
-          </p:txBody>
-        </p:sp>
-        <p:sp>
-          <p:nvSpPr>
-            <p:cNvPr id="53" name="TextBox 52"/>
-            <p:cNvSpPr txBox="1"/>
-            <p:nvPr/>
-          </p:nvSpPr>
-          <p:spPr>
-            <a:xfrm>
-              <a:off x="7739404" y="1330714"/>
-              <a:ext cx="313305" cy="369332"/>
-            </a:xfrm>
-            <a:prstGeom prst="rect">
-              <a:avLst/>
-            </a:prstGeom>
-            <a:noFill/>
-          </p:spPr>
-          <p:txBody>
-            <a:bodyPr wrap="square" rtlCol="0">
-              <a:spAutoFit/>
-            </a:bodyPr>
-            <a:lstStyle/>
-            <a:p>
-              <a:r>
-                <a:rPr lang="en-US" b="1" dirty="0" smtClean="0">
-                  <a:solidFill>
-                    <a:schemeClr val="accent1">
-                      <a:lumMod val="50000"/>
-                    </a:schemeClr>
-                  </a:solidFill>
-                </a:rPr>
-                <a:t>J</a:t>
-              </a:r>
-              <a:endParaRPr lang="en-US" b="1" dirty="0">
-                <a:solidFill>
-                  <a:schemeClr val="accent1">
-                    <a:lumMod val="50000"/>
-                  </a:schemeClr>
-                </a:solidFill>
-              </a:endParaRPr>
-            </a:p>
-          </p:txBody>
-        </p:sp>
-        <p:sp>
-          <p:nvSpPr>
-            <p:cNvPr id="54" name="TextBox 53"/>
-            <p:cNvSpPr txBox="1"/>
-            <p:nvPr/>
-          </p:nvSpPr>
-          <p:spPr>
-            <a:xfrm>
-              <a:off x="2112560" y="3437051"/>
-              <a:ext cx="1655580" cy="369332"/>
-            </a:xfrm>
-            <a:prstGeom prst="rect">
-              <a:avLst/>
-            </a:prstGeom>
-            <a:noFill/>
-          </p:spPr>
-          <p:txBody>
-            <a:bodyPr wrap="square" rtlCol="0">
-              <a:spAutoFit/>
-            </a:bodyPr>
-            <a:lstStyle/>
-            <a:p>
-              <a:r>
-                <a:rPr lang="en-US" b="1" dirty="0" smtClean="0"/>
-                <a:t>R = /\ r </a:t>
-              </a:r>
-              <a:r>
-                <a:rPr lang="en-US" b="1" dirty="0" smtClean="0">
-                  <a:latin typeface="Meiryo" panose="020B0604030504040204" pitchFamily="34" charset="-128"/>
-                  <a:ea typeface="Meiryo" panose="020B0604030504040204" pitchFamily="34" charset="-128"/>
-                </a:rPr>
-                <a:t>∈ ∆</a:t>
-              </a:r>
-              <a:endParaRPr lang="en-US" b="1" dirty="0"/>
-            </a:p>
-          </p:txBody>
-        </p:sp>
-        <p:sp>
-          <p:nvSpPr>
-            <p:cNvPr id="2" name="Rectangle 1"/>
-            <p:cNvSpPr/>
-            <p:nvPr/>
-          </p:nvSpPr>
-          <p:spPr>
-            <a:xfrm>
-              <a:off x="2580095" y="4029070"/>
-              <a:ext cx="442750" cy="369332"/>
-            </a:xfrm>
-            <a:prstGeom prst="rect">
-              <a:avLst/>
-            </a:prstGeom>
-          </p:spPr>
-          <p:txBody>
-            <a:bodyPr wrap="none">
-              <a:spAutoFit/>
-            </a:bodyPr>
-            <a:lstStyle/>
-            <a:p>
-              <a:r>
-                <a:rPr lang="en-US" b="1" dirty="0" smtClean="0"/>
-                <a:t>(a)</a:t>
-              </a:r>
-              <a:endParaRPr lang="en-US" dirty="0"/>
-            </a:p>
-          </p:txBody>
-        </p:sp>
-        <p:sp>
-          <p:nvSpPr>
-            <p:cNvPr id="55" name="Rectangle 54"/>
-            <p:cNvSpPr/>
-            <p:nvPr/>
-          </p:nvSpPr>
-          <p:spPr>
-            <a:xfrm>
-              <a:off x="6039018" y="3951203"/>
-              <a:ext cx="452368" cy="369332"/>
-            </a:xfrm>
-            <a:prstGeom prst="rect">
-              <a:avLst/>
-            </a:prstGeom>
-          </p:spPr>
-          <p:txBody>
-            <a:bodyPr wrap="none">
-              <a:spAutoFit/>
-            </a:bodyPr>
-            <a:lstStyle/>
-            <a:p>
-              <a:r>
-                <a:rPr lang="en-US" b="1" dirty="0" smtClean="0"/>
-                <a:t>(b)</a:t>
-              </a:r>
-              <a:endParaRPr lang="en-US" dirty="0"/>
-            </a:p>
-          </p:txBody>
-        </p:sp>
-        <p:cxnSp>
-          <p:nvCxnSpPr>
-            <p:cNvPr id="7" name="Straight Arrow Connector 6"/>
-            <p:cNvCxnSpPr>
-              <a:endCxn id="49" idx="0"/>
-            </p:cNvCxnSpPr>
-            <p:nvPr/>
-          </p:nvCxnSpPr>
-          <p:spPr>
-            <a:xfrm flipH="1" flipV="1">
-              <a:off x="6935924" y="2996409"/>
-              <a:ext cx="718146" cy="612624"/>
-            </a:xfrm>
-            <a:prstGeom prst="straightConnector1">
-              <a:avLst/>
-            </a:prstGeom>
-            <a:ln>
-              <a:solidFill>
-                <a:schemeClr val="tx1"/>
-              </a:solidFill>
-              <a:tailEnd type="triangle"/>
-            </a:ln>
-          </p:spPr>
-          <p:style>
-            <a:lnRef idx="1">
-              <a:schemeClr val="accent1"/>
-            </a:lnRef>
-            <a:fillRef idx="0">
-              <a:schemeClr val="accent1"/>
-            </a:fillRef>
-            <a:effectRef idx="0">
-              <a:schemeClr val="accent1"/>
-            </a:effectRef>
-            <a:fontRef idx="minor">
-              <a:schemeClr val="tx1"/>
-            </a:fontRef>
-          </p:style>
-        </p:cxnSp>
-        <p:cxnSp>
-          <p:nvCxnSpPr>
-            <p:cNvPr id="56" name="Straight Arrow Connector 55"/>
-            <p:cNvCxnSpPr/>
-            <p:nvPr/>
-          </p:nvCxnSpPr>
-          <p:spPr>
-            <a:xfrm flipV="1">
-              <a:off x="4849991" y="2757295"/>
-              <a:ext cx="977546" cy="773502"/>
-            </a:xfrm>
-            <a:prstGeom prst="straightConnector1">
-              <a:avLst/>
-            </a:prstGeom>
-            <a:ln>
-              <a:solidFill>
-                <a:schemeClr val="tx1"/>
-              </a:solidFill>
-              <a:tailEnd type="triangle"/>
-            </a:ln>
-          </p:spPr>
-          <p:style>
-            <a:lnRef idx="1">
-              <a:schemeClr val="accent1"/>
-            </a:lnRef>
-            <a:fillRef idx="0">
-              <a:schemeClr val="accent1"/>
-            </a:fillRef>
-            <a:effectRef idx="0">
-              <a:schemeClr val="accent1"/>
-            </a:effectRef>
-            <a:fontRef idx="minor">
-              <a:schemeClr val="tx1"/>
-            </a:fontRef>
-          </p:style>
-        </p:cxnSp>
-        <p:cxnSp>
-          <p:nvCxnSpPr>
-            <p:cNvPr id="59" name="Straight Arrow Connector 58"/>
-            <p:cNvCxnSpPr/>
-            <p:nvPr/>
-          </p:nvCxnSpPr>
-          <p:spPr>
-            <a:xfrm flipV="1">
-              <a:off x="4719473" y="2888560"/>
-              <a:ext cx="303138" cy="569439"/>
-            </a:xfrm>
-            <a:prstGeom prst="straightConnector1">
-              <a:avLst/>
-            </a:prstGeom>
-            <a:ln>
-              <a:solidFill>
-                <a:schemeClr val="tx1"/>
-              </a:solidFill>
-              <a:tailEnd type="triangle"/>
-            </a:ln>
-          </p:spPr>
-          <p:style>
-            <a:lnRef idx="1">
-              <a:schemeClr val="accent1"/>
-            </a:lnRef>
-            <a:fillRef idx="0">
-              <a:schemeClr val="accent1"/>
-            </a:fillRef>
-            <a:effectRef idx="0">
-              <a:schemeClr val="accent1"/>
-            </a:effectRef>
-            <a:fontRef idx="minor">
-              <a:schemeClr val="tx1"/>
-            </a:fontRef>
-          </p:style>
-        </p:cxnSp>
-        <p:sp>
-          <p:nvSpPr>
-            <p:cNvPr id="61" name="Rectangle 60"/>
-            <p:cNvSpPr/>
-            <p:nvPr/>
-          </p:nvSpPr>
-          <p:spPr>
-            <a:xfrm>
-              <a:off x="4462201" y="3424367"/>
-              <a:ext cx="357790" cy="369332"/>
-            </a:xfrm>
-            <a:prstGeom prst="rect">
-              <a:avLst/>
-            </a:prstGeom>
-          </p:spPr>
-          <p:txBody>
-            <a:bodyPr wrap="none">
-              <a:spAutoFit/>
-            </a:bodyPr>
-            <a:lstStyle/>
-            <a:p>
-              <a:r>
-                <a:rPr lang="en-US" b="1" dirty="0" smtClean="0"/>
-                <a:t>r</a:t>
-              </a:r>
-              <a:r>
-                <a:rPr lang="en-US" sz="1200" b="1" dirty="0" smtClean="0"/>
-                <a:t>1</a:t>
-              </a:r>
-              <a:endParaRPr lang="en-US" sz="1200" dirty="0"/>
-            </a:p>
-          </p:txBody>
-        </p:sp>
-        <p:sp>
-          <p:nvSpPr>
-            <p:cNvPr id="62" name="Rectangle 61"/>
-            <p:cNvSpPr/>
-            <p:nvPr/>
-          </p:nvSpPr>
-          <p:spPr>
-            <a:xfrm>
-              <a:off x="7577883" y="3454071"/>
-              <a:ext cx="357790" cy="369332"/>
-            </a:xfrm>
-            <a:prstGeom prst="rect">
-              <a:avLst/>
-            </a:prstGeom>
-          </p:spPr>
-          <p:txBody>
-            <a:bodyPr wrap="none">
-              <a:spAutoFit/>
-            </a:bodyPr>
-            <a:lstStyle/>
-            <a:p>
-              <a:r>
-                <a:rPr lang="en-US" b="1" dirty="0" smtClean="0"/>
-                <a:t>r</a:t>
-              </a:r>
-              <a:r>
-                <a:rPr lang="en-US" sz="1200" b="1" dirty="0" smtClean="0"/>
-                <a:t>2</a:t>
-              </a:r>
-              <a:endParaRPr lang="en-US" sz="1200" dirty="0"/>
-            </a:p>
-          </p:txBody>
-        </p:sp>
-        <p:sp>
-          <p:nvSpPr>
-            <p:cNvPr id="63" name="Rectangle 62"/>
-            <p:cNvSpPr/>
-            <p:nvPr/>
-          </p:nvSpPr>
-          <p:spPr>
-            <a:xfrm>
-              <a:off x="8174893" y="3461055"/>
-              <a:ext cx="357790" cy="369332"/>
-            </a:xfrm>
-            <a:prstGeom prst="rect">
-              <a:avLst/>
-            </a:prstGeom>
-          </p:spPr>
-          <p:txBody>
-            <a:bodyPr wrap="none">
-              <a:spAutoFit/>
-            </a:bodyPr>
-            <a:lstStyle/>
-            <a:p>
-              <a:r>
-                <a:rPr lang="en-US" b="1" dirty="0" smtClean="0"/>
-                <a:t>r</a:t>
-              </a:r>
-              <a:r>
-                <a:rPr lang="en-US" sz="1200" b="1" dirty="0" smtClean="0"/>
-                <a:t>3</a:t>
-              </a:r>
-              <a:endParaRPr lang="en-US" sz="1200" dirty="0"/>
-            </a:p>
-          </p:txBody>
-        </p:sp>
-        <p:cxnSp>
-          <p:nvCxnSpPr>
-            <p:cNvPr id="65" name="Straight Arrow Connector 64"/>
-            <p:cNvCxnSpPr>
-              <a:stCxn id="63" idx="0"/>
-              <a:endCxn id="51" idx="1"/>
-            </p:cNvCxnSpPr>
-            <p:nvPr/>
-          </p:nvCxnSpPr>
-          <p:spPr>
-            <a:xfrm flipH="1" flipV="1">
-              <a:off x="8185482" y="1863654"/>
-              <a:ext cx="168306" cy="1597401"/>
-            </a:xfrm>
-            <a:prstGeom prst="straightConnector1">
-              <a:avLst/>
-            </a:prstGeom>
-            <a:ln>
-              <a:solidFill>
-                <a:schemeClr val="tx1"/>
-              </a:solidFill>
-              <a:tailEnd type="triangle"/>
-            </a:ln>
-          </p:spPr>
-          <p:style>
-            <a:lnRef idx="1">
-              <a:schemeClr val="accent1"/>
-            </a:lnRef>
-            <a:fillRef idx="0">
-              <a:schemeClr val="accent1"/>
-            </a:fillRef>
-            <a:effectRef idx="0">
-              <a:schemeClr val="accent1"/>
-            </a:effectRef>
-            <a:fontRef idx="minor">
-              <a:schemeClr val="tx1"/>
-            </a:fontRef>
-          </p:style>
-        </p:cxnSp>
-        <p:cxnSp>
-          <p:nvCxnSpPr>
-            <p:cNvPr id="71" name="Straight Arrow Connector 70"/>
-            <p:cNvCxnSpPr>
-              <a:endCxn id="49" idx="1"/>
-            </p:cNvCxnSpPr>
-            <p:nvPr/>
-          </p:nvCxnSpPr>
-          <p:spPr>
-            <a:xfrm flipH="1" flipV="1">
-              <a:off x="7617485" y="2889967"/>
-              <a:ext cx="587645" cy="578071"/>
-            </a:xfrm>
-            <a:prstGeom prst="straightConnector1">
-              <a:avLst/>
-            </a:prstGeom>
-            <a:ln>
-              <a:solidFill>
-                <a:schemeClr val="tx1"/>
-              </a:solidFill>
-              <a:tailEnd type="triangle"/>
-            </a:ln>
-          </p:spPr>
-          <p:style>
-            <a:lnRef idx="1">
-              <a:schemeClr val="accent1"/>
-            </a:lnRef>
-            <a:fillRef idx="0">
-              <a:schemeClr val="accent1"/>
-            </a:fillRef>
-            <a:effectRef idx="0">
-              <a:schemeClr val="accent1"/>
-            </a:effectRef>
-            <a:fontRef idx="minor">
-              <a:schemeClr val="tx1"/>
-            </a:fontRef>
-          </p:style>
-        </p:cxnSp>
-        <p:cxnSp>
-          <p:nvCxnSpPr>
-            <p:cNvPr id="76" name="Straight Connector 75"/>
-            <p:cNvCxnSpPr/>
-            <p:nvPr/>
-          </p:nvCxnSpPr>
-          <p:spPr>
-            <a:xfrm>
-              <a:off x="4367005" y="447982"/>
-              <a:ext cx="0" cy="3989914"/>
-            </a:xfrm>
-            <a:prstGeom prst="line">
-              <a:avLst/>
-            </a:prstGeom>
-            <a:ln>
-              <a:solidFill>
-                <a:schemeClr val="tx1"/>
-              </a:solidFill>
-              <a:prstDash val="lgDash"/>
-            </a:ln>
-          </p:spPr>
-          <p:style>
-            <a:lnRef idx="1">
-              <a:schemeClr val="accent1"/>
-            </a:lnRef>
-            <a:fillRef idx="0">
-              <a:schemeClr val="accent1"/>
-            </a:fillRef>
-            <a:effectRef idx="0">
-              <a:schemeClr val="accent1"/>
-            </a:effectRef>
-            <a:fontRef idx="minor">
-              <a:schemeClr val="tx1"/>
-            </a:fontRef>
-          </p:style>
-        </p:cxnSp>
-        <p:sp>
-          <p:nvSpPr>
-            <p:cNvPr id="77" name="Rectangle 76"/>
-            <p:cNvSpPr/>
-            <p:nvPr/>
-          </p:nvSpPr>
-          <p:spPr>
-            <a:xfrm>
-              <a:off x="1278466" y="408488"/>
-              <a:ext cx="7284453" cy="4053445"/>
-            </a:xfrm>
-            <a:prstGeom prst="rect">
-              <a:avLst/>
-            </a:prstGeom>
-            <a:noFill/>
-            <a:ln>
-              <a:solidFill>
-                <a:schemeClr val="tx1"/>
-              </a:solidFill>
-            </a:ln>
-          </p:spPr>
-          <p:style>
-            <a:lnRef idx="2">
-              <a:schemeClr val="accent1">
-                <a:shade val="50000"/>
-              </a:schemeClr>
-            </a:lnRef>
-            <a:fillRef idx="1">
-              <a:schemeClr val="accent1"/>
-            </a:fillRef>
-            <a:effectRef idx="0">
-              <a:schemeClr val="accent1"/>
-            </a:effectRef>
-            <a:fontRef idx="minor">
-              <a:schemeClr val="lt1"/>
-            </a:fontRef>
-          </p:style>
-          <p:txBody>
-            <a:bodyPr rtlCol="0" anchor="ctr"/>
-            <a:lstStyle/>
-            <a:p>
-              <a:pPr algn="ctr"/>
-              <a:endParaRPr lang="en-US"/>
-            </a:p>
-          </p:txBody>
-        </p:sp>
-      </p:grpSp>
-    </p:spTree>
-    <p:extLst>
-      <p:ext uri="{BB962C8B-B14F-4D97-AF65-F5344CB8AC3E}">
-        <p14:creationId xmlns:p14="http://schemas.microsoft.com/office/powerpoint/2010/main" val="2362600380"/>
-      </p:ext>
-    </p:extLst>
-  </p:cSld>
-  <p:clrMapOvr>
-    <a:masterClrMapping/>
-  </p:clrMapOvr>
-</p:sld>
-</file>
-
-<file path=ppt/slides/slide9.xml><?xml version="1.0" encoding="utf-8"?>
-<p:sld xmlns:a="http://schemas.openxmlformats.org/drawingml/2006/main" xmlns:r="http://schemas.openxmlformats.org/officeDocument/2006/relationships" xmlns:p="http://schemas.openxmlformats.org/presentationml/2006/main">
-  <p:cSld>
-    <p:spTree>
-      <p:nvGrpSpPr>
-        <p:cNvPr id="1" name=""/>
-        <p:cNvGrpSpPr/>
-        <p:nvPr/>
-      </p:nvGrpSpPr>
-      <p:grpSpPr>
-        <a:xfrm>
-          <a:off x="0" y="0"/>
-          <a:ext cx="0" cy="0"/>
-          <a:chOff x="0" y="0"/>
-          <a:chExt cx="0" cy="0"/>
-        </a:xfrm>
-      </p:grpSpPr>
-      <p:sp>
-        <p:nvSpPr>
-          <p:cNvPr id="3" name="Content Placeholder 2"/>
-          <p:cNvSpPr>
-            <a:spLocks noGrp="1"/>
-          </p:cNvSpPr>
-          <p:nvPr>
-            <p:ph idx="1"/>
-          </p:nvPr>
-        </p:nvSpPr>
-        <p:spPr>
-          <a:xfrm>
-            <a:off x="-1213884" y="499454"/>
-            <a:ext cx="8745187" cy="6124630"/>
-          </a:xfrm>
-          <a:ln>
-            <a:solidFill>
-              <a:schemeClr val="tx1"/>
-            </a:solidFill>
-          </a:ln>
-        </p:spPr>
-        <p:txBody>
-          <a:bodyPr>
-            <a:normAutofit fontScale="92500" lnSpcReduction="10000"/>
-          </a:bodyPr>
-          <a:lstStyle/>
-          <a:p>
-            <a:pPr marL="0" indent="0">
-              <a:buNone/>
-            </a:pPr>
-            <a:endParaRPr lang="en-US" sz="2000" b="1" dirty="0" smtClean="0">
-              <a:latin typeface="Courier New" panose="02070309020205020404" pitchFamily="49" charset="0"/>
-              <a:cs typeface="Courier New" panose="02070309020205020404" pitchFamily="49" charset="0"/>
-            </a:endParaRPr>
-          </a:p>
-          <a:p>
-            <a:pPr marL="0" indent="0">
-              <a:buNone/>
-            </a:pPr>
-            <a:r>
-              <a:rPr lang="en-US" sz="2000" b="1" dirty="0" smtClean="0">
-                <a:latin typeface="Courier New" panose="02070309020205020404" pitchFamily="49" charset="0"/>
-                <a:cs typeface="Courier New" panose="02070309020205020404" pitchFamily="49" charset="0"/>
-              </a:rPr>
-              <a:t>node </a:t>
-            </a:r>
-            <a:r>
-              <a:rPr lang="en-US" sz="2000" b="1" dirty="0">
-                <a:latin typeface="Courier New" panose="02070309020205020404" pitchFamily="49" charset="0"/>
-                <a:cs typeface="Courier New" panose="02070309020205020404" pitchFamily="49" charset="0"/>
-              </a:rPr>
-              <a:t>top( in1 : bool; in2: bool) returns (P : bool</a:t>
-            </a:r>
-            <a:r>
-              <a:rPr lang="en-US" sz="2000" b="1" dirty="0" smtClean="0">
-                <a:latin typeface="Courier New" panose="02070309020205020404" pitchFamily="49" charset="0"/>
-                <a:cs typeface="Courier New" panose="02070309020205020404" pitchFamily="49" charset="0"/>
-              </a:rPr>
-              <a:t>);</a:t>
-            </a:r>
-          </a:p>
-          <a:p>
-            <a:pPr marL="0" indent="0">
-              <a:buNone/>
-            </a:pPr>
-            <a:r>
-              <a:rPr lang="en-US" sz="2000" b="1" dirty="0">
-                <a:latin typeface="Courier New" panose="02070309020205020404" pitchFamily="49" charset="0"/>
-                <a:cs typeface="Courier New" panose="02070309020205020404" pitchFamily="49" charset="0"/>
-              </a:rPr>
-              <a:t>	</a:t>
-            </a:r>
-            <a:r>
-              <a:rPr lang="en-US" sz="2000" b="1" dirty="0" smtClean="0">
-                <a:latin typeface="Courier New" panose="02070309020205020404" pitchFamily="49" charset="0"/>
-                <a:cs typeface="Courier New" panose="02070309020205020404" pitchFamily="49" charset="0"/>
-              </a:rPr>
-              <a:t>var  </a:t>
-            </a:r>
-          </a:p>
-          <a:p>
-            <a:pPr marL="0" indent="0">
-              <a:buNone/>
-            </a:pPr>
-            <a:r>
-              <a:rPr lang="en-US" sz="2000" b="1" dirty="0">
-                <a:latin typeface="Courier New" panose="02070309020205020404" pitchFamily="49" charset="0"/>
-                <a:cs typeface="Courier New" panose="02070309020205020404" pitchFamily="49" charset="0"/>
-              </a:rPr>
-              <a:t>	</a:t>
-            </a:r>
-            <a:r>
-              <a:rPr lang="en-US" sz="2000" b="1" dirty="0" smtClean="0">
-                <a:latin typeface="Courier New" panose="02070309020205020404" pitchFamily="49" charset="0"/>
-                <a:cs typeface="Courier New" panose="02070309020205020404" pitchFamily="49" charset="0"/>
-              </a:rPr>
-              <a:t>	x </a:t>
-            </a:r>
-            <a:r>
-              <a:rPr lang="en-US" sz="2000" b="1" dirty="0">
-                <a:latin typeface="Courier New" panose="02070309020205020404" pitchFamily="49" charset="0"/>
-                <a:cs typeface="Courier New" panose="02070309020205020404" pitchFamily="49" charset="0"/>
-              </a:rPr>
-              <a:t>: int;  c1 : bool;   </a:t>
-            </a:r>
-            <a:endParaRPr lang="en-US" sz="2000" b="1" dirty="0" smtClean="0">
-              <a:latin typeface="Courier New" panose="02070309020205020404" pitchFamily="49" charset="0"/>
-              <a:cs typeface="Courier New" panose="02070309020205020404" pitchFamily="49" charset="0"/>
-            </a:endParaRPr>
-          </a:p>
-          <a:p>
-            <a:pPr marL="0" indent="0">
-              <a:buNone/>
-            </a:pPr>
-            <a:r>
-              <a:rPr lang="en-US" sz="2000" b="1" dirty="0">
-                <a:latin typeface="Courier New" panose="02070309020205020404" pitchFamily="49" charset="0"/>
-                <a:cs typeface="Courier New" panose="02070309020205020404" pitchFamily="49" charset="0"/>
-              </a:rPr>
-              <a:t>	</a:t>
-            </a:r>
-            <a:r>
-              <a:rPr lang="en-US" sz="2000" b="1" dirty="0" smtClean="0">
-                <a:latin typeface="Courier New" panose="02070309020205020404" pitchFamily="49" charset="0"/>
-                <a:cs typeface="Courier New" panose="02070309020205020404" pitchFamily="49" charset="0"/>
-              </a:rPr>
-              <a:t>	c2 </a:t>
-            </a:r>
-            <a:r>
-              <a:rPr lang="en-US" sz="2000" b="1" dirty="0">
-                <a:latin typeface="Courier New" panose="02070309020205020404" pitchFamily="49" charset="0"/>
-                <a:cs typeface="Courier New" panose="02070309020205020404" pitchFamily="49" charset="0"/>
-              </a:rPr>
-              <a:t>: bool;  c3 : bool;  </a:t>
-            </a:r>
-            <a:endParaRPr lang="en-US" sz="2000" b="1" dirty="0" smtClean="0">
-              <a:latin typeface="Courier New" panose="02070309020205020404" pitchFamily="49" charset="0"/>
-              <a:cs typeface="Courier New" panose="02070309020205020404" pitchFamily="49" charset="0"/>
-            </a:endParaRPr>
-          </a:p>
-          <a:p>
-            <a:pPr marL="0" indent="0">
-              <a:buNone/>
-            </a:pPr>
-            <a:r>
-              <a:rPr lang="en-US" sz="2000" b="1" dirty="0">
-                <a:latin typeface="Courier New" panose="02070309020205020404" pitchFamily="49" charset="0"/>
-                <a:cs typeface="Courier New" panose="02070309020205020404" pitchFamily="49" charset="0"/>
-              </a:rPr>
-              <a:t>	</a:t>
-            </a:r>
-            <a:r>
-              <a:rPr lang="en-US" sz="2000" b="1" dirty="0" smtClean="0">
-                <a:latin typeface="Courier New" panose="02070309020205020404" pitchFamily="49" charset="0"/>
-                <a:cs typeface="Courier New" panose="02070309020205020404" pitchFamily="49" charset="0"/>
-              </a:rPr>
-              <a:t>	r1 </a:t>
-            </a:r>
-            <a:r>
-              <a:rPr lang="en-US" sz="2000" b="1" dirty="0">
-                <a:latin typeface="Courier New" panose="02070309020205020404" pitchFamily="49" charset="0"/>
-                <a:cs typeface="Courier New" panose="02070309020205020404" pitchFamily="49" charset="0"/>
-              </a:rPr>
-              <a:t>: bool;  r2 : bool</a:t>
-            </a:r>
-            <a:r>
-              <a:rPr lang="en-US" sz="2000" b="1" dirty="0" smtClean="0">
-                <a:latin typeface="Courier New" panose="02070309020205020404" pitchFamily="49" charset="0"/>
-                <a:cs typeface="Courier New" panose="02070309020205020404" pitchFamily="49" charset="0"/>
-              </a:rPr>
-              <a:t>;</a:t>
-            </a:r>
-          </a:p>
-          <a:p>
-            <a:pPr marL="0" indent="0">
-              <a:buNone/>
-            </a:pPr>
-            <a:r>
-              <a:rPr lang="en-US" sz="2000" b="1" dirty="0">
-                <a:latin typeface="Courier New" panose="02070309020205020404" pitchFamily="49" charset="0"/>
-                <a:cs typeface="Courier New" panose="02070309020205020404" pitchFamily="49" charset="0"/>
-              </a:rPr>
-              <a:t>	</a:t>
-            </a:r>
-            <a:r>
-              <a:rPr lang="en-US" sz="2000" b="1" dirty="0" smtClean="0">
-                <a:latin typeface="Courier New" panose="02070309020205020404" pitchFamily="49" charset="0"/>
-                <a:cs typeface="Courier New" panose="02070309020205020404" pitchFamily="49" charset="0"/>
-              </a:rPr>
-              <a:t>let  </a:t>
-            </a:r>
-          </a:p>
-          <a:p>
-            <a:pPr marL="0" indent="0">
-              <a:buNone/>
-            </a:pPr>
-            <a:r>
-              <a:rPr lang="en-US" sz="2000" b="1" dirty="0">
-                <a:latin typeface="Courier New" panose="02070309020205020404" pitchFamily="49" charset="0"/>
-                <a:cs typeface="Courier New" panose="02070309020205020404" pitchFamily="49" charset="0"/>
-              </a:rPr>
-              <a:t>	</a:t>
-            </a:r>
-            <a:r>
-              <a:rPr lang="en-US" sz="2000" b="1" dirty="0" smtClean="0">
-                <a:latin typeface="Courier New" panose="02070309020205020404" pitchFamily="49" charset="0"/>
-                <a:cs typeface="Courier New" panose="02070309020205020404" pitchFamily="49" charset="0"/>
-              </a:rPr>
-              <a:t>	x </a:t>
-            </a:r>
-            <a:r>
-              <a:rPr lang="en-US" sz="2000" b="1" dirty="0">
-                <a:latin typeface="Courier New" panose="02070309020205020404" pitchFamily="49" charset="0"/>
-                <a:cs typeface="Courier New" panose="02070309020205020404" pitchFamily="49" charset="0"/>
-              </a:rPr>
-              <a:t>= 0 -&gt; if (c2 and x &lt; 90) then (10 + pre(x)) </a:t>
-            </a:r>
-            <a:endParaRPr lang="en-US" sz="2000" b="1" dirty="0" smtClean="0">
-              <a:latin typeface="Courier New" panose="02070309020205020404" pitchFamily="49" charset="0"/>
-              <a:cs typeface="Courier New" panose="02070309020205020404" pitchFamily="49" charset="0"/>
-            </a:endParaRPr>
-          </a:p>
-          <a:p>
-            <a:pPr marL="0" indent="0">
-              <a:buNone/>
-            </a:pPr>
-            <a:r>
-              <a:rPr lang="en-US" sz="2000" b="1" dirty="0">
-                <a:latin typeface="Courier New" panose="02070309020205020404" pitchFamily="49" charset="0"/>
-                <a:cs typeface="Courier New" panose="02070309020205020404" pitchFamily="49" charset="0"/>
-              </a:rPr>
-              <a:t>	</a:t>
-            </a:r>
-            <a:r>
-              <a:rPr lang="en-US" sz="2000" b="1" dirty="0" smtClean="0">
-                <a:latin typeface="Courier New" panose="02070309020205020404" pitchFamily="49" charset="0"/>
-                <a:cs typeface="Courier New" panose="02070309020205020404" pitchFamily="49" charset="0"/>
-              </a:rPr>
-              <a:t>		   else </a:t>
-            </a:r>
-            <a:r>
-              <a:rPr lang="en-US" sz="2000" b="1" dirty="0">
-                <a:latin typeface="Courier New" panose="02070309020205020404" pitchFamily="49" charset="0"/>
-                <a:cs typeface="Courier New" panose="02070309020205020404" pitchFamily="49" charset="0"/>
-              </a:rPr>
-              <a:t>(pre(x) - 10);  </a:t>
-            </a:r>
-            <a:endParaRPr lang="en-US" sz="2000" b="1" dirty="0" smtClean="0">
-              <a:latin typeface="Courier New" panose="02070309020205020404" pitchFamily="49" charset="0"/>
-              <a:cs typeface="Courier New" panose="02070309020205020404" pitchFamily="49" charset="0"/>
-            </a:endParaRPr>
-          </a:p>
-          <a:p>
-            <a:pPr marL="0" indent="0">
-              <a:buNone/>
-            </a:pPr>
-            <a:r>
-              <a:rPr lang="en-US" sz="2000" b="1" dirty="0" smtClean="0">
-                <a:latin typeface="Courier New" panose="02070309020205020404" pitchFamily="49" charset="0"/>
-                <a:cs typeface="Courier New" panose="02070309020205020404" pitchFamily="49" charset="0"/>
-              </a:rPr>
-              <a:t>		r1 </a:t>
-            </a:r>
-            <a:r>
-              <a:rPr lang="en-US" sz="2000" b="1" dirty="0">
-                <a:latin typeface="Courier New" panose="02070309020205020404" pitchFamily="49" charset="0"/>
-                <a:cs typeface="Courier New" panose="02070309020205020404" pitchFamily="49" charset="0"/>
-              </a:rPr>
-              <a:t>= in1;  </a:t>
-            </a:r>
-            <a:endParaRPr lang="en-US" sz="2000" b="1" dirty="0" smtClean="0">
-              <a:latin typeface="Courier New" panose="02070309020205020404" pitchFamily="49" charset="0"/>
-              <a:cs typeface="Courier New" panose="02070309020205020404" pitchFamily="49" charset="0"/>
-            </a:endParaRPr>
-          </a:p>
-          <a:p>
-            <a:pPr marL="0" indent="0">
-              <a:buNone/>
-            </a:pPr>
-            <a:r>
-              <a:rPr lang="en-US" sz="2000" b="1" dirty="0">
-                <a:latin typeface="Courier New" panose="02070309020205020404" pitchFamily="49" charset="0"/>
-                <a:cs typeface="Courier New" panose="02070309020205020404" pitchFamily="49" charset="0"/>
-              </a:rPr>
-              <a:t>	</a:t>
-            </a:r>
-            <a:r>
-              <a:rPr lang="en-US" sz="2000" b="1" dirty="0" smtClean="0">
-                <a:latin typeface="Courier New" panose="02070309020205020404" pitchFamily="49" charset="0"/>
-                <a:cs typeface="Courier New" panose="02070309020205020404" pitchFamily="49" charset="0"/>
-              </a:rPr>
-              <a:t>	r2 </a:t>
-            </a:r>
-            <a:r>
-              <a:rPr lang="en-US" sz="2000" b="1" dirty="0">
-                <a:latin typeface="Courier New" panose="02070309020205020404" pitchFamily="49" charset="0"/>
-                <a:cs typeface="Courier New" panose="02070309020205020404" pitchFamily="49" charset="0"/>
-              </a:rPr>
-              <a:t>= not in1;  </a:t>
-            </a:r>
-            <a:endParaRPr lang="en-US" sz="2000" b="1" dirty="0" smtClean="0">
-              <a:latin typeface="Courier New" panose="02070309020205020404" pitchFamily="49" charset="0"/>
-              <a:cs typeface="Courier New" panose="02070309020205020404" pitchFamily="49" charset="0"/>
-            </a:endParaRPr>
-          </a:p>
-          <a:p>
-            <a:pPr marL="0" indent="0">
-              <a:buNone/>
-            </a:pPr>
-            <a:r>
-              <a:rPr lang="en-US" sz="2000" b="1" dirty="0">
-                <a:latin typeface="Courier New" panose="02070309020205020404" pitchFamily="49" charset="0"/>
-                <a:cs typeface="Courier New" panose="02070309020205020404" pitchFamily="49" charset="0"/>
-              </a:rPr>
-              <a:t>	</a:t>
-            </a:r>
-            <a:r>
-              <a:rPr lang="en-US" sz="2000" b="1" dirty="0" smtClean="0">
-                <a:latin typeface="Courier New" panose="02070309020205020404" pitchFamily="49" charset="0"/>
-                <a:cs typeface="Courier New" panose="02070309020205020404" pitchFamily="49" charset="0"/>
-              </a:rPr>
-              <a:t>	c1 </a:t>
-            </a:r>
-            <a:r>
-              <a:rPr lang="en-US" sz="2000" b="1" dirty="0">
-                <a:latin typeface="Courier New" panose="02070309020205020404" pitchFamily="49" charset="0"/>
-                <a:cs typeface="Courier New" panose="02070309020205020404" pitchFamily="49" charset="0"/>
-              </a:rPr>
-              <a:t>= (r1 or r2) and in2; </a:t>
-            </a:r>
-            <a:endParaRPr lang="en-US" sz="2000" b="1" dirty="0" smtClean="0">
-              <a:latin typeface="Courier New" panose="02070309020205020404" pitchFamily="49" charset="0"/>
-              <a:cs typeface="Courier New" panose="02070309020205020404" pitchFamily="49" charset="0"/>
-            </a:endParaRPr>
-          </a:p>
-          <a:p>
-            <a:pPr marL="0" indent="0">
-              <a:buNone/>
-            </a:pPr>
-            <a:r>
-              <a:rPr lang="en-US" sz="2000" b="1" smtClean="0">
-                <a:latin typeface="Courier New" panose="02070309020205020404" pitchFamily="49" charset="0"/>
-                <a:cs typeface="Courier New" panose="02070309020205020404" pitchFamily="49" charset="0"/>
-              </a:rPr>
-              <a:t>		c2 </a:t>
-            </a:r>
-            <a:r>
-              <a:rPr lang="en-US" sz="2000" b="1" dirty="0">
-                <a:latin typeface="Courier New" panose="02070309020205020404" pitchFamily="49" charset="0"/>
-                <a:cs typeface="Courier New" panose="02070309020205020404" pitchFamily="49" charset="0"/>
-              </a:rPr>
-              <a:t>= </a:t>
-            </a:r>
-            <a:r>
-              <a:rPr lang="en-US" sz="2000" b="1">
-                <a:latin typeface="Courier New" panose="02070309020205020404" pitchFamily="49" charset="0"/>
-                <a:cs typeface="Courier New" panose="02070309020205020404" pitchFamily="49" charset="0"/>
-              </a:rPr>
-              <a:t>if </a:t>
-            </a:r>
-            <a:r>
-              <a:rPr lang="en-US" sz="2000" b="1" smtClean="0">
-                <a:latin typeface="Courier New" panose="02070309020205020404" pitchFamily="49" charset="0"/>
-                <a:cs typeface="Courier New" panose="02070309020205020404" pitchFamily="49" charset="0"/>
-              </a:rPr>
-              <a:t>in2 </a:t>
-            </a:r>
-            <a:r>
-              <a:rPr lang="en-US" sz="2000" b="1" dirty="0">
-                <a:latin typeface="Courier New" panose="02070309020205020404" pitchFamily="49" charset="0"/>
-                <a:cs typeface="Courier New" panose="02070309020205020404" pitchFamily="49" charset="0"/>
-              </a:rPr>
-              <a:t>then false else c1;  </a:t>
-            </a:r>
-            <a:endParaRPr lang="en-US" sz="2000" b="1" dirty="0" smtClean="0">
-              <a:latin typeface="Courier New" panose="02070309020205020404" pitchFamily="49" charset="0"/>
-              <a:cs typeface="Courier New" panose="02070309020205020404" pitchFamily="49" charset="0"/>
-            </a:endParaRPr>
-          </a:p>
-          <a:p>
-            <a:pPr marL="0" indent="0">
-              <a:buNone/>
-            </a:pPr>
-            <a:r>
-              <a:rPr lang="en-US" sz="2000" b="1" dirty="0">
-                <a:latin typeface="Courier New" panose="02070309020205020404" pitchFamily="49" charset="0"/>
-                <a:cs typeface="Courier New" panose="02070309020205020404" pitchFamily="49" charset="0"/>
-              </a:rPr>
-              <a:t>	</a:t>
-            </a:r>
-            <a:r>
-              <a:rPr lang="en-US" sz="2000" b="1" dirty="0" smtClean="0">
-                <a:latin typeface="Courier New" panose="02070309020205020404" pitchFamily="49" charset="0"/>
-                <a:cs typeface="Courier New" panose="02070309020205020404" pitchFamily="49" charset="0"/>
-              </a:rPr>
-              <a:t>	c3 </a:t>
-            </a:r>
-            <a:r>
-              <a:rPr lang="en-US" sz="2000" b="1" dirty="0">
-                <a:latin typeface="Courier New" panose="02070309020205020404" pitchFamily="49" charset="0"/>
-                <a:cs typeface="Courier New" panose="02070309020205020404" pitchFamily="49" charset="0"/>
-              </a:rPr>
-              <a:t>= not c2 or c1;  </a:t>
-            </a:r>
-            <a:endParaRPr lang="en-US" sz="2000" b="1" dirty="0" smtClean="0">
-              <a:latin typeface="Courier New" panose="02070309020205020404" pitchFamily="49" charset="0"/>
-              <a:cs typeface="Courier New" panose="02070309020205020404" pitchFamily="49" charset="0"/>
-            </a:endParaRPr>
-          </a:p>
-          <a:p>
-            <a:pPr marL="0" indent="0">
-              <a:buNone/>
-            </a:pPr>
-            <a:r>
-              <a:rPr lang="en-US" sz="2000" b="1" dirty="0">
-                <a:latin typeface="Courier New" panose="02070309020205020404" pitchFamily="49" charset="0"/>
-                <a:cs typeface="Courier New" panose="02070309020205020404" pitchFamily="49" charset="0"/>
-              </a:rPr>
-              <a:t>	</a:t>
-            </a:r>
-            <a:r>
-              <a:rPr lang="en-US" sz="2000" b="1" dirty="0" smtClean="0">
-                <a:latin typeface="Courier New" panose="02070309020205020404" pitchFamily="49" charset="0"/>
-                <a:cs typeface="Courier New" panose="02070309020205020404" pitchFamily="49" charset="0"/>
-              </a:rPr>
-              <a:t>	P </a:t>
-            </a:r>
-            <a:r>
-              <a:rPr lang="en-US" sz="2000" b="1" dirty="0">
-                <a:latin typeface="Courier New" panose="02070309020205020404" pitchFamily="49" charset="0"/>
-                <a:cs typeface="Courier New" panose="02070309020205020404" pitchFamily="49" charset="0"/>
-              </a:rPr>
-              <a:t>=  (x &lt; 100) or c3; </a:t>
-            </a:r>
-            <a:endParaRPr lang="en-US" sz="2000" b="1" dirty="0" smtClean="0">
-              <a:latin typeface="Courier New" panose="02070309020205020404" pitchFamily="49" charset="0"/>
-              <a:cs typeface="Courier New" panose="02070309020205020404" pitchFamily="49" charset="0"/>
-            </a:endParaRPr>
-          </a:p>
-          <a:p>
-            <a:pPr marL="0" indent="0">
-              <a:buNone/>
-            </a:pPr>
-            <a:r>
-              <a:rPr lang="en-US" sz="2000" b="1" dirty="0">
-                <a:latin typeface="Courier New" panose="02070309020205020404" pitchFamily="49" charset="0"/>
-                <a:cs typeface="Courier New" panose="02070309020205020404" pitchFamily="49" charset="0"/>
-              </a:rPr>
-              <a:t>	</a:t>
-            </a:r>
-            <a:r>
-              <a:rPr lang="en-US" sz="2000" b="1" dirty="0" smtClean="0">
-                <a:latin typeface="Courier New" panose="02070309020205020404" pitchFamily="49" charset="0"/>
-                <a:cs typeface="Courier New" panose="02070309020205020404" pitchFamily="49" charset="0"/>
-              </a:rPr>
-              <a:t>tel;</a:t>
-            </a:r>
-          </a:p>
-          <a:p>
-            <a:pPr marL="0" indent="0">
-              <a:buNone/>
-            </a:pPr>
-            <a:r>
-              <a:rPr lang="en-US" sz="2000" b="1" dirty="0" smtClean="0">
-                <a:latin typeface="Courier New" panose="02070309020205020404" pitchFamily="49" charset="0"/>
-                <a:cs typeface="Courier New" panose="02070309020205020404" pitchFamily="49" charset="0"/>
-              </a:rPr>
-              <a:t>				    </a:t>
-            </a:r>
-            <a:r>
-              <a:rPr lang="en-US" sz="2000" b="1" dirty="0" smtClean="0"/>
-              <a:t>(</a:t>
-            </a:r>
-            <a:r>
-              <a:rPr lang="en-US" sz="2000" b="1" dirty="0"/>
-              <a:t>a)</a:t>
-            </a:r>
-          </a:p>
-          <a:p>
-            <a:pPr marL="0" indent="0">
-              <a:buNone/>
-            </a:pPr>
-            <a:endParaRPr lang="en-US" sz="2000" b="1" dirty="0">
-              <a:latin typeface="+mj-lt"/>
-              <a:cs typeface="Courier New" panose="02070309020205020404" pitchFamily="49" charset="0"/>
-            </a:endParaRPr>
-          </a:p>
-        </p:txBody>
-      </p:sp>
-      <p:sp>
-        <p:nvSpPr>
-          <p:cNvPr id="2" name="Rectangle 1"/>
-          <p:cNvSpPr/>
-          <p:nvPr/>
-        </p:nvSpPr>
-        <p:spPr>
-          <a:xfrm>
-            <a:off x="7531303" y="499730"/>
-            <a:ext cx="4660697" cy="6124354"/>
-          </a:xfrm>
-          <a:prstGeom prst="rect">
-            <a:avLst/>
-          </a:prstGeom>
-          <a:noFill/>
-          <a:ln>
-            <a:solidFill>
-              <a:schemeClr val="tx1"/>
-            </a:solidFill>
-          </a:ln>
-        </p:spPr>
-        <p:style>
-          <a:lnRef idx="2">
-            <a:schemeClr val="accent1">
-              <a:shade val="50000"/>
-            </a:schemeClr>
-          </a:lnRef>
-          <a:fillRef idx="1">
-            <a:schemeClr val="accent1"/>
-          </a:fillRef>
-          <a:effectRef idx="0">
-            <a:schemeClr val="accent1"/>
-          </a:effectRef>
-          <a:fontRef idx="minor">
-            <a:schemeClr val="lt1"/>
-          </a:fontRef>
-        </p:style>
-        <p:txBody>
-          <a:bodyPr rtlCol="0" anchor="ctr"/>
-          <a:lstStyle/>
-          <a:p>
-            <a:pPr algn="ctr"/>
-            <a:endParaRPr lang="en-US"/>
-          </a:p>
-        </p:txBody>
-      </p:sp>
-      <p:sp>
-        <p:nvSpPr>
-          <p:cNvPr id="4" name="Rectangle 3"/>
-          <p:cNvSpPr/>
-          <p:nvPr/>
-        </p:nvSpPr>
-        <p:spPr>
-          <a:xfrm>
-            <a:off x="9873057" y="6254752"/>
-            <a:ext cx="452368" cy="369332"/>
-          </a:xfrm>
-          <a:prstGeom prst="rect">
-            <a:avLst/>
-          </a:prstGeom>
-        </p:spPr>
-        <p:txBody>
-          <a:bodyPr wrap="none">
-            <a:spAutoFit/>
-          </a:bodyPr>
-          <a:lstStyle/>
-          <a:p>
-            <a:r>
-              <a:rPr lang="en-US" b="1" dirty="0" smtClean="0"/>
-              <a:t>(b)</a:t>
-            </a:r>
-            <a:endParaRPr lang="en-US" dirty="0"/>
-          </a:p>
-        </p:txBody>
-      </p:sp>
-      <p:sp>
-        <p:nvSpPr>
-          <p:cNvPr id="5" name="Oval 4"/>
-          <p:cNvSpPr/>
-          <p:nvPr/>
-        </p:nvSpPr>
-        <p:spPr>
-          <a:xfrm rot="17641973">
-            <a:off x="8410461" y="1731288"/>
-            <a:ext cx="2186717" cy="2536994"/>
-          </a:xfrm>
-          <a:prstGeom prst="ellipse">
-            <a:avLst/>
-          </a:prstGeom>
-          <a:noFill/>
-          <a:ln>
-            <a:solidFill>
-              <a:schemeClr val="tx1"/>
-            </a:solidFill>
-          </a:ln>
-        </p:spPr>
-        <p:style>
-          <a:lnRef idx="2">
-            <a:schemeClr val="accent1">
-              <a:shade val="50000"/>
-            </a:schemeClr>
-          </a:lnRef>
-          <a:fillRef idx="1">
-            <a:schemeClr val="accent1"/>
-          </a:fillRef>
-          <a:effectRef idx="0">
-            <a:schemeClr val="accent1"/>
-          </a:effectRef>
-          <a:fontRef idx="minor">
-            <a:schemeClr val="lt1"/>
-          </a:fontRef>
-        </p:style>
-        <p:txBody>
-          <a:bodyPr rtlCol="0" anchor="ctr"/>
-          <a:lstStyle/>
-          <a:p>
-            <a:pPr algn="ctr"/>
-            <a:endParaRPr lang="en-US"/>
-          </a:p>
-        </p:txBody>
-      </p:sp>
-      <p:sp>
-        <p:nvSpPr>
-          <p:cNvPr id="6" name="Oval 5"/>
-          <p:cNvSpPr/>
-          <p:nvPr/>
-        </p:nvSpPr>
-        <p:spPr>
-          <a:xfrm rot="17521782">
-            <a:off x="9399648" y="2282855"/>
-            <a:ext cx="2186717" cy="2346612"/>
-          </a:xfrm>
-          <a:prstGeom prst="ellipse">
-            <a:avLst/>
-          </a:prstGeom>
-          <a:noFill/>
-          <a:ln>
-            <a:solidFill>
-              <a:schemeClr val="tx1"/>
-            </a:solidFill>
-          </a:ln>
-        </p:spPr>
-        <p:style>
-          <a:lnRef idx="2">
-            <a:schemeClr val="accent1">
-              <a:shade val="50000"/>
-            </a:schemeClr>
-          </a:lnRef>
-          <a:fillRef idx="1">
-            <a:schemeClr val="accent1"/>
-          </a:fillRef>
-          <a:effectRef idx="0">
-            <a:schemeClr val="accent1"/>
-          </a:effectRef>
-          <a:fontRef idx="minor">
-            <a:schemeClr val="lt1"/>
-          </a:fontRef>
-        </p:style>
-        <p:txBody>
-          <a:bodyPr rtlCol="0" anchor="ctr"/>
-          <a:lstStyle/>
-          <a:p>
-            <a:pPr algn="ctr"/>
-            <a:endParaRPr lang="en-US"/>
-          </a:p>
-        </p:txBody>
-      </p:sp>
-      <p:sp>
-        <p:nvSpPr>
-          <p:cNvPr id="7" name="Rectangle 6"/>
-          <p:cNvSpPr/>
-          <p:nvPr/>
-        </p:nvSpPr>
-        <p:spPr>
-          <a:xfrm>
-            <a:off x="9876479" y="2799730"/>
-            <a:ext cx="343364" cy="461665"/>
-          </a:xfrm>
-          <a:prstGeom prst="rect">
-            <a:avLst/>
-          </a:prstGeom>
-        </p:spPr>
-        <p:txBody>
-          <a:bodyPr wrap="none">
-            <a:spAutoFit/>
-          </a:bodyPr>
-          <a:lstStyle/>
-          <a:p>
-            <a:r>
-              <a:rPr lang="en-US" sz="2400" dirty="0" smtClean="0">
-                <a:solidFill>
-                  <a:srgbClr val="C00000"/>
-                </a:solidFill>
-              </a:rPr>
-              <a:t>P</a:t>
-            </a:r>
-            <a:endParaRPr lang="en-US" sz="2400" dirty="0"/>
-          </a:p>
-        </p:txBody>
-      </p:sp>
-      <p:sp>
-        <p:nvSpPr>
-          <p:cNvPr id="8" name="Rectangle 7"/>
-          <p:cNvSpPr/>
-          <p:nvPr/>
-        </p:nvSpPr>
-        <p:spPr>
-          <a:xfrm>
-            <a:off x="9583252" y="3517724"/>
-            <a:ext cx="470000" cy="461665"/>
-          </a:xfrm>
-          <a:prstGeom prst="rect">
-            <a:avLst/>
-          </a:prstGeom>
-        </p:spPr>
-        <p:txBody>
-          <a:bodyPr wrap="none">
-            <a:spAutoFit/>
-          </a:bodyPr>
-          <a:lstStyle/>
-          <a:p>
-            <a:r>
-              <a:rPr lang="en-US" sz="2400" dirty="0" smtClean="0"/>
-              <a:t>c3</a:t>
-            </a:r>
-            <a:endParaRPr lang="en-US" sz="2400" dirty="0"/>
-          </a:p>
-        </p:txBody>
-      </p:sp>
-      <p:sp>
-        <p:nvSpPr>
-          <p:cNvPr id="9" name="Rectangle 8"/>
-          <p:cNvSpPr/>
-          <p:nvPr/>
-        </p:nvSpPr>
-        <p:spPr>
-          <a:xfrm>
-            <a:off x="8779771" y="2599675"/>
-            <a:ext cx="317716" cy="461665"/>
-          </a:xfrm>
-          <a:prstGeom prst="rect">
-            <a:avLst/>
-          </a:prstGeom>
-        </p:spPr>
-        <p:txBody>
-          <a:bodyPr wrap="none">
-            <a:spAutoFit/>
-          </a:bodyPr>
-          <a:lstStyle/>
-          <a:p>
-            <a:r>
-              <a:rPr lang="en-US" sz="2400" dirty="0" smtClean="0"/>
-              <a:t>x</a:t>
-            </a:r>
-            <a:endParaRPr lang="en-US" sz="2400" dirty="0"/>
-          </a:p>
-        </p:txBody>
-      </p:sp>
-      <p:sp>
-        <p:nvSpPr>
-          <p:cNvPr id="10" name="Rectangle 9"/>
-          <p:cNvSpPr/>
-          <p:nvPr/>
-        </p:nvSpPr>
-        <p:spPr>
-          <a:xfrm>
-            <a:off x="10806748" y="3602680"/>
-            <a:ext cx="470000" cy="461665"/>
-          </a:xfrm>
-          <a:prstGeom prst="rect">
-            <a:avLst/>
-          </a:prstGeom>
-        </p:spPr>
-        <p:txBody>
-          <a:bodyPr wrap="none">
-            <a:spAutoFit/>
-          </a:bodyPr>
-          <a:lstStyle/>
-          <a:p>
-            <a:r>
-              <a:rPr lang="en-US" sz="2400" dirty="0" smtClean="0"/>
-              <a:t>c2</a:t>
-            </a:r>
-            <a:endParaRPr lang="en-US" sz="2400" dirty="0"/>
-          </a:p>
-        </p:txBody>
-      </p:sp>
-      <p:sp>
-        <p:nvSpPr>
-          <p:cNvPr id="12" name="Rectangle 11"/>
-          <p:cNvSpPr/>
-          <p:nvPr/>
-        </p:nvSpPr>
-        <p:spPr>
-          <a:xfrm>
-            <a:off x="8544771" y="4053307"/>
-            <a:ext cx="470000" cy="461665"/>
-          </a:xfrm>
-          <a:prstGeom prst="rect">
-            <a:avLst/>
-          </a:prstGeom>
-        </p:spPr>
-        <p:txBody>
-          <a:bodyPr wrap="none">
-            <a:spAutoFit/>
-          </a:bodyPr>
-          <a:lstStyle/>
-          <a:p>
-            <a:r>
-              <a:rPr lang="en-US" sz="2400" dirty="0" smtClean="0"/>
-              <a:t>c1</a:t>
-            </a:r>
-            <a:endParaRPr lang="en-US" sz="2400" dirty="0"/>
-          </a:p>
-        </p:txBody>
-      </p:sp>
-      <p:sp>
-        <p:nvSpPr>
-          <p:cNvPr id="13" name="Rectangle 12"/>
-          <p:cNvSpPr/>
-          <p:nvPr/>
-        </p:nvSpPr>
-        <p:spPr>
-          <a:xfrm>
-            <a:off x="9824382" y="1376891"/>
-            <a:ext cx="447558" cy="461665"/>
-          </a:xfrm>
-          <a:prstGeom prst="rect">
-            <a:avLst/>
-          </a:prstGeom>
-        </p:spPr>
-        <p:txBody>
-          <a:bodyPr wrap="square">
-            <a:spAutoFit/>
-          </a:bodyPr>
-          <a:lstStyle/>
-          <a:p>
-            <a:r>
-              <a:rPr lang="en-US" sz="2400" dirty="0" smtClean="0"/>
-              <a:t>r1</a:t>
-            </a:r>
-            <a:endParaRPr lang="en-US" sz="2400" dirty="0"/>
-          </a:p>
-        </p:txBody>
-      </p:sp>
-      <p:sp>
-        <p:nvSpPr>
-          <p:cNvPr id="14" name="Rectangle 13"/>
-          <p:cNvSpPr/>
-          <p:nvPr/>
-        </p:nvSpPr>
-        <p:spPr>
-          <a:xfrm>
-            <a:off x="10772640" y="1770690"/>
-            <a:ext cx="447558" cy="461665"/>
-          </a:xfrm>
-          <a:prstGeom prst="rect">
-            <a:avLst/>
-          </a:prstGeom>
-        </p:spPr>
-        <p:txBody>
-          <a:bodyPr wrap="none">
-            <a:spAutoFit/>
-          </a:bodyPr>
-          <a:lstStyle/>
-          <a:p>
-            <a:r>
-              <a:rPr lang="en-US" sz="2400" dirty="0" smtClean="0"/>
-              <a:t>r2</a:t>
-            </a:r>
-            <a:endParaRPr lang="en-US" sz="2400" dirty="0"/>
-          </a:p>
-        </p:txBody>
-      </p:sp>
-      <p:sp>
-        <p:nvSpPr>
-          <p:cNvPr id="15" name="Oval 14"/>
-          <p:cNvSpPr/>
-          <p:nvPr/>
-        </p:nvSpPr>
-        <p:spPr>
-          <a:xfrm rot="17521782">
-            <a:off x="7726455" y="1145223"/>
-            <a:ext cx="4521558" cy="4099412"/>
-          </a:xfrm>
-          <a:prstGeom prst="ellipse">
-            <a:avLst/>
-          </a:prstGeom>
-          <a:noFill/>
-          <a:ln w="19050">
-            <a:solidFill>
-              <a:schemeClr val="tx1"/>
-            </a:solidFill>
-            <a:prstDash val="lgDash"/>
-          </a:ln>
-        </p:spPr>
-        <p:style>
-          <a:lnRef idx="2">
-            <a:schemeClr val="accent1">
-              <a:shade val="50000"/>
-            </a:schemeClr>
-          </a:lnRef>
-          <a:fillRef idx="1">
-            <a:schemeClr val="accent1"/>
-          </a:fillRef>
-          <a:effectRef idx="0">
-            <a:schemeClr val="accent1"/>
-          </a:effectRef>
-          <a:fontRef idx="minor">
-            <a:schemeClr val="lt1"/>
-          </a:fontRef>
-        </p:style>
-        <p:txBody>
-          <a:bodyPr rtlCol="0" anchor="ctr"/>
-          <a:lstStyle/>
-          <a:p>
-            <a:pPr algn="ctr"/>
-            <a:endParaRPr lang="en-US"/>
-          </a:p>
-        </p:txBody>
-      </p:sp>
-    </p:spTree>
-    <p:extLst>
-      <p:ext uri="{BB962C8B-B14F-4D97-AF65-F5344CB8AC3E}">
-        <p14:creationId xmlns:p14="http://schemas.microsoft.com/office/powerpoint/2010/main" val="1337452540"/>
-      </p:ext>
-    </p:extLst>
-  </p:cSld>
-  <p:clrMapOvr>
-    <a:masterClrMapping/>
-  </p:clrMapOvr>
-</p:sld>
-</file>
-
 <file path=ppt/theme/theme1.xml><?xml version="1.0" encoding="utf-8"?>
 <a:theme xmlns:a="http://schemas.openxmlformats.org/drawingml/2006/main" name="Office Theme">
   <a:themeElements>

--- a/Thesis/figs/figs.pptx
+++ b/Thesis/figs/figs.pptx
@@ -259,7 +259,7 @@
           <a:p>
             <a:fld id="{5A779009-EA30-43A9-A43B-F006CC3D9B84}" type="datetimeFigureOut">
               <a:rPr lang="en-US" smtClean="0"/>
-              <a:t>7/15/2018</a:t>
+              <a:t>7/16/2018</a:t>
             </a:fld>
             <a:endParaRPr lang="en-US"/>
           </a:p>
@@ -429,7 +429,7 @@
           <a:p>
             <a:fld id="{5A779009-EA30-43A9-A43B-F006CC3D9B84}" type="datetimeFigureOut">
               <a:rPr lang="en-US" smtClean="0"/>
-              <a:t>7/15/2018</a:t>
+              <a:t>7/16/2018</a:t>
             </a:fld>
             <a:endParaRPr lang="en-US"/>
           </a:p>
@@ -609,7 +609,7 @@
           <a:p>
             <a:fld id="{5A779009-EA30-43A9-A43B-F006CC3D9B84}" type="datetimeFigureOut">
               <a:rPr lang="en-US" smtClean="0"/>
-              <a:t>7/15/2018</a:t>
+              <a:t>7/16/2018</a:t>
             </a:fld>
             <a:endParaRPr lang="en-US"/>
           </a:p>
@@ -779,7 +779,7 @@
           <a:p>
             <a:fld id="{5A779009-EA30-43A9-A43B-F006CC3D9B84}" type="datetimeFigureOut">
               <a:rPr lang="en-US" smtClean="0"/>
-              <a:t>7/15/2018</a:t>
+              <a:t>7/16/2018</a:t>
             </a:fld>
             <a:endParaRPr lang="en-US"/>
           </a:p>
@@ -1025,7 +1025,7 @@
           <a:p>
             <a:fld id="{5A779009-EA30-43A9-A43B-F006CC3D9B84}" type="datetimeFigureOut">
               <a:rPr lang="en-US" smtClean="0"/>
-              <a:t>7/15/2018</a:t>
+              <a:t>7/16/2018</a:t>
             </a:fld>
             <a:endParaRPr lang="en-US"/>
           </a:p>
@@ -1257,7 +1257,7 @@
           <a:p>
             <a:fld id="{5A779009-EA30-43A9-A43B-F006CC3D9B84}" type="datetimeFigureOut">
               <a:rPr lang="en-US" smtClean="0"/>
-              <a:t>7/15/2018</a:t>
+              <a:t>7/16/2018</a:t>
             </a:fld>
             <a:endParaRPr lang="en-US"/>
           </a:p>
@@ -1624,7 +1624,7 @@
           <a:p>
             <a:fld id="{5A779009-EA30-43A9-A43B-F006CC3D9B84}" type="datetimeFigureOut">
               <a:rPr lang="en-US" smtClean="0"/>
-              <a:t>7/15/2018</a:t>
+              <a:t>7/16/2018</a:t>
             </a:fld>
             <a:endParaRPr lang="en-US"/>
           </a:p>
@@ -1742,7 +1742,7 @@
           <a:p>
             <a:fld id="{5A779009-EA30-43A9-A43B-F006CC3D9B84}" type="datetimeFigureOut">
               <a:rPr lang="en-US" smtClean="0"/>
-              <a:t>7/15/2018</a:t>
+              <a:t>7/16/2018</a:t>
             </a:fld>
             <a:endParaRPr lang="en-US"/>
           </a:p>
@@ -1837,7 +1837,7 @@
           <a:p>
             <a:fld id="{5A779009-EA30-43A9-A43B-F006CC3D9B84}" type="datetimeFigureOut">
               <a:rPr lang="en-US" smtClean="0"/>
-              <a:t>7/15/2018</a:t>
+              <a:t>7/16/2018</a:t>
             </a:fld>
             <a:endParaRPr lang="en-US"/>
           </a:p>
@@ -2114,7 +2114,7 @@
           <a:p>
             <a:fld id="{5A779009-EA30-43A9-A43B-F006CC3D9B84}" type="datetimeFigureOut">
               <a:rPr lang="en-US" smtClean="0"/>
-              <a:t>7/15/2018</a:t>
+              <a:t>7/16/2018</a:t>
             </a:fld>
             <a:endParaRPr lang="en-US"/>
           </a:p>
@@ -2367,7 +2367,7 @@
           <a:p>
             <a:fld id="{5A779009-EA30-43A9-A43B-F006CC3D9B84}" type="datetimeFigureOut">
               <a:rPr lang="en-US" smtClean="0"/>
-              <a:t>7/15/2018</a:t>
+              <a:t>7/16/2018</a:t>
             </a:fld>
             <a:endParaRPr lang="en-US"/>
           </a:p>
@@ -2580,7 +2580,7 @@
           <a:p>
             <a:fld id="{5A779009-EA30-43A9-A43B-F006CC3D9B84}" type="datetimeFigureOut">
               <a:rPr lang="en-US" smtClean="0"/>
-              <a:t>7/15/2018</a:t>
+              <a:t>7/16/2018</a:t>
             </a:fld>
             <a:endParaRPr lang="en-US"/>
           </a:p>
@@ -13338,8 +13338,8 @@
         </p:nvSpPr>
         <p:spPr>
           <a:xfrm>
-            <a:off x="744279" y="116542"/>
-            <a:ext cx="10129909" cy="5423022"/>
+            <a:off x="744279" y="134472"/>
+            <a:ext cx="10129909" cy="5782234"/>
           </a:xfrm>
           <a:prstGeom prst="rect">
             <a:avLst/>
@@ -14099,20 +14099,6 @@
               </a:spcBef>
               <a:buNone/>
             </a:pPr>
-            <a:r>
-              <a:rPr lang="en-US" sz="1800" dirty="0">
-                <a:latin typeface="Consolas" panose="020B0609020204030204" pitchFamily="49" charset="0"/>
-                <a:cs typeface="Courier New" panose="02070309020205020404" pitchFamily="49" charset="0"/>
-              </a:rPr>
-              <a:t>1. read </a:t>
-            </a:r>
-            <a:r>
-              <a:rPr lang="en-US" sz="1800" dirty="0" smtClean="0">
-                <a:latin typeface="Consolas" panose="020B0609020204030204" pitchFamily="49" charset="0"/>
-                <a:cs typeface="Courier New" panose="02070309020205020404" pitchFamily="49" charset="0"/>
-              </a:rPr>
-              <a:t>(n)</a:t>
-            </a:r>
             <a:endParaRPr lang="en-US" sz="1800" dirty="0">
               <a:latin typeface="Consolas" panose="020B0609020204030204" pitchFamily="49" charset="0"/>
               <a:cs typeface="Courier New" panose="02070309020205020404" pitchFamily="49" charset="0"/>
@@ -14367,14 +14353,14 @@
       </p:sp>
       <p:cxnSp>
         <p:nvCxnSpPr>
-          <p:cNvPr id="3" name="Straight Connector 2"/>
+          <p:cNvPr id="19" name="Straight Connector 18"/>
           <p:cNvCxnSpPr/>
           <p:nvPr/>
         </p:nvCxnSpPr>
         <p:spPr>
           <a:xfrm>
-            <a:off x="4023902" y="257344"/>
-            <a:ext cx="0" cy="5080199"/>
+            <a:off x="7593106" y="257344"/>
+            <a:ext cx="0" cy="5500810"/>
           </a:xfrm>
           <a:prstGeom prst="line">
             <a:avLst/>
@@ -14403,16 +14389,145 @@
           </a:fontRef>
         </p:style>
       </p:cxnSp>
+      <p:sp>
+        <p:nvSpPr>
+          <p:cNvPr id="2" name="Rectangle 1"/>
+          <p:cNvSpPr/>
+          <p:nvPr/>
+        </p:nvSpPr>
+        <p:spPr>
+          <a:xfrm>
+            <a:off x="2165585" y="5333422"/>
+            <a:ext cx="441146" cy="424732"/>
+          </a:xfrm>
+          <a:prstGeom prst="rect">
+            <a:avLst/>
+          </a:prstGeom>
+        </p:spPr>
+        <p:txBody>
+          <a:bodyPr wrap="none">
+            <a:spAutoFit/>
+          </a:bodyPr>
+          <a:lstStyle/>
+          <a:p>
+            <a:pPr>
+              <a:lnSpc>
+                <a:spcPct val="120000"/>
+              </a:lnSpc>
+              <a:spcBef>
+                <a:spcPts val="400"/>
+              </a:spcBef>
+            </a:pPr>
+            <a:r>
+              <a:rPr lang="en-US" dirty="0">
+                <a:latin typeface="Times New Roman" panose="02020603050405020304" pitchFamily="18" charset="0"/>
+                <a:cs typeface="Times New Roman" panose="02020603050405020304" pitchFamily="18" charset="0"/>
+              </a:rPr>
+              <a:t>(a)</a:t>
+            </a:r>
+            <a:endParaRPr lang="en-US" dirty="0">
+              <a:latin typeface="Times New Roman" panose="02020603050405020304" pitchFamily="18" charset="0"/>
+              <a:cs typeface="Times New Roman" panose="02020603050405020304" pitchFamily="18" charset="0"/>
+            </a:endParaRPr>
+          </a:p>
+        </p:txBody>
+      </p:sp>
+      <p:sp>
+        <p:nvSpPr>
+          <p:cNvPr id="9" name="Rectangle 8"/>
+          <p:cNvSpPr/>
+          <p:nvPr/>
+        </p:nvSpPr>
+        <p:spPr>
+          <a:xfrm>
+            <a:off x="5461684" y="5365218"/>
+            <a:ext cx="453970" cy="395749"/>
+          </a:xfrm>
+          <a:prstGeom prst="rect">
+            <a:avLst/>
+          </a:prstGeom>
+        </p:spPr>
+        <p:txBody>
+          <a:bodyPr wrap="none">
+            <a:spAutoFit/>
+          </a:bodyPr>
+          <a:lstStyle/>
+          <a:p>
+            <a:pPr>
+              <a:lnSpc>
+                <a:spcPct val="120000"/>
+              </a:lnSpc>
+              <a:spcBef>
+                <a:spcPts val="400"/>
+              </a:spcBef>
+            </a:pPr>
+            <a:r>
+              <a:rPr lang="en-US" dirty="0" smtClean="0">
+                <a:latin typeface="Times New Roman" panose="02020603050405020304" pitchFamily="18" charset="0"/>
+                <a:cs typeface="Times New Roman" panose="02020603050405020304" pitchFamily="18" charset="0"/>
+              </a:rPr>
+              <a:t>(b)</a:t>
+            </a:r>
+            <a:endParaRPr lang="en-US" dirty="0">
+              <a:latin typeface="Times New Roman" panose="02020603050405020304" pitchFamily="18" charset="0"/>
+              <a:cs typeface="Times New Roman" panose="02020603050405020304" pitchFamily="18" charset="0"/>
+            </a:endParaRPr>
+          </a:p>
+        </p:txBody>
+      </p:sp>
+      <p:sp>
+        <p:nvSpPr>
+          <p:cNvPr id="10" name="Rectangle 9"/>
+          <p:cNvSpPr/>
+          <p:nvPr/>
+        </p:nvSpPr>
+        <p:spPr>
+          <a:xfrm>
+            <a:off x="9000143" y="5362405"/>
+            <a:ext cx="441146" cy="395749"/>
+          </a:xfrm>
+          <a:prstGeom prst="rect">
+            <a:avLst/>
+          </a:prstGeom>
+        </p:spPr>
+        <p:txBody>
+          <a:bodyPr wrap="none">
+            <a:spAutoFit/>
+          </a:bodyPr>
+          <a:lstStyle/>
+          <a:p>
+            <a:pPr>
+              <a:lnSpc>
+                <a:spcPct val="120000"/>
+              </a:lnSpc>
+              <a:spcBef>
+                <a:spcPts val="400"/>
+              </a:spcBef>
+            </a:pPr>
+            <a:r>
+              <a:rPr lang="en-US" dirty="0" smtClean="0">
+                <a:latin typeface="Times New Roman" panose="02020603050405020304" pitchFamily="18" charset="0"/>
+                <a:cs typeface="Times New Roman" panose="02020603050405020304" pitchFamily="18" charset="0"/>
+              </a:rPr>
+              <a:t>(c)</a:t>
+            </a:r>
+            <a:endParaRPr lang="en-US" dirty="0">
+              <a:latin typeface="Times New Roman" panose="02020603050405020304" pitchFamily="18" charset="0"/>
+              <a:cs typeface="Times New Roman" panose="02020603050405020304" pitchFamily="18" charset="0"/>
+            </a:endParaRPr>
+          </a:p>
+        </p:txBody>
+      </p:sp>
       <p:cxnSp>
         <p:nvCxnSpPr>
-          <p:cNvPr id="19" name="Straight Connector 18"/>
+          <p:cNvPr id="20" name="Straight Connector 19"/>
           <p:cNvCxnSpPr/>
           <p:nvPr/>
         </p:nvCxnSpPr>
         <p:spPr>
           <a:xfrm>
-            <a:off x="7557455" y="257345"/>
-            <a:ext cx="0" cy="5080199"/>
+            <a:off x="3861078" y="257344"/>
+            <a:ext cx="0" cy="5500810"/>
           </a:xfrm>
           <a:prstGeom prst="line">
             <a:avLst/>
